--- a/working-documents/wclg-doma/slides-doma-overview-2022-04-27.pptx
+++ b/working-documents/wclg-doma/slides-doma-overview-2022-04-27.pptx
@@ -5,42 +5,49 @@
     <p:sldMasterId id="2147483648" r:id="rId1"/>
   </p:sldMasterIdLst>
   <p:notesMasterIdLst>
-    <p:notesMasterId r:id="rId32"/>
+    <p:notesMasterId r:id="rId39"/>
   </p:notesMasterIdLst>
   <p:handoutMasterIdLst>
-    <p:handoutMasterId r:id="rId33"/>
+    <p:handoutMasterId r:id="rId40"/>
   </p:handoutMasterIdLst>
   <p:sldIdLst>
     <p:sldId id="2595" r:id="rId2"/>
-    <p:sldId id="771" r:id="rId3"/>
-    <p:sldId id="844" r:id="rId4"/>
-    <p:sldId id="829" r:id="rId5"/>
-    <p:sldId id="821" r:id="rId6"/>
-    <p:sldId id="847" r:id="rId7"/>
-    <p:sldId id="848" r:id="rId8"/>
-    <p:sldId id="849" r:id="rId9"/>
-    <p:sldId id="850" r:id="rId10"/>
-    <p:sldId id="846" r:id="rId11"/>
-    <p:sldId id="851" r:id="rId12"/>
-    <p:sldId id="852" r:id="rId13"/>
-    <p:sldId id="845" r:id="rId14"/>
-    <p:sldId id="2594" r:id="rId15"/>
-    <p:sldId id="472" r:id="rId16"/>
-    <p:sldId id="774" r:id="rId17"/>
-    <p:sldId id="458" r:id="rId18"/>
-    <p:sldId id="827" r:id="rId19"/>
-    <p:sldId id="826" r:id="rId20"/>
-    <p:sldId id="843" r:id="rId21"/>
-    <p:sldId id="840" r:id="rId22"/>
-    <p:sldId id="784" r:id="rId23"/>
-    <p:sldId id="787" r:id="rId24"/>
-    <p:sldId id="2593" r:id="rId25"/>
-    <p:sldId id="789" r:id="rId26"/>
-    <p:sldId id="804" r:id="rId27"/>
-    <p:sldId id="805" r:id="rId28"/>
-    <p:sldId id="998" r:id="rId29"/>
-    <p:sldId id="790" r:id="rId30"/>
-    <p:sldId id="793" r:id="rId31"/>
+    <p:sldId id="2596" r:id="rId3"/>
+    <p:sldId id="771" r:id="rId4"/>
+    <p:sldId id="458" r:id="rId5"/>
+    <p:sldId id="844" r:id="rId6"/>
+    <p:sldId id="829" r:id="rId7"/>
+    <p:sldId id="821" r:id="rId8"/>
+    <p:sldId id="847" r:id="rId9"/>
+    <p:sldId id="848" r:id="rId10"/>
+    <p:sldId id="849" r:id="rId11"/>
+    <p:sldId id="850" r:id="rId12"/>
+    <p:sldId id="2598" r:id="rId13"/>
+    <p:sldId id="2597" r:id="rId14"/>
+    <p:sldId id="2599" r:id="rId15"/>
+    <p:sldId id="846" r:id="rId16"/>
+    <p:sldId id="851" r:id="rId17"/>
+    <p:sldId id="852" r:id="rId18"/>
+    <p:sldId id="2600" r:id="rId19"/>
+    <p:sldId id="2601" r:id="rId20"/>
+    <p:sldId id="2602" r:id="rId21"/>
+    <p:sldId id="845" r:id="rId22"/>
+    <p:sldId id="2594" r:id="rId23"/>
+    <p:sldId id="472" r:id="rId24"/>
+    <p:sldId id="774" r:id="rId25"/>
+    <p:sldId id="827" r:id="rId26"/>
+    <p:sldId id="826" r:id="rId27"/>
+    <p:sldId id="843" r:id="rId28"/>
+    <p:sldId id="840" r:id="rId29"/>
+    <p:sldId id="784" r:id="rId30"/>
+    <p:sldId id="787" r:id="rId31"/>
+    <p:sldId id="2593" r:id="rId32"/>
+    <p:sldId id="789" r:id="rId33"/>
+    <p:sldId id="804" r:id="rId34"/>
+    <p:sldId id="805" r:id="rId35"/>
+    <p:sldId id="998" r:id="rId36"/>
+    <p:sldId id="790" r:id="rId37"/>
+    <p:sldId id="793" r:id="rId38"/>
   </p:sldIdLst>
   <p:sldSz cx="9144000" cy="5143500" type="screen16x9"/>
   <p:notesSz cx="6858000" cy="9144000"/>
@@ -588,10 +595,10 @@
           </a:ln>
           <a:extLst>
             <a:ext uri="{FAA26D3D-D897-4be2-8F04-BA451C77F1D7}">
-              <ma14:placeholderFlag xmlns:ma14="http://schemas.microsoft.com/office/mac/drawingml/2011/main" xmlns="" val="1"/>
+              <ma14:placeholderFlag xmlns="" xmlns:ma14="http://schemas.microsoft.com/office/mac/drawingml/2011/main" val="1"/>
             </a:ext>
             <a:ext uri="{909E8E84-426E-40dd-AFC4-6F175D3DCCD1}">
-              <a14:hiddenFill xmlns="" xmlns:a14="http://schemas.microsoft.com/office/drawing/2010/main">
+              <a14:hiddenFill xmlns:a14="http://schemas.microsoft.com/office/drawing/2010/main" xmlns="">
                 <a:solidFill>
                   <a:srgbClr val="FFFFFF"/>
                 </a:solidFill>
@@ -983,7 +990,7 @@
               <a:pPr>
                 <a:defRPr/>
               </a:pPr>
-              <a:t>2</a:t>
+              <a:t>3</a:t>
             </a:fld>
             <a:endParaRPr lang="en-US"/>
           </a:p>
@@ -1150,7 +1157,7 @@
             <a:fld id="{B27B5CD6-1372-1A4F-BBF0-0A35B8A9C402}" type="slidenum">
               <a:rPr lang="en-US" altLang="en-US"/>
               <a:pPr eaLnBrk="1" hangingPunct="1"/>
-              <a:t>29</a:t>
+              <a:t>36</a:t>
             </a:fld>
             <a:endParaRPr lang="en-US" altLang="en-US"/>
           </a:p>
@@ -1386,7 +1393,7 @@
             <a:fld id="{A827D06B-4062-064E-8EDE-045DA0D8065B}" type="slidenum">
               <a:rPr lang="en-US" altLang="en-US"/>
               <a:pPr eaLnBrk="1" hangingPunct="1"/>
-              <a:t>30</a:t>
+              <a:t>37</a:t>
             </a:fld>
             <a:endParaRPr lang="en-US" altLang="en-US"/>
           </a:p>
@@ -1609,7 +1616,7 @@
               <a:pPr>
                 <a:defRPr/>
               </a:pPr>
-              <a:t>4</a:t>
+              <a:t>6</a:t>
             </a:fld>
             <a:endParaRPr lang="en-US"/>
           </a:p>
@@ -1704,7 +1711,7 @@
               <a:pPr>
                 <a:defRPr/>
               </a:pPr>
-              <a:t>16</a:t>
+              <a:t>24</a:t>
             </a:fld>
             <a:endParaRPr lang="en-US"/>
           </a:p>
@@ -1871,7 +1878,7 @@
             <a:fld id="{DCCA2B09-E615-4E47-92C6-8B2928112B12}" type="slidenum">
               <a:rPr lang="en-US" altLang="en-US"/>
               <a:pPr eaLnBrk="1" hangingPunct="1"/>
-              <a:t>22</a:t>
+              <a:t>29</a:t>
             </a:fld>
             <a:endParaRPr lang="en-US" altLang="en-US"/>
           </a:p>
@@ -2107,7 +2114,7 @@
             <a:fld id="{56A5345B-FC71-6C49-812C-FD3FF60698AF}" type="slidenum">
               <a:rPr lang="en-US" altLang="en-US"/>
               <a:pPr eaLnBrk="1" hangingPunct="1"/>
-              <a:t>23</a:t>
+              <a:t>30</a:t>
             </a:fld>
             <a:endParaRPr lang="en-US" altLang="en-US"/>
           </a:p>
@@ -2343,7 +2350,7 @@
             <a:fld id="{56A5345B-FC71-6C49-812C-FD3FF60698AF}" type="slidenum">
               <a:rPr lang="en-US" altLang="en-US"/>
               <a:pPr eaLnBrk="1" hangingPunct="1"/>
-              <a:t>24</a:t>
+              <a:t>31</a:t>
             </a:fld>
             <a:endParaRPr lang="en-US" altLang="en-US"/>
           </a:p>
@@ -2579,7 +2586,7 @@
             <a:fld id="{76307937-8637-1044-A1E6-CCF4C1011E43}" type="slidenum">
               <a:rPr lang="en-US" altLang="en-US"/>
               <a:pPr eaLnBrk="1" hangingPunct="1"/>
-              <a:t>25</a:t>
+              <a:t>32</a:t>
             </a:fld>
             <a:endParaRPr lang="en-US" altLang="en-US"/>
           </a:p>
@@ -2876,7 +2883,7 @@
                 <a:tabLst/>
                 <a:defRPr/>
               </a:pPr>
-              <a:t>26</a:t>
+              <a:t>33</a:t>
             </a:fld>
             <a:endParaRPr kumimoji="0" lang="en-US" altLang="en-US" sz="1300" b="0" i="0" u="none" strike="noStrike" kern="1200" cap="none" spc="0" normalizeH="0" baseline="0" noProof="0">
               <a:ln>
@@ -3300,7 +3307,7 @@
                 <a:tabLst/>
                 <a:defRPr/>
               </a:pPr>
-              <a:t>27</a:t>
+              <a:t>34</a:t>
             </a:fld>
             <a:endParaRPr kumimoji="0" lang="en-US" altLang="en-US" sz="1300" b="0" i="0" u="none" strike="noStrike" kern="1200" cap="none" spc="0" normalizeH="0" baseline="0" noProof="0">
               <a:ln>
@@ -3369,7 +3376,7 @@
               </a14:hiddenLine>
             </a:ext>
             <a:ext uri="{FAA26D3D-D897-4be2-8F04-BA451C77F1D7}">
-              <ma14:placeholderFlag xmlns="" xmlns:ma14="http://schemas.microsoft.com/office/mac/drawingml/2011/main" val="1"/>
+              <ma14:placeholderFlag xmlns:ma14="http://schemas.microsoft.com/office/mac/drawingml/2011/main" xmlns="" val="1"/>
             </a:ext>
           </a:extLst>
         </p:spPr>
@@ -5169,17 +5176,17 @@
           </a:ln>
           <a:extLst>
             <a:ext uri="{FAA26D3D-D897-4be2-8F04-BA451C77F1D7}">
-              <ma14:placeholderFlag xmlns:ma14="http://schemas.microsoft.com/office/mac/drawingml/2011/main" xmlns="" val="1"/>
+              <ma14:placeholderFlag xmlns="" xmlns:ma14="http://schemas.microsoft.com/office/mac/drawingml/2011/main" val="1"/>
             </a:ext>
             <a:ext uri="{909E8E84-426E-40dd-AFC4-6F175D3DCCD1}">
-              <a14:hiddenFill xmlns="" xmlns:a14="http://schemas.microsoft.com/office/drawing/2010/main">
+              <a14:hiddenFill xmlns:a14="http://schemas.microsoft.com/office/drawing/2010/main" xmlns="">
                 <a:solidFill>
                   <a:srgbClr val="FFFFFF"/>
                 </a:solidFill>
               </a14:hiddenFill>
             </a:ext>
             <a:ext uri="{91240B29-F687-4f45-9708-019B960494DF}">
-              <a14:hiddenLine xmlns="" xmlns:a14="http://schemas.microsoft.com/office/drawing/2010/main" w="9525">
+              <a14:hiddenLine xmlns:a14="http://schemas.microsoft.com/office/drawing/2010/main" xmlns="" w="9525">
                 <a:solidFill>
                   <a:srgbClr val="000000"/>
                 </a:solidFill>
@@ -5261,7 +5268,7 @@
           </a:ln>
           <a:extLst>
             <a:ext uri="{909E8E84-426E-40dd-AFC4-6F175D3DCCD1}">
-              <a14:hiddenFill xmlns="" xmlns:a14="http://schemas.microsoft.com/office/drawing/2010/main">
+              <a14:hiddenFill xmlns:a14="http://schemas.microsoft.com/office/drawing/2010/main" xmlns="">
                 <a:noFill/>
               </a14:hiddenFill>
             </a:ext>
@@ -5933,14 +5940,19 @@
             <p:ph type="ctrTitle"/>
           </p:nvPr>
         </p:nvSpPr>
-        <p:spPr/>
+        <p:spPr>
+          <a:xfrm>
+            <a:off x="685800" y="774859"/>
+            <a:ext cx="7772400" cy="1102519"/>
+          </a:xfrm>
+        </p:spPr>
         <p:txBody>
           <a:bodyPr/>
           <a:lstStyle/>
           <a:p>
             <a:r>
               <a:rPr lang="en-US" dirty="0"/>
-              <a:t>ALTO Overview</a:t>
+              <a:t>Application-Layer Traffic Optimization (ALTO) for Data Intensive Sciences</a:t>
             </a:r>
           </a:p>
         </p:txBody>
@@ -5961,29 +5973,35 @@
             <p:ph type="subTitle" idx="1"/>
           </p:nvPr>
         </p:nvSpPr>
-        <p:spPr/>
+        <p:spPr>
+          <a:xfrm>
+            <a:off x="1371600" y="2686050"/>
+            <a:ext cx="7086600" cy="1314450"/>
+          </a:xfrm>
+        </p:spPr>
         <p:txBody>
           <a:bodyPr/>
           <a:lstStyle/>
           <a:p>
             <a:r>
               <a:rPr lang="en-US" dirty="0"/>
-              <a:t>4/27/2022</a:t>
-            </a:r>
-          </a:p>
-          <a:p>
+              <a:t>WCLG DOMA 4/27/2022 Meeting</a:t>
+            </a:r>
+            <a:br>
+              <a:rPr lang="en-US" dirty="0"/>
+            </a:br>
             <a:endParaRPr lang="en-US" dirty="0"/>
           </a:p>
           <a:p>
             <a:r>
               <a:rPr lang="en-US" dirty="0"/>
-              <a:t>Jordi Jordi Ros Giralt, Y. Richard Yang</a:t>
+              <a:t>Jordi Ros Giralt, Y. Richard Yang</a:t>
             </a:r>
           </a:p>
           <a:p>
             <a:r>
               <a:rPr lang="en-US" dirty="0"/>
-              <a:t>on behalf of IETF ALTO WG</a:t>
+              <a:t>on behalf of IETF ALTO WG (Jacob, Jensen, Kai, Alex, …)</a:t>
             </a:r>
           </a:p>
         </p:txBody>
@@ -6023,6 +6041,788 @@
           <p:cNvPr id="2" name="Title 1">
             <a:extLst>
               <a:ext uri="{FF2B5EF4-FFF2-40B4-BE49-F238E27FC236}">
+                <a16:creationId xmlns:a16="http://schemas.microsoft.com/office/drawing/2014/main" id="{70AC13F9-04CE-CE42-A110-BC394746D10C}"/>
+              </a:ext>
+            </a:extLst>
+          </p:cNvPr>
+          <p:cNvSpPr>
+            <a:spLocks noGrp="1"/>
+          </p:cNvSpPr>
+          <p:nvPr>
+            <p:ph type="title"/>
+          </p:nvPr>
+        </p:nvSpPr>
+        <p:spPr/>
+        <p:txBody>
+          <a:bodyPr/>
+          <a:lstStyle/>
+          <a:p>
+            <a:r>
+              <a:rPr lang="en-US" dirty="0"/>
+              <a:t>Simple ALTO Example: Path Vector</a:t>
+            </a:r>
+          </a:p>
+        </p:txBody>
+      </p:sp>
+      <p:sp>
+        <p:nvSpPr>
+          <p:cNvPr id="3" name="Content Placeholder 2">
+            <a:extLst>
+              <a:ext uri="{FF2B5EF4-FFF2-40B4-BE49-F238E27FC236}">
+                <a16:creationId xmlns:a16="http://schemas.microsoft.com/office/drawing/2014/main" id="{4ABBF26B-5B20-9440-BC6C-B89F8331C952}"/>
+              </a:ext>
+            </a:extLst>
+          </p:cNvPr>
+          <p:cNvSpPr>
+            <a:spLocks noGrp="1"/>
+          </p:cNvSpPr>
+          <p:nvPr>
+            <p:ph idx="1"/>
+          </p:nvPr>
+        </p:nvSpPr>
+        <p:spPr>
+          <a:xfrm>
+            <a:off x="125413" y="4428392"/>
+            <a:ext cx="8856662" cy="315057"/>
+          </a:xfrm>
+        </p:spPr>
+        <p:txBody>
+          <a:bodyPr/>
+          <a:lstStyle/>
+          <a:p>
+            <a:r>
+              <a:rPr lang="en-US" sz="1600" dirty="0"/>
+              <a:t>More details see https://</a:t>
+            </a:r>
+            <a:r>
+              <a:rPr lang="en-US" sz="1600" dirty="0" err="1"/>
+              <a:t>datatracker.ietf.org</a:t>
+            </a:r>
+            <a:r>
+              <a:rPr lang="en-US" sz="1600" dirty="0"/>
+              <a:t>/doc/html/draft-ietf-alto-path-vector-21#section-8.1</a:t>
+            </a:r>
+          </a:p>
+        </p:txBody>
+      </p:sp>
+      <p:pic>
+        <p:nvPicPr>
+          <p:cNvPr id="4" name="Picture 3">
+            <a:extLst>
+              <a:ext uri="{FF2B5EF4-FFF2-40B4-BE49-F238E27FC236}">
+                <a16:creationId xmlns:a16="http://schemas.microsoft.com/office/drawing/2014/main" id="{327CAA29-B140-8643-B008-FEA1DFE14994}"/>
+              </a:ext>
+            </a:extLst>
+          </p:cNvPr>
+          <p:cNvPicPr>
+            <a:picLocks noChangeAspect="1"/>
+          </p:cNvPicPr>
+          <p:nvPr/>
+        </p:nvPicPr>
+        <p:blipFill>
+          <a:blip r:embed="rId2"/>
+          <a:stretch>
+            <a:fillRect/>
+          </a:stretch>
+        </p:blipFill>
+        <p:spPr>
+          <a:xfrm>
+            <a:off x="125413" y="952769"/>
+            <a:ext cx="3489895" cy="3521055"/>
+          </a:xfrm>
+          <a:prstGeom prst="rect">
+            <a:avLst/>
+          </a:prstGeom>
+        </p:spPr>
+      </p:pic>
+      <p:pic>
+        <p:nvPicPr>
+          <p:cNvPr id="9" name="Picture 8">
+            <a:extLst>
+              <a:ext uri="{FF2B5EF4-FFF2-40B4-BE49-F238E27FC236}">
+                <a16:creationId xmlns:a16="http://schemas.microsoft.com/office/drawing/2014/main" id="{AECB6602-5256-AE40-99B5-7F19156CFAEB}"/>
+              </a:ext>
+            </a:extLst>
+          </p:cNvPr>
+          <p:cNvPicPr>
+            <a:picLocks noChangeAspect="1"/>
+          </p:cNvPicPr>
+          <p:nvPr/>
+        </p:nvPicPr>
+        <p:blipFill>
+          <a:blip r:embed="rId3"/>
+          <a:stretch>
+            <a:fillRect/>
+          </a:stretch>
+        </p:blipFill>
+        <p:spPr>
+          <a:xfrm>
+            <a:off x="3262081" y="952769"/>
+            <a:ext cx="3036610" cy="3101416"/>
+          </a:xfrm>
+          <a:prstGeom prst="rect">
+            <a:avLst/>
+          </a:prstGeom>
+        </p:spPr>
+      </p:pic>
+      <p:pic>
+        <p:nvPicPr>
+          <p:cNvPr id="10" name="Picture 9">
+            <a:extLst>
+              <a:ext uri="{FF2B5EF4-FFF2-40B4-BE49-F238E27FC236}">
+                <a16:creationId xmlns:a16="http://schemas.microsoft.com/office/drawing/2014/main" id="{528C226C-5F01-8D4A-A6A4-5B8D92A84158}"/>
+              </a:ext>
+            </a:extLst>
+          </p:cNvPr>
+          <p:cNvPicPr>
+            <a:picLocks noChangeAspect="1"/>
+          </p:cNvPicPr>
+          <p:nvPr/>
+        </p:nvPicPr>
+        <p:blipFill>
+          <a:blip r:embed="rId4"/>
+          <a:stretch>
+            <a:fillRect/>
+          </a:stretch>
+        </p:blipFill>
+        <p:spPr>
+          <a:xfrm>
+            <a:off x="6387664" y="964506"/>
+            <a:ext cx="2624068" cy="3114378"/>
+          </a:xfrm>
+          <a:prstGeom prst="rect">
+            <a:avLst/>
+          </a:prstGeom>
+        </p:spPr>
+      </p:pic>
+    </p:spTree>
+    <p:extLst>
+      <p:ext uri="{BB962C8B-B14F-4D97-AF65-F5344CB8AC3E}">
+        <p14:creationId xmlns:p14="http://schemas.microsoft.com/office/powerpoint/2010/main" val="3594806050"/>
+      </p:ext>
+    </p:extLst>
+  </p:cSld>
+  <p:clrMapOvr>
+    <a:masterClrMapping/>
+  </p:clrMapOvr>
+</p:sld>
+</file>
+
+<file path=ppt/slides/slide11.xml><?xml version="1.0" encoding="utf-8"?>
+<p:sld xmlns:a="http://schemas.openxmlformats.org/drawingml/2006/main" xmlns:r="http://schemas.openxmlformats.org/officeDocument/2006/relationships" xmlns:p="http://schemas.openxmlformats.org/presentationml/2006/main">
+  <p:cSld>
+    <p:spTree>
+      <p:nvGrpSpPr>
+        <p:cNvPr id="1" name=""/>
+        <p:cNvGrpSpPr/>
+        <p:nvPr/>
+      </p:nvGrpSpPr>
+      <p:grpSpPr>
+        <a:xfrm>
+          <a:off x="0" y="0"/>
+          <a:ext cx="0" cy="0"/>
+          <a:chOff x="0" y="0"/>
+          <a:chExt cx="0" cy="0"/>
+        </a:xfrm>
+      </p:grpSpPr>
+      <p:sp>
+        <p:nvSpPr>
+          <p:cNvPr id="2" name="Title 1">
+            <a:extLst>
+              <a:ext uri="{FF2B5EF4-FFF2-40B4-BE49-F238E27FC236}">
+                <a16:creationId xmlns:a16="http://schemas.microsoft.com/office/drawing/2014/main" id="{C780B801-193E-1B47-95B0-807BD765AC71}"/>
+              </a:ext>
+            </a:extLst>
+          </p:cNvPr>
+          <p:cNvSpPr>
+            <a:spLocks noGrp="1"/>
+          </p:cNvSpPr>
+          <p:nvPr>
+            <p:ph type="title"/>
+          </p:nvPr>
+        </p:nvSpPr>
+        <p:spPr/>
+        <p:txBody>
+          <a:bodyPr/>
+          <a:lstStyle/>
+          <a:p>
+            <a:r>
+              <a:rPr lang="en-US" sz="2800" dirty="0"/>
+              <a:t>ALTO Abstraction for Bottleneck Structure (Ongoing)</a:t>
+            </a:r>
+          </a:p>
+        </p:txBody>
+      </p:sp>
+      <p:sp>
+        <p:nvSpPr>
+          <p:cNvPr id="3" name="Content Placeholder 2">
+            <a:extLst>
+              <a:ext uri="{FF2B5EF4-FFF2-40B4-BE49-F238E27FC236}">
+                <a16:creationId xmlns:a16="http://schemas.microsoft.com/office/drawing/2014/main" id="{517FFC13-A598-304E-8756-83D510550767}"/>
+              </a:ext>
+            </a:extLst>
+          </p:cNvPr>
+          <p:cNvSpPr>
+            <a:spLocks noGrp="1"/>
+          </p:cNvSpPr>
+          <p:nvPr>
+            <p:ph idx="1"/>
+          </p:nvPr>
+        </p:nvSpPr>
+        <p:spPr>
+          <a:xfrm>
+            <a:off x="125413" y="742950"/>
+            <a:ext cx="4446587" cy="4000500"/>
+          </a:xfrm>
+        </p:spPr>
+        <p:txBody>
+          <a:bodyPr/>
+          <a:lstStyle/>
+          <a:p>
+            <a:r>
+              <a:rPr lang="en-US" dirty="0"/>
+              <a:t>More details see </a:t>
+            </a:r>
+          </a:p>
+          <a:p>
+            <a:pPr lvl="1"/>
+            <a:r>
+              <a:rPr lang="en-US" dirty="0"/>
+              <a:t>https://</a:t>
+            </a:r>
+            <a:r>
+              <a:rPr lang="en-US" dirty="0" err="1"/>
+              <a:t>www.reservoir.com</a:t>
+            </a:r>
+            <a:r>
+              <a:rPr lang="en-US" dirty="0"/>
+              <a:t>/</a:t>
+            </a:r>
+            <a:r>
+              <a:rPr lang="en-US" dirty="0" err="1"/>
+              <a:t>wp</a:t>
+            </a:r>
+            <a:r>
+              <a:rPr lang="en-US" dirty="0"/>
+              <a:t>-content/uploads/2021/08/G2_QTBS_TR_2021.pdf</a:t>
+            </a:r>
+          </a:p>
+        </p:txBody>
+      </p:sp>
+      <p:pic>
+        <p:nvPicPr>
+          <p:cNvPr id="4" name="Picture 3">
+            <a:extLst>
+              <a:ext uri="{FF2B5EF4-FFF2-40B4-BE49-F238E27FC236}">
+                <a16:creationId xmlns:a16="http://schemas.microsoft.com/office/drawing/2014/main" id="{4A86A071-A933-5B41-9A33-94CFC95FB44D}"/>
+              </a:ext>
+            </a:extLst>
+          </p:cNvPr>
+          <p:cNvPicPr>
+            <a:picLocks noChangeAspect="1"/>
+          </p:cNvPicPr>
+          <p:nvPr/>
+        </p:nvPicPr>
+        <p:blipFill>
+          <a:blip r:embed="rId2"/>
+          <a:stretch>
+            <a:fillRect/>
+          </a:stretch>
+        </p:blipFill>
+        <p:spPr>
+          <a:xfrm>
+            <a:off x="4816531" y="814026"/>
+            <a:ext cx="4002809" cy="3929424"/>
+          </a:xfrm>
+          <a:prstGeom prst="rect">
+            <a:avLst/>
+          </a:prstGeom>
+        </p:spPr>
+      </p:pic>
+    </p:spTree>
+    <p:extLst>
+      <p:ext uri="{BB962C8B-B14F-4D97-AF65-F5344CB8AC3E}">
+        <p14:creationId xmlns:p14="http://schemas.microsoft.com/office/powerpoint/2010/main" val="3935193738"/>
+      </p:ext>
+    </p:extLst>
+  </p:cSld>
+  <p:clrMapOvr>
+    <a:masterClrMapping/>
+  </p:clrMapOvr>
+</p:sld>
+</file>
+
+<file path=ppt/slides/slide12.xml><?xml version="1.0" encoding="utf-8"?>
+<p:sld xmlns:a="http://schemas.openxmlformats.org/drawingml/2006/main" xmlns:r="http://schemas.openxmlformats.org/officeDocument/2006/relationships" xmlns:p="http://schemas.openxmlformats.org/presentationml/2006/main">
+  <p:cSld>
+    <p:spTree>
+      <p:nvGrpSpPr>
+        <p:cNvPr id="1" name=""/>
+        <p:cNvGrpSpPr/>
+        <p:nvPr/>
+      </p:nvGrpSpPr>
+      <p:grpSpPr>
+        <a:xfrm>
+          <a:off x="0" y="0"/>
+          <a:ext cx="0" cy="0"/>
+          <a:chOff x="0" y="0"/>
+          <a:chExt cx="0" cy="0"/>
+        </a:xfrm>
+      </p:grpSpPr>
+      <p:sp>
+        <p:nvSpPr>
+          <p:cNvPr id="2" name="Title 1">
+            <a:extLst>
+              <a:ext uri="{FF2B5EF4-FFF2-40B4-BE49-F238E27FC236}">
+                <a16:creationId xmlns:a16="http://schemas.microsoft.com/office/drawing/2014/main" id="{735F5C32-F089-B248-848C-0979E6B30310}"/>
+              </a:ext>
+            </a:extLst>
+          </p:cNvPr>
+          <p:cNvSpPr>
+            <a:spLocks noGrp="1"/>
+          </p:cNvSpPr>
+          <p:nvPr>
+            <p:ph type="title"/>
+          </p:nvPr>
+        </p:nvSpPr>
+        <p:spPr/>
+        <p:txBody>
+          <a:bodyPr/>
+          <a:lstStyle/>
+          <a:p>
+            <a:r>
+              <a:rPr lang="en-US" dirty="0"/>
+              <a:t>The Visibility, Intelligence, Control Framework</a:t>
+            </a:r>
+          </a:p>
+        </p:txBody>
+      </p:sp>
+      <p:sp>
+        <p:nvSpPr>
+          <p:cNvPr id="3" name="Content Placeholder 2">
+            <a:extLst>
+              <a:ext uri="{FF2B5EF4-FFF2-40B4-BE49-F238E27FC236}">
+                <a16:creationId xmlns:a16="http://schemas.microsoft.com/office/drawing/2014/main" id="{B4D11BC6-DD21-D842-AEFE-B63664C7140C}"/>
+              </a:ext>
+            </a:extLst>
+          </p:cNvPr>
+          <p:cNvSpPr>
+            <a:spLocks noGrp="1"/>
+          </p:cNvSpPr>
+          <p:nvPr>
+            <p:ph idx="1"/>
+          </p:nvPr>
+        </p:nvSpPr>
+        <p:spPr/>
+        <p:txBody>
+          <a:bodyPr/>
+          <a:lstStyle/>
+          <a:p>
+            <a:r>
+              <a:rPr lang="en-US" dirty="0"/>
+              <a:t>For large-scale data management</a:t>
+            </a:r>
+          </a:p>
+        </p:txBody>
+      </p:sp>
+    </p:spTree>
+    <p:extLst>
+      <p:ext uri="{BB962C8B-B14F-4D97-AF65-F5344CB8AC3E}">
+        <p14:creationId xmlns:p14="http://schemas.microsoft.com/office/powerpoint/2010/main" val="3124174774"/>
+      </p:ext>
+    </p:extLst>
+  </p:cSld>
+  <p:clrMapOvr>
+    <a:masterClrMapping/>
+  </p:clrMapOvr>
+</p:sld>
+</file>
+
+<file path=ppt/slides/slide13.xml><?xml version="1.0" encoding="utf-8"?>
+<p:sld xmlns:a="http://schemas.openxmlformats.org/drawingml/2006/main" xmlns:r="http://schemas.openxmlformats.org/officeDocument/2006/relationships" xmlns:p="http://schemas.openxmlformats.org/presentationml/2006/main">
+  <p:cSld>
+    <p:spTree>
+      <p:nvGrpSpPr>
+        <p:cNvPr id="1" name=""/>
+        <p:cNvGrpSpPr/>
+        <p:nvPr/>
+      </p:nvGrpSpPr>
+      <p:grpSpPr>
+        <a:xfrm>
+          <a:off x="0" y="0"/>
+          <a:ext cx="0" cy="0"/>
+          <a:chOff x="0" y="0"/>
+          <a:chExt cx="0" cy="0"/>
+        </a:xfrm>
+      </p:grpSpPr>
+      <p:sp>
+        <p:nvSpPr>
+          <p:cNvPr id="2" name="Title 1">
+            <a:extLst>
+              <a:ext uri="{FF2B5EF4-FFF2-40B4-BE49-F238E27FC236}">
+                <a16:creationId xmlns:a16="http://schemas.microsoft.com/office/drawing/2014/main" id="{303CB03F-810F-CB4A-8ABE-54D444A7C9B1}"/>
+              </a:ext>
+            </a:extLst>
+          </p:cNvPr>
+          <p:cNvSpPr>
+            <a:spLocks noGrp="1"/>
+          </p:cNvSpPr>
+          <p:nvPr>
+            <p:ph type="title"/>
+          </p:nvPr>
+        </p:nvSpPr>
+        <p:spPr/>
+        <p:txBody>
+          <a:bodyPr/>
+          <a:lstStyle/>
+          <a:p>
+            <a:r>
+              <a:rPr lang="en-US" dirty="0"/>
+              <a:t>Outline</a:t>
+            </a:r>
+          </a:p>
+        </p:txBody>
+      </p:sp>
+      <p:sp>
+        <p:nvSpPr>
+          <p:cNvPr id="3" name="Content Placeholder 2">
+            <a:extLst>
+              <a:ext uri="{FF2B5EF4-FFF2-40B4-BE49-F238E27FC236}">
+                <a16:creationId xmlns:a16="http://schemas.microsoft.com/office/drawing/2014/main" id="{81692EBA-2B33-E640-9320-92E88B0C599D}"/>
+              </a:ext>
+            </a:extLst>
+          </p:cNvPr>
+          <p:cNvSpPr>
+            <a:spLocks noGrp="1"/>
+          </p:cNvSpPr>
+          <p:nvPr>
+            <p:ph idx="1"/>
+          </p:nvPr>
+        </p:nvSpPr>
+        <p:spPr/>
+        <p:txBody>
+          <a:bodyPr/>
+          <a:lstStyle/>
+          <a:p>
+            <a:r>
+              <a:rPr lang="en-US" dirty="0"/>
+              <a:t>ALTO background</a:t>
+            </a:r>
+          </a:p>
+          <a:p>
+            <a:pPr lvl="1"/>
+            <a:r>
+              <a:rPr lang="en-US" dirty="0"/>
+              <a:t>ALTO protocol basic</a:t>
+            </a:r>
+          </a:p>
+          <a:p>
+            <a:pPr lvl="1"/>
+            <a:r>
+              <a:rPr lang="en-US" dirty="0"/>
+              <a:t>ALTO in a bigger picture, on going extensions</a:t>
+            </a:r>
+          </a:p>
+          <a:p>
+            <a:r>
+              <a:rPr lang="en-US" dirty="0"/>
+              <a:t>ALTO implementation and extensions</a:t>
+            </a:r>
+          </a:p>
+          <a:p>
+            <a:pPr lvl="1"/>
+            <a:r>
+              <a:rPr lang="en-US" dirty="0" err="1"/>
+              <a:t>openalto</a:t>
+            </a:r>
+            <a:endParaRPr lang="en-US" dirty="0"/>
+          </a:p>
+          <a:p>
+            <a:pPr lvl="1"/>
+            <a:r>
+              <a:rPr lang="en-US" dirty="0"/>
+              <a:t>next steps</a:t>
+            </a:r>
+          </a:p>
+        </p:txBody>
+      </p:sp>
+    </p:spTree>
+    <p:extLst>
+      <p:ext uri="{BB962C8B-B14F-4D97-AF65-F5344CB8AC3E}">
+        <p14:creationId xmlns:p14="http://schemas.microsoft.com/office/powerpoint/2010/main" val="13212932"/>
+      </p:ext>
+    </p:extLst>
+  </p:cSld>
+  <p:clrMapOvr>
+    <a:masterClrMapping/>
+  </p:clrMapOvr>
+</p:sld>
+</file>
+
+<file path=ppt/slides/slide14.xml><?xml version="1.0" encoding="utf-8"?>
+<p:sld xmlns:a="http://schemas.openxmlformats.org/drawingml/2006/main" xmlns:r="http://schemas.openxmlformats.org/officeDocument/2006/relationships" xmlns:p="http://schemas.openxmlformats.org/presentationml/2006/main">
+  <p:cSld>
+    <p:spTree>
+      <p:nvGrpSpPr>
+        <p:cNvPr id="1" name=""/>
+        <p:cNvGrpSpPr/>
+        <p:nvPr/>
+      </p:nvGrpSpPr>
+      <p:grpSpPr>
+        <a:xfrm>
+          <a:off x="0" y="0"/>
+          <a:ext cx="0" cy="0"/>
+          <a:chOff x="0" y="0"/>
+          <a:chExt cx="0" cy="0"/>
+        </a:xfrm>
+      </p:grpSpPr>
+      <p:sp>
+        <p:nvSpPr>
+          <p:cNvPr id="2" name="Title 1">
+            <a:extLst>
+              <a:ext uri="{FF2B5EF4-FFF2-40B4-BE49-F238E27FC236}">
+                <a16:creationId xmlns:a16="http://schemas.microsoft.com/office/drawing/2014/main" id="{4EF500D1-C9B9-6343-B40E-5C556D51A6FE}"/>
+              </a:ext>
+            </a:extLst>
+          </p:cNvPr>
+          <p:cNvSpPr>
+            <a:spLocks noGrp="1"/>
+          </p:cNvSpPr>
+          <p:nvPr>
+            <p:ph type="title"/>
+          </p:nvPr>
+        </p:nvSpPr>
+        <p:spPr/>
+        <p:txBody>
+          <a:bodyPr/>
+          <a:lstStyle/>
+          <a:p>
+            <a:r>
+              <a:rPr lang="en-US" dirty="0" err="1"/>
+              <a:t>openalto</a:t>
+            </a:r>
+            <a:endParaRPr lang="en-US" dirty="0"/>
+          </a:p>
+        </p:txBody>
+      </p:sp>
+      <p:sp>
+        <p:nvSpPr>
+          <p:cNvPr id="3" name="Content Placeholder 2">
+            <a:extLst>
+              <a:ext uri="{FF2B5EF4-FFF2-40B4-BE49-F238E27FC236}">
+                <a16:creationId xmlns:a16="http://schemas.microsoft.com/office/drawing/2014/main" id="{BE2A782F-B5AB-2040-A5EF-3D744FDA08E1}"/>
+              </a:ext>
+            </a:extLst>
+          </p:cNvPr>
+          <p:cNvSpPr>
+            <a:spLocks noGrp="1"/>
+          </p:cNvSpPr>
+          <p:nvPr>
+            <p:ph idx="1"/>
+          </p:nvPr>
+        </p:nvSpPr>
+        <p:spPr/>
+        <p:txBody>
+          <a:bodyPr/>
+          <a:lstStyle/>
+          <a:p>
+            <a:endParaRPr lang="en-US"/>
+          </a:p>
+        </p:txBody>
+      </p:sp>
+      <p:sp>
+        <p:nvSpPr>
+          <p:cNvPr id="4" name="Rectangle 3">
+            <a:extLst>
+              <a:ext uri="{FF2B5EF4-FFF2-40B4-BE49-F238E27FC236}">
+                <a16:creationId xmlns:a16="http://schemas.microsoft.com/office/drawing/2014/main" id="{8A510CC3-F995-A140-826C-BB51B46B730A}"/>
+              </a:ext>
+            </a:extLst>
+          </p:cNvPr>
+          <p:cNvSpPr/>
+          <p:nvPr/>
+        </p:nvSpPr>
+        <p:spPr bwMode="auto">
+          <a:xfrm>
+            <a:off x="5636872" y="1111169"/>
+            <a:ext cx="2129741" cy="1041722"/>
+          </a:xfrm>
+          <a:prstGeom prst="rect">
+            <a:avLst/>
+          </a:prstGeom>
+          <a:solidFill>
+            <a:schemeClr val="accent1"/>
+          </a:solidFill>
+          <a:ln w="9525" cap="flat" cmpd="sng" algn="ctr">
+            <a:solidFill>
+              <a:schemeClr val="tx1"/>
+            </a:solidFill>
+            <a:prstDash val="solid"/>
+            <a:round/>
+            <a:headEnd type="none" w="med" len="med"/>
+            <a:tailEnd type="none" w="med" len="med"/>
+          </a:ln>
+          <a:effectLst/>
+        </p:spPr>
+        <p:txBody>
+          <a:bodyPr vert="horz" wrap="square" lIns="91440" tIns="45720" rIns="91440" bIns="45720" numCol="1" rtlCol="0" anchor="t" anchorCtr="0" compatLnSpc="1">
+            <a:prstTxWarp prst="textNoShape">
+              <a:avLst/>
+            </a:prstTxWarp>
+          </a:bodyPr>
+          <a:lstStyle/>
+          <a:p>
+            <a:pPr marL="0" marR="0" indent="0" algn="l" defTabSz="914400" rtl="0" eaLnBrk="0" fontAlgn="base" latinLnBrk="0" hangingPunct="0">
+              <a:lnSpc>
+                <a:spcPct val="100000"/>
+              </a:lnSpc>
+              <a:spcBef>
+                <a:spcPct val="0"/>
+              </a:spcBef>
+              <a:spcAft>
+                <a:spcPct val="0"/>
+              </a:spcAft>
+              <a:buClrTx/>
+              <a:buSzTx/>
+              <a:buFontTx/>
+              <a:buNone/>
+              <a:tabLst/>
+            </a:pPr>
+            <a:endParaRPr kumimoji="0" lang="en-US" sz="2400" b="0" i="0" u="none" strike="noStrike" cap="none" normalizeH="0" baseline="-25000">
+              <a:ln>
+                <a:noFill/>
+              </a:ln>
+              <a:solidFill>
+                <a:schemeClr val="tx1"/>
+              </a:solidFill>
+              <a:effectLst>
+                <a:outerShdw blurRad="38100" dist="38100" dir="2700000" algn="tl">
+                  <a:srgbClr val="000000">
+                    <a:alpha val="43137"/>
+                  </a:srgbClr>
+                </a:outerShdw>
+              </a:effectLst>
+              <a:latin typeface="Arial" pitchFamily="-105" charset="0"/>
+              <a:ea typeface="ＭＳ Ｐゴシック" pitchFamily="-105" charset="-128"/>
+              <a:cs typeface="ＭＳ Ｐゴシック" pitchFamily="-105" charset="-128"/>
+            </a:endParaRPr>
+          </a:p>
+        </p:txBody>
+      </p:sp>
+      <p:sp>
+        <p:nvSpPr>
+          <p:cNvPr id="5" name="Rectangle 4">
+            <a:extLst>
+              <a:ext uri="{FF2B5EF4-FFF2-40B4-BE49-F238E27FC236}">
+                <a16:creationId xmlns:a16="http://schemas.microsoft.com/office/drawing/2014/main" id="{50D28CDF-54B3-3649-A92A-F05FD283F9B0}"/>
+              </a:ext>
+            </a:extLst>
+          </p:cNvPr>
+          <p:cNvSpPr/>
+          <p:nvPr/>
+        </p:nvSpPr>
+        <p:spPr bwMode="auto">
+          <a:xfrm>
+            <a:off x="5636872" y="2743200"/>
+            <a:ext cx="2129741" cy="1041722"/>
+          </a:xfrm>
+          <a:prstGeom prst="rect">
+            <a:avLst/>
+          </a:prstGeom>
+          <a:solidFill>
+            <a:schemeClr val="accent1"/>
+          </a:solidFill>
+          <a:ln w="9525" cap="flat" cmpd="sng" algn="ctr">
+            <a:solidFill>
+              <a:schemeClr val="tx1"/>
+            </a:solidFill>
+            <a:prstDash val="solid"/>
+            <a:round/>
+            <a:headEnd type="none" w="med" len="med"/>
+            <a:tailEnd type="none" w="med" len="med"/>
+          </a:ln>
+          <a:effectLst/>
+        </p:spPr>
+        <p:txBody>
+          <a:bodyPr vert="horz" wrap="square" lIns="91440" tIns="45720" rIns="91440" bIns="45720" numCol="1" rtlCol="0" anchor="t" anchorCtr="0" compatLnSpc="1">
+            <a:prstTxWarp prst="textNoShape">
+              <a:avLst/>
+            </a:prstTxWarp>
+          </a:bodyPr>
+          <a:lstStyle/>
+          <a:p>
+            <a:pPr marL="0" marR="0" indent="0" algn="l" defTabSz="914400" rtl="0" eaLnBrk="0" fontAlgn="base" latinLnBrk="0" hangingPunct="0">
+              <a:lnSpc>
+                <a:spcPct val="100000"/>
+              </a:lnSpc>
+              <a:spcBef>
+                <a:spcPct val="0"/>
+              </a:spcBef>
+              <a:spcAft>
+                <a:spcPct val="0"/>
+              </a:spcAft>
+              <a:buClrTx/>
+              <a:buSzTx/>
+              <a:buFontTx/>
+              <a:buNone/>
+              <a:tabLst/>
+            </a:pPr>
+            <a:endParaRPr kumimoji="0" lang="en-US" sz="2400" b="0" i="0" u="none" strike="noStrike" cap="none" normalizeH="0" baseline="-25000">
+              <a:ln>
+                <a:noFill/>
+              </a:ln>
+              <a:solidFill>
+                <a:schemeClr val="tx1"/>
+              </a:solidFill>
+              <a:effectLst>
+                <a:outerShdw blurRad="38100" dist="38100" dir="2700000" algn="tl">
+                  <a:srgbClr val="000000">
+                    <a:alpha val="43137"/>
+                  </a:srgbClr>
+                </a:outerShdw>
+              </a:effectLst>
+              <a:latin typeface="Arial" pitchFamily="-105" charset="0"/>
+              <a:ea typeface="ＭＳ Ｐゴシック" pitchFamily="-105" charset="-128"/>
+              <a:cs typeface="ＭＳ Ｐゴシック" pitchFamily="-105" charset="-128"/>
+            </a:endParaRPr>
+          </a:p>
+        </p:txBody>
+      </p:sp>
+    </p:spTree>
+    <p:extLst>
+      <p:ext uri="{BB962C8B-B14F-4D97-AF65-F5344CB8AC3E}">
+        <p14:creationId xmlns:p14="http://schemas.microsoft.com/office/powerpoint/2010/main" val="1276183229"/>
+      </p:ext>
+    </p:extLst>
+  </p:cSld>
+  <p:clrMapOvr>
+    <a:masterClrMapping/>
+  </p:clrMapOvr>
+</p:sld>
+</file>
+
+<file path=ppt/slides/slide15.xml><?xml version="1.0" encoding="utf-8"?>
+<p:sld xmlns:a="http://schemas.openxmlformats.org/drawingml/2006/main" xmlns:r="http://schemas.openxmlformats.org/officeDocument/2006/relationships" xmlns:p="http://schemas.openxmlformats.org/presentationml/2006/main">
+  <p:cSld>
+    <p:spTree>
+      <p:nvGrpSpPr>
+        <p:cNvPr id="1" name=""/>
+        <p:cNvGrpSpPr/>
+        <p:nvPr/>
+      </p:nvGrpSpPr>
+      <p:grpSpPr>
+        <a:xfrm>
+          <a:off x="0" y="0"/>
+          <a:ext cx="0" cy="0"/>
+          <a:chOff x="0" y="0"/>
+          <a:chExt cx="0" cy="0"/>
+        </a:xfrm>
+      </p:grpSpPr>
+      <p:sp>
+        <p:nvSpPr>
+          <p:cNvPr id="2" name="Title 1">
+            <a:extLst>
+              <a:ext uri="{FF2B5EF4-FFF2-40B4-BE49-F238E27FC236}">
                 <a16:creationId xmlns:a16="http://schemas.microsoft.com/office/drawing/2014/main" id="{0174033D-6BBF-954E-B164-B4576D4CF6C0}"/>
               </a:ext>
             </a:extLst>
@@ -6041,15 +6841,7 @@
           <a:p>
             <a:r>
               <a:rPr lang="en-US" dirty="0"/>
-              <a:t>Potential ALTO WG + </a:t>
-            </a:r>
-            <a:r>
-              <a:rPr lang="en-US" dirty="0" err="1"/>
-              <a:t>Rucio</a:t>
-            </a:r>
-            <a:r>
-              <a:rPr lang="en-US" dirty="0"/>
-              <a:t> Project Collaboration</a:t>
+              <a:t>Potential ALTO WG + DOMA</a:t>
             </a:r>
           </a:p>
         </p:txBody>
@@ -6151,7 +6943,7 @@
 </p:sld>
 </file>
 
-<file path=ppt/slides/slide11.xml><?xml version="1.0" encoding="utf-8"?>
+<file path=ppt/slides/slide16.xml><?xml version="1.0" encoding="utf-8"?>
 <p:sld xmlns:a="http://schemas.openxmlformats.org/drawingml/2006/main" xmlns:r="http://schemas.openxmlformats.org/officeDocument/2006/relationships" xmlns:p="http://schemas.openxmlformats.org/presentationml/2006/main">
   <p:cSld>
     <p:spTree>
@@ -6577,7 +7369,7 @@
 </p:sld>
 </file>
 
-<file path=ppt/slides/slide12.xml><?xml version="1.0" encoding="utf-8"?>
+<file path=ppt/slides/slide17.xml><?xml version="1.0" encoding="utf-8"?>
 <p:sld xmlns:a="http://schemas.openxmlformats.org/drawingml/2006/main" xmlns:r="http://schemas.openxmlformats.org/officeDocument/2006/relationships" xmlns:p="http://schemas.openxmlformats.org/presentationml/2006/main">
   <p:cSld>
     <p:spTree>
@@ -6723,7 +7515,630 @@
 </p:sld>
 </file>
 
-<file path=ppt/slides/slide13.xml><?xml version="1.0" encoding="utf-8"?>
+<file path=ppt/slides/slide18.xml><?xml version="1.0" encoding="utf-8"?>
+<p:sld xmlns:a="http://schemas.openxmlformats.org/drawingml/2006/main" xmlns:r="http://schemas.openxmlformats.org/officeDocument/2006/relationships" xmlns:p="http://schemas.openxmlformats.org/presentationml/2006/main">
+  <p:cSld>
+    <p:spTree>
+      <p:nvGrpSpPr>
+        <p:cNvPr id="1" name=""/>
+        <p:cNvGrpSpPr/>
+        <p:nvPr/>
+      </p:nvGrpSpPr>
+      <p:grpSpPr>
+        <a:xfrm>
+          <a:off x="0" y="0"/>
+          <a:ext cx="0" cy="0"/>
+          <a:chOff x="0" y="0"/>
+          <a:chExt cx="0" cy="0"/>
+        </a:xfrm>
+      </p:grpSpPr>
+      <p:sp>
+        <p:nvSpPr>
+          <p:cNvPr id="2" name="Title 1">
+            <a:extLst>
+              <a:ext uri="{FF2B5EF4-FFF2-40B4-BE49-F238E27FC236}">
+                <a16:creationId xmlns:a16="http://schemas.microsoft.com/office/drawing/2014/main" id="{35095BFD-0E97-C640-883A-8C91DC25341E}"/>
+              </a:ext>
+            </a:extLst>
+          </p:cNvPr>
+          <p:cNvSpPr>
+            <a:spLocks noGrp="1"/>
+          </p:cNvSpPr>
+          <p:nvPr>
+            <p:ph type="title"/>
+          </p:nvPr>
+        </p:nvSpPr>
+        <p:spPr/>
+        <p:txBody>
+          <a:bodyPr/>
+          <a:lstStyle/>
+          <a:p>
+            <a:r>
+              <a:rPr lang="en-US" dirty="0"/>
+              <a:t>How </a:t>
+            </a:r>
+            <a:r>
+              <a:rPr lang="en-US" dirty="0" err="1"/>
+              <a:t>openalto</a:t>
+            </a:r>
+            <a:r>
+              <a:rPr lang="en-US" dirty="0"/>
+              <a:t> may fit into DOMA</a:t>
+            </a:r>
+          </a:p>
+        </p:txBody>
+      </p:sp>
+      <p:sp>
+        <p:nvSpPr>
+          <p:cNvPr id="3" name="Content Placeholder 2">
+            <a:extLst>
+              <a:ext uri="{FF2B5EF4-FFF2-40B4-BE49-F238E27FC236}">
+                <a16:creationId xmlns:a16="http://schemas.microsoft.com/office/drawing/2014/main" id="{57522CC2-8BDD-D14F-AA54-ED3A4EA26F45}"/>
+              </a:ext>
+            </a:extLst>
+          </p:cNvPr>
+          <p:cNvSpPr>
+            <a:spLocks noGrp="1"/>
+          </p:cNvSpPr>
+          <p:nvPr>
+            <p:ph idx="1"/>
+          </p:nvPr>
+        </p:nvSpPr>
+        <p:spPr/>
+        <p:txBody>
+          <a:bodyPr/>
+          <a:lstStyle/>
+          <a:p>
+            <a:r>
+              <a:rPr lang="en-US" dirty="0"/>
+              <a:t>Integration w/ </a:t>
+            </a:r>
+            <a:r>
+              <a:rPr lang="en-US" dirty="0" err="1"/>
+              <a:t>Rucio</a:t>
+            </a:r>
+            <a:r>
+              <a:rPr lang="en-US" dirty="0"/>
+              <a:t> (automatic workflow)</a:t>
+            </a:r>
+          </a:p>
+          <a:p>
+            <a:pPr lvl="1"/>
+            <a:r>
+              <a:rPr lang="en-US" dirty="0"/>
+              <a:t>Manual workflow (client download)</a:t>
+            </a:r>
+          </a:p>
+          <a:p>
+            <a:pPr lvl="2"/>
+            <a:r>
+              <a:rPr lang="en-US" dirty="0"/>
+              <a:t>Demo 1/2/3</a:t>
+            </a:r>
+          </a:p>
+          <a:p>
+            <a:pPr lvl="1"/>
+            <a:r>
+              <a:rPr lang="en-US" dirty="0"/>
+              <a:t>Southbound: Provide automatic, network-aware, dynamic distance []</a:t>
+            </a:r>
+          </a:p>
+          <a:p>
+            <a:pPr lvl="1"/>
+            <a:r>
+              <a:rPr lang="en-US" dirty="0"/>
+              <a:t>Northbound: Automatic replication QoS aware scheduling</a:t>
+            </a:r>
+          </a:p>
+          <a:p>
+            <a:pPr lvl="2"/>
+            <a:r>
+              <a:rPr lang="en-US" dirty="0"/>
+              <a:t>QoS and scheduling to implementation</a:t>
+            </a:r>
+          </a:p>
+          <a:p>
+            <a:pPr lvl="3"/>
+            <a:r>
+              <a:rPr lang="en-US" dirty="0"/>
+              <a:t>Bi-level</a:t>
+            </a:r>
+          </a:p>
+        </p:txBody>
+      </p:sp>
+    </p:spTree>
+    <p:extLst>
+      <p:ext uri="{BB962C8B-B14F-4D97-AF65-F5344CB8AC3E}">
+        <p14:creationId xmlns:p14="http://schemas.microsoft.com/office/powerpoint/2010/main" val="364107548"/>
+      </p:ext>
+    </p:extLst>
+  </p:cSld>
+  <p:clrMapOvr>
+    <a:masterClrMapping/>
+  </p:clrMapOvr>
+</p:sld>
+</file>
+
+<file path=ppt/slides/slide19.xml><?xml version="1.0" encoding="utf-8"?>
+<p:sld xmlns:a="http://schemas.openxmlformats.org/drawingml/2006/main" xmlns:r="http://schemas.openxmlformats.org/officeDocument/2006/relationships" xmlns:p="http://schemas.openxmlformats.org/presentationml/2006/main">
+  <p:cSld>
+    <p:spTree>
+      <p:nvGrpSpPr>
+        <p:cNvPr id="1" name=""/>
+        <p:cNvGrpSpPr/>
+        <p:nvPr/>
+      </p:nvGrpSpPr>
+      <p:grpSpPr>
+        <a:xfrm>
+          <a:off x="0" y="0"/>
+          <a:ext cx="0" cy="0"/>
+          <a:chOff x="0" y="0"/>
+          <a:chExt cx="0" cy="0"/>
+        </a:xfrm>
+      </p:grpSpPr>
+      <p:sp>
+        <p:nvSpPr>
+          <p:cNvPr id="2" name="Title 1">
+            <a:extLst>
+              <a:ext uri="{FF2B5EF4-FFF2-40B4-BE49-F238E27FC236}">
+                <a16:creationId xmlns:a16="http://schemas.microsoft.com/office/drawing/2014/main" id="{88D6A80A-F89D-E14B-BA9C-F5AABB96735A}"/>
+              </a:ext>
+            </a:extLst>
+          </p:cNvPr>
+          <p:cNvSpPr>
+            <a:spLocks noGrp="1"/>
+          </p:cNvSpPr>
+          <p:nvPr>
+            <p:ph type="title"/>
+          </p:nvPr>
+        </p:nvSpPr>
+        <p:spPr/>
+        <p:txBody>
+          <a:bodyPr/>
+          <a:lstStyle/>
+          <a:p>
+            <a:r>
+              <a:rPr lang="en-US" dirty="0"/>
+              <a:t>Roadmap: Replication Workflow</a:t>
+            </a:r>
+          </a:p>
+        </p:txBody>
+      </p:sp>
+      <p:sp>
+        <p:nvSpPr>
+          <p:cNvPr id="3" name="Content Placeholder 2">
+            <a:extLst>
+              <a:ext uri="{FF2B5EF4-FFF2-40B4-BE49-F238E27FC236}">
+                <a16:creationId xmlns:a16="http://schemas.microsoft.com/office/drawing/2014/main" id="{A9429FFE-680C-5C4C-98C0-F829FB7A5376}"/>
+              </a:ext>
+            </a:extLst>
+          </p:cNvPr>
+          <p:cNvSpPr>
+            <a:spLocks noGrp="1"/>
+          </p:cNvSpPr>
+          <p:nvPr>
+            <p:ph idx="1"/>
+          </p:nvPr>
+        </p:nvSpPr>
+        <p:spPr/>
+        <p:txBody>
+          <a:bodyPr/>
+          <a:lstStyle/>
+          <a:p>
+            <a:r>
+              <a:rPr lang="en-US" sz="2000" dirty="0"/>
+              <a:t>User specifies replication rules</a:t>
+            </a:r>
+          </a:p>
+          <a:p>
+            <a:pPr lvl="1"/>
+            <a:r>
+              <a:rPr lang="en-US" sz="2000" dirty="0"/>
+              <a:t>We allow to add QoS requirement (e.g., the </a:t>
+            </a:r>
+            <a:r>
+              <a:rPr lang="en-US" sz="2000" dirty="0" err="1"/>
+              <a:t>repli</a:t>
+            </a:r>
+            <a:r>
+              <a:rPr lang="en-US" sz="2000" dirty="0"/>
+              <a:t> </a:t>
+            </a:r>
+            <a:r>
+              <a:rPr lang="en-US" sz="2000" dirty="0" err="1"/>
+              <a:t>util</a:t>
+            </a:r>
+            <a:r>
+              <a:rPr lang="en-US" sz="2000" dirty="0"/>
+              <a:t>)</a:t>
+            </a:r>
+          </a:p>
+          <a:p>
+            <a:r>
+              <a:rPr lang="en-US" sz="2000" dirty="0"/>
+              <a:t>Visibility</a:t>
+            </a:r>
+          </a:p>
+          <a:p>
+            <a:pPr lvl="1"/>
+            <a:r>
+              <a:rPr lang="en-US" sz="2000" dirty="0"/>
+              <a:t>Cross-layer integration</a:t>
+            </a:r>
+          </a:p>
+          <a:p>
+            <a:r>
+              <a:rPr lang="en-US" sz="2000" dirty="0"/>
+              <a:t>Intelligence</a:t>
+            </a:r>
+          </a:p>
+          <a:p>
+            <a:pPr lvl="1"/>
+            <a:r>
+              <a:rPr lang="en-US" sz="2000" dirty="0"/>
+              <a:t>Predict</a:t>
+            </a:r>
+          </a:p>
+          <a:p>
+            <a:r>
+              <a:rPr lang="en-US" sz="2000" dirty="0"/>
+              <a:t>Control</a:t>
+            </a:r>
+          </a:p>
+          <a:p>
+            <a:pPr lvl="1"/>
+            <a:r>
+              <a:rPr lang="en-US" sz="2000" dirty="0"/>
+              <a:t>When: Transfer dispatching control (FTS, stripping)</a:t>
+            </a:r>
+          </a:p>
+          <a:p>
+            <a:pPr lvl="2"/>
+            <a:r>
+              <a:rPr lang="en-US" sz="2000" dirty="0"/>
+              <a:t>Reasonable </a:t>
+            </a:r>
+            <a:r>
+              <a:rPr lang="en-US" sz="2000" dirty="0" err="1"/>
+              <a:t>pred</a:t>
+            </a:r>
+            <a:r>
+              <a:rPr lang="en-US" sz="2000" dirty="0"/>
+              <a:t> (BS, </a:t>
+            </a:r>
+            <a:r>
+              <a:rPr lang="en-US" sz="2000" dirty="0" err="1"/>
+              <a:t>util</a:t>
+            </a:r>
+            <a:r>
+              <a:rPr lang="en-US" sz="2000" dirty="0"/>
+              <a:t>), solve scheduling (bi-level)</a:t>
+            </a:r>
+          </a:p>
+          <a:p>
+            <a:pPr lvl="1"/>
+            <a:r>
+              <a:rPr lang="en-US" sz="2000" dirty="0"/>
+              <a:t>At what rate: Transfer rate control (</a:t>
+            </a:r>
+            <a:r>
+              <a:rPr lang="en-US" sz="2000" dirty="0" err="1"/>
+              <a:t>tc</a:t>
+            </a:r>
+            <a:r>
+              <a:rPr lang="en-US" sz="2000" dirty="0"/>
+              <a:t>)</a:t>
+            </a:r>
+          </a:p>
+          <a:p>
+            <a:pPr lvl="1"/>
+            <a:r>
+              <a:rPr lang="en-US" sz="2000" dirty="0"/>
+              <a:t>Routing control (SRv6, PCE)</a:t>
+            </a:r>
+          </a:p>
+        </p:txBody>
+      </p:sp>
+      <p:sp>
+        <p:nvSpPr>
+          <p:cNvPr id="4" name="Oval 3">
+            <a:extLst>
+              <a:ext uri="{FF2B5EF4-FFF2-40B4-BE49-F238E27FC236}">
+                <a16:creationId xmlns:a16="http://schemas.microsoft.com/office/drawing/2014/main" id="{639C2878-0E20-E849-851F-AD4CB25E071C}"/>
+              </a:ext>
+            </a:extLst>
+          </p:cNvPr>
+          <p:cNvSpPr/>
+          <p:nvPr/>
+        </p:nvSpPr>
+        <p:spPr bwMode="auto">
+          <a:xfrm>
+            <a:off x="5254905" y="3379808"/>
+            <a:ext cx="3727169" cy="1528031"/>
+          </a:xfrm>
+          <a:prstGeom prst="ellipse">
+            <a:avLst/>
+          </a:prstGeom>
+          <a:solidFill>
+            <a:schemeClr val="accent1"/>
+          </a:solidFill>
+          <a:ln w="9525" cap="flat" cmpd="sng" algn="ctr">
+            <a:solidFill>
+              <a:schemeClr val="tx1"/>
+            </a:solidFill>
+            <a:prstDash val="solid"/>
+            <a:round/>
+            <a:headEnd type="none" w="med" len="med"/>
+            <a:tailEnd type="none" w="med" len="med"/>
+          </a:ln>
+          <a:effectLst/>
+        </p:spPr>
+        <p:txBody>
+          <a:bodyPr vert="horz" wrap="square" lIns="91440" tIns="45720" rIns="91440" bIns="45720" numCol="1" rtlCol="0" anchor="t" anchorCtr="0" compatLnSpc="1">
+            <a:prstTxWarp prst="textNoShape">
+              <a:avLst/>
+            </a:prstTxWarp>
+          </a:bodyPr>
+          <a:lstStyle/>
+          <a:p>
+            <a:pPr marL="0" marR="0" indent="0" algn="l" defTabSz="914400" rtl="0" eaLnBrk="0" fontAlgn="base" latinLnBrk="0" hangingPunct="0">
+              <a:lnSpc>
+                <a:spcPct val="100000"/>
+              </a:lnSpc>
+              <a:spcBef>
+                <a:spcPct val="0"/>
+              </a:spcBef>
+              <a:spcAft>
+                <a:spcPct val="0"/>
+              </a:spcAft>
+              <a:buClrTx/>
+              <a:buSzTx/>
+              <a:buFontTx/>
+              <a:buNone/>
+              <a:tabLst/>
+            </a:pPr>
+            <a:endParaRPr kumimoji="0" lang="en-US" sz="2400" b="0" i="0" u="none" strike="noStrike" cap="none" normalizeH="0" baseline="-25000">
+              <a:ln>
+                <a:noFill/>
+              </a:ln>
+              <a:solidFill>
+                <a:schemeClr val="tx1"/>
+              </a:solidFill>
+              <a:effectLst>
+                <a:outerShdw blurRad="38100" dist="38100" dir="2700000" algn="tl">
+                  <a:srgbClr val="000000">
+                    <a:alpha val="43137"/>
+                  </a:srgbClr>
+                </a:outerShdw>
+              </a:effectLst>
+              <a:latin typeface="Arial" pitchFamily="-105" charset="0"/>
+              <a:ea typeface="ＭＳ Ｐゴシック" pitchFamily="-105" charset="-128"/>
+              <a:cs typeface="ＭＳ Ｐゴシック" pitchFamily="-105" charset="-128"/>
+            </a:endParaRPr>
+          </a:p>
+        </p:txBody>
+      </p:sp>
+    </p:spTree>
+    <p:extLst>
+      <p:ext uri="{BB962C8B-B14F-4D97-AF65-F5344CB8AC3E}">
+        <p14:creationId xmlns:p14="http://schemas.microsoft.com/office/powerpoint/2010/main" val="1691389824"/>
+      </p:ext>
+    </p:extLst>
+  </p:cSld>
+  <p:clrMapOvr>
+    <a:masterClrMapping/>
+  </p:clrMapOvr>
+</p:sld>
+</file>
+
+<file path=ppt/slides/slide2.xml><?xml version="1.0" encoding="utf-8"?>
+<p:sld xmlns:a="http://schemas.openxmlformats.org/drawingml/2006/main" xmlns:r="http://schemas.openxmlformats.org/officeDocument/2006/relationships" xmlns:p="http://schemas.openxmlformats.org/presentationml/2006/main">
+  <p:cSld>
+    <p:spTree>
+      <p:nvGrpSpPr>
+        <p:cNvPr id="1" name=""/>
+        <p:cNvGrpSpPr/>
+        <p:nvPr/>
+      </p:nvGrpSpPr>
+      <p:grpSpPr>
+        <a:xfrm>
+          <a:off x="0" y="0"/>
+          <a:ext cx="0" cy="0"/>
+          <a:chOff x="0" y="0"/>
+          <a:chExt cx="0" cy="0"/>
+        </a:xfrm>
+      </p:grpSpPr>
+      <p:sp>
+        <p:nvSpPr>
+          <p:cNvPr id="2" name="Title 1">
+            <a:extLst>
+              <a:ext uri="{FF2B5EF4-FFF2-40B4-BE49-F238E27FC236}">
+                <a16:creationId xmlns:a16="http://schemas.microsoft.com/office/drawing/2014/main" id="{303CB03F-810F-CB4A-8ABE-54D444A7C9B1}"/>
+              </a:ext>
+            </a:extLst>
+          </p:cNvPr>
+          <p:cNvSpPr>
+            <a:spLocks noGrp="1"/>
+          </p:cNvSpPr>
+          <p:nvPr>
+            <p:ph type="title"/>
+          </p:nvPr>
+        </p:nvSpPr>
+        <p:spPr/>
+        <p:txBody>
+          <a:bodyPr/>
+          <a:lstStyle/>
+          <a:p>
+            <a:r>
+              <a:rPr lang="en-US" dirty="0"/>
+              <a:t>Outline</a:t>
+            </a:r>
+          </a:p>
+        </p:txBody>
+      </p:sp>
+      <p:sp>
+        <p:nvSpPr>
+          <p:cNvPr id="3" name="Content Placeholder 2">
+            <a:extLst>
+              <a:ext uri="{FF2B5EF4-FFF2-40B4-BE49-F238E27FC236}">
+                <a16:creationId xmlns:a16="http://schemas.microsoft.com/office/drawing/2014/main" id="{81692EBA-2B33-E640-9320-92E88B0C599D}"/>
+              </a:ext>
+            </a:extLst>
+          </p:cNvPr>
+          <p:cNvSpPr>
+            <a:spLocks noGrp="1"/>
+          </p:cNvSpPr>
+          <p:nvPr>
+            <p:ph idx="1"/>
+          </p:nvPr>
+        </p:nvSpPr>
+        <p:spPr/>
+        <p:txBody>
+          <a:bodyPr/>
+          <a:lstStyle/>
+          <a:p>
+            <a:r>
+              <a:rPr lang="en-US" dirty="0"/>
+              <a:t>ALTO background</a:t>
+            </a:r>
+          </a:p>
+          <a:p>
+            <a:pPr lvl="1"/>
+            <a:r>
+              <a:rPr lang="en-US" dirty="0"/>
+              <a:t>Basic ALTO protocol</a:t>
+            </a:r>
+          </a:p>
+          <a:p>
+            <a:pPr lvl="1"/>
+            <a:r>
+              <a:rPr lang="en-US" dirty="0"/>
+              <a:t>ALTO in a bigger picture</a:t>
+            </a:r>
+          </a:p>
+          <a:p>
+            <a:r>
+              <a:rPr lang="en-US" dirty="0"/>
+              <a:t>ALTO implementation and applications</a:t>
+            </a:r>
+          </a:p>
+          <a:p>
+            <a:pPr lvl="1"/>
+            <a:r>
+              <a:rPr lang="en-US" dirty="0" err="1"/>
+              <a:t>openalto</a:t>
+            </a:r>
+            <a:endParaRPr lang="en-US" dirty="0"/>
+          </a:p>
+          <a:p>
+            <a:pPr lvl="1"/>
+            <a:r>
+              <a:rPr lang="en-US" dirty="0"/>
+              <a:t>next steps</a:t>
+            </a:r>
+          </a:p>
+        </p:txBody>
+      </p:sp>
+    </p:spTree>
+    <p:extLst>
+      <p:ext uri="{BB962C8B-B14F-4D97-AF65-F5344CB8AC3E}">
+        <p14:creationId xmlns:p14="http://schemas.microsoft.com/office/powerpoint/2010/main" val="3463609749"/>
+      </p:ext>
+    </p:extLst>
+  </p:cSld>
+  <p:clrMapOvr>
+    <a:masterClrMapping/>
+  </p:clrMapOvr>
+</p:sld>
+</file>
+
+<file path=ppt/slides/slide20.xml><?xml version="1.0" encoding="utf-8"?>
+<p:sld xmlns:a="http://schemas.openxmlformats.org/drawingml/2006/main" xmlns:r="http://schemas.openxmlformats.org/officeDocument/2006/relationships" xmlns:p="http://schemas.openxmlformats.org/presentationml/2006/main">
+  <p:cSld>
+    <p:spTree>
+      <p:nvGrpSpPr>
+        <p:cNvPr id="1" name=""/>
+        <p:cNvGrpSpPr/>
+        <p:nvPr/>
+      </p:nvGrpSpPr>
+      <p:grpSpPr>
+        <a:xfrm>
+          <a:off x="0" y="0"/>
+          <a:ext cx="0" cy="0"/>
+          <a:chOff x="0" y="0"/>
+          <a:chExt cx="0" cy="0"/>
+        </a:xfrm>
+      </p:grpSpPr>
+      <p:sp>
+        <p:nvSpPr>
+          <p:cNvPr id="2" name="Title 1">
+            <a:extLst>
+              <a:ext uri="{FF2B5EF4-FFF2-40B4-BE49-F238E27FC236}">
+                <a16:creationId xmlns:a16="http://schemas.microsoft.com/office/drawing/2014/main" id="{5043D78A-3751-BF47-902F-556025B49665}"/>
+              </a:ext>
+            </a:extLst>
+          </p:cNvPr>
+          <p:cNvSpPr>
+            <a:spLocks noGrp="1"/>
+          </p:cNvSpPr>
+          <p:nvPr>
+            <p:ph type="title"/>
+          </p:nvPr>
+        </p:nvSpPr>
+        <p:spPr/>
+        <p:txBody>
+          <a:bodyPr/>
+          <a:lstStyle/>
+          <a:p>
+            <a:r>
+              <a:rPr lang="en-US" dirty="0"/>
+              <a:t>Feedback</a:t>
+            </a:r>
+          </a:p>
+        </p:txBody>
+      </p:sp>
+      <p:sp>
+        <p:nvSpPr>
+          <p:cNvPr id="3" name="Content Placeholder 2">
+            <a:extLst>
+              <a:ext uri="{FF2B5EF4-FFF2-40B4-BE49-F238E27FC236}">
+                <a16:creationId xmlns:a16="http://schemas.microsoft.com/office/drawing/2014/main" id="{80933675-FF80-3345-9467-F4096EAF5ADC}"/>
+              </a:ext>
+            </a:extLst>
+          </p:cNvPr>
+          <p:cNvSpPr>
+            <a:spLocks noGrp="1"/>
+          </p:cNvSpPr>
+          <p:nvPr>
+            <p:ph idx="1"/>
+          </p:nvPr>
+        </p:nvSpPr>
+        <p:spPr/>
+        <p:txBody>
+          <a:bodyPr/>
+          <a:lstStyle/>
+          <a:p>
+            <a:r>
+              <a:rPr lang="en-US" dirty="0"/>
+              <a:t>What are your high-level problems, guidance?</a:t>
+            </a:r>
+          </a:p>
+        </p:txBody>
+      </p:sp>
+    </p:spTree>
+    <p:extLst>
+      <p:ext uri="{BB962C8B-B14F-4D97-AF65-F5344CB8AC3E}">
+        <p14:creationId xmlns:p14="http://schemas.microsoft.com/office/powerpoint/2010/main" val="3802891666"/>
+      </p:ext>
+    </p:extLst>
+  </p:cSld>
+  <p:clrMapOvr>
+    <a:masterClrMapping/>
+  </p:clrMapOvr>
+</p:sld>
+</file>
+
+<file path=ppt/slides/slide21.xml><?xml version="1.0" encoding="utf-8"?>
 <p:sld xmlns:a="http://schemas.openxmlformats.org/drawingml/2006/main" xmlns:r="http://schemas.openxmlformats.org/officeDocument/2006/relationships" xmlns:p="http://schemas.openxmlformats.org/presentationml/2006/main">
   <p:cSld>
     <p:spTree>
@@ -6806,7 +8221,7 @@
 </p:sld>
 </file>
 
-<file path=ppt/slides/slide14.xml><?xml version="1.0" encoding="utf-8"?>
+<file path=ppt/slides/slide22.xml><?xml version="1.0" encoding="utf-8"?>
 <p:sld xmlns:a="http://schemas.openxmlformats.org/drawingml/2006/main" xmlns:r="http://schemas.openxmlformats.org/officeDocument/2006/relationships" xmlns:p="http://schemas.openxmlformats.org/presentationml/2006/main">
   <p:cSld>
     <p:spTree>
@@ -6943,7 +8358,7 @@
 </p:sld>
 </file>
 
-<file path=ppt/slides/slide15.xml><?xml version="1.0" encoding="utf-8"?>
+<file path=ppt/slides/slide23.xml><?xml version="1.0" encoding="utf-8"?>
 <p:sld xmlns:a="http://schemas.openxmlformats.org/drawingml/2006/main" xmlns:r="http://schemas.openxmlformats.org/officeDocument/2006/relationships" xmlns:p="http://schemas.openxmlformats.org/presentationml/2006/main">
   <p:cSld>
     <p:spTree>
@@ -7064,17 +8479,17 @@
           </a:ln>
           <a:extLst>
             <a:ext uri="{FAA26D3D-D897-4be2-8F04-BA451C77F1D7}">
-              <ma14:placeholderFlag xmlns:ma14="http://schemas.microsoft.com/office/mac/drawingml/2011/main" xmlns="" val="1"/>
+              <ma14:placeholderFlag xmlns="" xmlns:ma14="http://schemas.microsoft.com/office/mac/drawingml/2011/main" val="1"/>
             </a:ext>
             <a:ext uri="{909E8E84-426E-40dd-AFC4-6F175D3DCCD1}">
-              <a14:hiddenFill xmlns="" xmlns:a14="http://schemas.microsoft.com/office/drawing/2010/main">
+              <a14:hiddenFill xmlns:a14="http://schemas.microsoft.com/office/drawing/2010/main" xmlns="">
                 <a:solidFill>
                   <a:srgbClr val="FFFFFF"/>
                 </a:solidFill>
               </a14:hiddenFill>
             </a:ext>
             <a:ext uri="{91240B29-F687-4f45-9708-019B960494DF}">
-              <a14:hiddenLine xmlns="" xmlns:a14="http://schemas.microsoft.com/office/drawing/2010/main" w="9525">
+              <a14:hiddenLine xmlns:a14="http://schemas.microsoft.com/office/drawing/2010/main" xmlns="" w="9525">
                 <a:solidFill>
                   <a:srgbClr val="000000"/>
                 </a:solidFill>
@@ -7333,17 +8748,17 @@
           </a:ln>
           <a:extLst>
             <a:ext uri="{FAA26D3D-D897-4be2-8F04-BA451C77F1D7}">
-              <ma14:placeholderFlag xmlns:ma14="http://schemas.microsoft.com/office/mac/drawingml/2011/main" xmlns="" val="1"/>
+              <ma14:placeholderFlag xmlns="" xmlns:ma14="http://schemas.microsoft.com/office/mac/drawingml/2011/main" val="1"/>
             </a:ext>
             <a:ext uri="{909E8E84-426E-40dd-AFC4-6F175D3DCCD1}">
-              <a14:hiddenFill xmlns="" xmlns:a14="http://schemas.microsoft.com/office/drawing/2010/main">
+              <a14:hiddenFill xmlns:a14="http://schemas.microsoft.com/office/drawing/2010/main" xmlns="">
                 <a:solidFill>
                   <a:srgbClr val="FFFFFF"/>
                 </a:solidFill>
               </a14:hiddenFill>
             </a:ext>
             <a:ext uri="{91240B29-F687-4f45-9708-019B960494DF}">
-              <a14:hiddenLine xmlns="" xmlns:a14="http://schemas.microsoft.com/office/drawing/2010/main" w="9525">
+              <a14:hiddenLine xmlns:a14="http://schemas.microsoft.com/office/drawing/2010/main" xmlns="" w="9525">
                 <a:solidFill>
                   <a:srgbClr val="000000"/>
                 </a:solidFill>
@@ -7588,17 +9003,17 @@
           </a:ln>
           <a:extLst>
             <a:ext uri="{FAA26D3D-D897-4be2-8F04-BA451C77F1D7}">
-              <ma14:placeholderFlag xmlns:ma14="http://schemas.microsoft.com/office/mac/drawingml/2011/main" xmlns="" val="1"/>
+              <ma14:placeholderFlag xmlns="" xmlns:ma14="http://schemas.microsoft.com/office/mac/drawingml/2011/main" val="1"/>
             </a:ext>
             <a:ext uri="{909E8E84-426E-40dd-AFC4-6F175D3DCCD1}">
-              <a14:hiddenFill xmlns="" xmlns:a14="http://schemas.microsoft.com/office/drawing/2010/main">
+              <a14:hiddenFill xmlns:a14="http://schemas.microsoft.com/office/drawing/2010/main" xmlns="">
                 <a:solidFill>
                   <a:srgbClr val="FFFFFF"/>
                 </a:solidFill>
               </a14:hiddenFill>
             </a:ext>
             <a:ext uri="{91240B29-F687-4f45-9708-019B960494DF}">
-              <a14:hiddenLine xmlns="" xmlns:a14="http://schemas.microsoft.com/office/drawing/2010/main" w="9525">
+              <a14:hiddenLine xmlns:a14="http://schemas.microsoft.com/office/drawing/2010/main" xmlns="" w="9525">
                 <a:solidFill>
                   <a:srgbClr val="000000"/>
                 </a:solidFill>
@@ -7804,17 +9219,17 @@
           </a:ln>
           <a:extLst>
             <a:ext uri="{FAA26D3D-D897-4be2-8F04-BA451C77F1D7}">
-              <ma14:placeholderFlag xmlns:ma14="http://schemas.microsoft.com/office/mac/drawingml/2011/main" xmlns="" val="1"/>
+              <ma14:placeholderFlag xmlns="" xmlns:ma14="http://schemas.microsoft.com/office/mac/drawingml/2011/main" val="1"/>
             </a:ext>
             <a:ext uri="{909E8E84-426E-40dd-AFC4-6F175D3DCCD1}">
-              <a14:hiddenFill xmlns="" xmlns:a14="http://schemas.microsoft.com/office/drawing/2010/main">
+              <a14:hiddenFill xmlns:a14="http://schemas.microsoft.com/office/drawing/2010/main" xmlns="">
                 <a:solidFill>
                   <a:srgbClr val="FFFFFF"/>
                 </a:solidFill>
               </a14:hiddenFill>
             </a:ext>
             <a:ext uri="{91240B29-F687-4f45-9708-019B960494DF}">
-              <a14:hiddenLine xmlns="" xmlns:a14="http://schemas.microsoft.com/office/drawing/2010/main" w="9525">
+              <a14:hiddenLine xmlns:a14="http://schemas.microsoft.com/office/drawing/2010/main" xmlns="" w="9525">
                 <a:solidFill>
                   <a:srgbClr val="000000"/>
                 </a:solidFill>
@@ -8025,7 +9440,7 @@
 </p:sld>
 </file>
 
-<file path=ppt/slides/slide16.xml><?xml version="1.0" encoding="utf-8"?>
+<file path=ppt/slides/slide24.xml><?xml version="1.0" encoding="utf-8"?>
 <p:sld xmlns:a="http://schemas.openxmlformats.org/drawingml/2006/main" xmlns:r="http://schemas.openxmlformats.org/officeDocument/2006/relationships" xmlns:p="http://schemas.openxmlformats.org/presentationml/2006/main">
   <p:cSld>
     <p:spTree>
@@ -9167,1328 +10582,7 @@
 </p:sld>
 </file>
 
-<file path=ppt/slides/slide17.xml><?xml version="1.0" encoding="utf-8"?>
-<p:sld xmlns:a="http://schemas.openxmlformats.org/drawingml/2006/main" xmlns:r="http://schemas.openxmlformats.org/officeDocument/2006/relationships" xmlns:p="http://schemas.openxmlformats.org/presentationml/2006/main">
-  <p:cSld>
-    <p:spTree>
-      <p:nvGrpSpPr>
-        <p:cNvPr id="1" name=""/>
-        <p:cNvGrpSpPr/>
-        <p:nvPr/>
-      </p:nvGrpSpPr>
-      <p:grpSpPr>
-        <a:xfrm>
-          <a:off x="0" y="0"/>
-          <a:ext cx="0" cy="0"/>
-          <a:chOff x="0" y="0"/>
-          <a:chExt cx="0" cy="0"/>
-        </a:xfrm>
-      </p:grpSpPr>
-      <p:sp>
-        <p:nvSpPr>
-          <p:cNvPr id="2" name="Title 1"/>
-          <p:cNvSpPr>
-            <a:spLocks noGrp="1"/>
-          </p:cNvSpPr>
-          <p:nvPr>
-            <p:ph type="title"/>
-          </p:nvPr>
-        </p:nvSpPr>
-        <p:spPr/>
-        <p:txBody>
-          <a:bodyPr/>
-          <a:lstStyle/>
-          <a:p>
-            <a:r>
-              <a:rPr lang="en-US" dirty="0"/>
-              <a:t>IETF ALTO </a:t>
-            </a:r>
-            <a:r>
-              <a:rPr lang="en-US" dirty="0">
-                <a:solidFill>
-                  <a:srgbClr val="00B050"/>
-                </a:solidFill>
-              </a:rPr>
-              <a:t>RFCs</a:t>
-            </a:r>
-            <a:r>
-              <a:rPr lang="en-US" dirty="0"/>
-              <a:t>/</a:t>
-            </a:r>
-            <a:r>
-              <a:rPr lang="en-US" dirty="0">
-                <a:solidFill>
-                  <a:schemeClr val="accent3">
-                    <a:lumMod val="75000"/>
-                  </a:schemeClr>
-                </a:solidFill>
-              </a:rPr>
-              <a:t>WG Docs</a:t>
-            </a:r>
-            <a:r>
-              <a:rPr lang="en-US" dirty="0"/>
-              <a:t>/</a:t>
-            </a:r>
-            <a:r>
-              <a:rPr lang="en-US" dirty="0">
-                <a:solidFill>
-                  <a:srgbClr val="002060"/>
-                </a:solidFill>
-              </a:rPr>
-              <a:t>Drafts</a:t>
-            </a:r>
-          </a:p>
-        </p:txBody>
-      </p:sp>
-      <p:sp>
-        <p:nvSpPr>
-          <p:cNvPr id="4" name="Rectangle 3"/>
-          <p:cNvSpPr/>
-          <p:nvPr/>
-        </p:nvSpPr>
-        <p:spPr bwMode="auto">
-          <a:xfrm>
-            <a:off x="371891" y="4245140"/>
-            <a:ext cx="1449729" cy="457022"/>
-          </a:xfrm>
-          <a:prstGeom prst="rect">
-            <a:avLst/>
-          </a:prstGeom>
-          <a:solidFill>
-            <a:srgbClr val="00B050"/>
-          </a:solidFill>
-          <a:ln w="31750" cap="flat" cmpd="sng" algn="ctr">
-            <a:solidFill>
-              <a:schemeClr val="tx1"/>
-            </a:solidFill>
-            <a:prstDash val="solid"/>
-            <a:round/>
-            <a:headEnd type="none" w="med" len="med"/>
-            <a:tailEnd type="none" w="med" len="med"/>
-          </a:ln>
-          <a:effectLst/>
-        </p:spPr>
-        <p:txBody>
-          <a:bodyPr vert="horz" wrap="square" lIns="68580" tIns="34290" rIns="68580" bIns="34290" numCol="1" rtlCol="0" anchor="ctr" anchorCtr="0" compatLnSpc="1">
-            <a:prstTxWarp prst="textNoShape">
-              <a:avLst/>
-            </a:prstTxWarp>
-          </a:bodyPr>
-          <a:lstStyle/>
-          <a:p>
-            <a:pPr algn="ctr" defTabSz="685800" eaLnBrk="0" hangingPunct="0"/>
-            <a:r>
-              <a:rPr lang="en-US" sz="1200" baseline="0" dirty="0">
-                <a:solidFill>
-                  <a:schemeClr val="bg1"/>
-                </a:solidFill>
-                <a:effectLst>
-                  <a:outerShdw blurRad="38100" dist="38100" dir="2700000" algn="tl">
-                    <a:srgbClr val="000000">
-                      <a:alpha val="43137"/>
-                    </a:srgbClr>
-                  </a:outerShdw>
-                </a:effectLst>
-                <a:latin typeface="Arial" pitchFamily="-105" charset="0"/>
-                <a:ea typeface="ＭＳ Ｐゴシック" pitchFamily="-105" charset="-128"/>
-                <a:cs typeface="ＭＳ Ｐゴシック" pitchFamily="-105" charset="-128"/>
-              </a:rPr>
-              <a:t>Problem Statement</a:t>
-            </a:r>
-          </a:p>
-          <a:p>
-            <a:pPr algn="ctr" eaLnBrk="0" hangingPunct="0"/>
-            <a:r>
-              <a:rPr lang="en-US" sz="1200" baseline="0" dirty="0">
-                <a:solidFill>
-                  <a:schemeClr val="bg1"/>
-                </a:solidFill>
-                <a:effectLst>
-                  <a:outerShdw blurRad="38100" dist="38100" dir="2700000" algn="tl">
-                    <a:srgbClr val="000000">
-                      <a:alpha val="43137"/>
-                    </a:srgbClr>
-                  </a:outerShdw>
-                </a:effectLst>
-                <a:latin typeface="Arial" pitchFamily="-105" charset="0"/>
-                <a:ea typeface="ＭＳ Ｐゴシック" pitchFamily="-105" charset="-128"/>
-                <a:cs typeface="ＭＳ Ｐゴシック" pitchFamily="-105" charset="-128"/>
-              </a:rPr>
-              <a:t>(RFC5693)</a:t>
-            </a:r>
-          </a:p>
-        </p:txBody>
-      </p:sp>
-      <p:sp>
-        <p:nvSpPr>
-          <p:cNvPr id="5" name="Rectangle 4"/>
-          <p:cNvSpPr/>
-          <p:nvPr/>
-        </p:nvSpPr>
-        <p:spPr bwMode="auto">
-          <a:xfrm>
-            <a:off x="369221" y="3724593"/>
-            <a:ext cx="1449729" cy="403220"/>
-          </a:xfrm>
-          <a:prstGeom prst="rect">
-            <a:avLst/>
-          </a:prstGeom>
-          <a:solidFill>
-            <a:srgbClr val="00B050"/>
-          </a:solidFill>
-          <a:ln w="31750" cap="flat" cmpd="sng" algn="ctr">
-            <a:solidFill>
-              <a:schemeClr val="tx1"/>
-            </a:solidFill>
-            <a:prstDash val="solid"/>
-            <a:round/>
-            <a:headEnd type="none" w="med" len="med"/>
-            <a:tailEnd type="none" w="med" len="med"/>
-          </a:ln>
-          <a:effectLst/>
-        </p:spPr>
-        <p:txBody>
-          <a:bodyPr vert="horz" wrap="square" lIns="68580" tIns="34290" rIns="68580" bIns="34290" numCol="1" rtlCol="0" anchor="ctr" anchorCtr="0" compatLnSpc="1">
-            <a:prstTxWarp prst="textNoShape">
-              <a:avLst/>
-            </a:prstTxWarp>
-          </a:bodyPr>
-          <a:lstStyle/>
-          <a:p>
-            <a:pPr algn="ctr" eaLnBrk="0" hangingPunct="0"/>
-            <a:r>
-              <a:rPr lang="en-US" sz="1200" baseline="0" dirty="0">
-                <a:solidFill>
-                  <a:schemeClr val="bg1"/>
-                </a:solidFill>
-                <a:effectLst>
-                  <a:outerShdw blurRad="38100" dist="38100" dir="2700000" algn="tl">
-                    <a:srgbClr val="000000">
-                      <a:alpha val="43137"/>
-                    </a:srgbClr>
-                  </a:outerShdw>
-                </a:effectLst>
-                <a:latin typeface="Arial" pitchFamily="-105" charset="0"/>
-                <a:ea typeface="ＭＳ Ｐゴシック" pitchFamily="-105" charset="-128"/>
-                <a:cs typeface="ＭＳ Ｐゴシック" pitchFamily="-105" charset="-128"/>
-              </a:rPr>
-              <a:t>Requirements (RFC6708)</a:t>
-            </a:r>
-            <a:endParaRPr lang="en-US" sz="1050" baseline="0" dirty="0">
-              <a:solidFill>
-                <a:schemeClr val="bg1"/>
-              </a:solidFill>
-              <a:effectLst>
-                <a:outerShdw blurRad="38100" dist="38100" dir="2700000" algn="tl">
-                  <a:srgbClr val="000000">
-                    <a:alpha val="43137"/>
-                  </a:srgbClr>
-                </a:outerShdw>
-              </a:effectLst>
-              <a:latin typeface="Arial" pitchFamily="-105" charset="0"/>
-              <a:ea typeface="ＭＳ Ｐゴシック" pitchFamily="-105" charset="-128"/>
-              <a:cs typeface="ＭＳ Ｐゴシック" pitchFamily="-105" charset="-128"/>
-            </a:endParaRPr>
-          </a:p>
-        </p:txBody>
-      </p:sp>
-      <p:sp>
-        <p:nvSpPr>
-          <p:cNvPr id="6" name="Rectangle 5"/>
-          <p:cNvSpPr/>
-          <p:nvPr/>
-        </p:nvSpPr>
-        <p:spPr bwMode="auto">
-          <a:xfrm>
-            <a:off x="369221" y="3165404"/>
-            <a:ext cx="1449729" cy="437110"/>
-          </a:xfrm>
-          <a:prstGeom prst="rect">
-            <a:avLst/>
-          </a:prstGeom>
-          <a:solidFill>
-            <a:srgbClr val="00B050"/>
-          </a:solidFill>
-          <a:ln w="31750" cap="flat" cmpd="sng" algn="ctr">
-            <a:solidFill>
-              <a:schemeClr val="tx1"/>
-            </a:solidFill>
-            <a:prstDash val="solid"/>
-            <a:round/>
-            <a:headEnd type="none" w="med" len="med"/>
-            <a:tailEnd type="none" w="med" len="med"/>
-          </a:ln>
-          <a:effectLst/>
-        </p:spPr>
-        <p:txBody>
-          <a:bodyPr vert="horz" wrap="square" lIns="68580" tIns="34290" rIns="68580" bIns="34290" numCol="1" rtlCol="0" anchor="ctr" anchorCtr="0" compatLnSpc="1">
-            <a:prstTxWarp prst="textNoShape">
-              <a:avLst/>
-            </a:prstTxWarp>
-          </a:bodyPr>
-          <a:lstStyle/>
-          <a:p>
-            <a:pPr algn="ctr" eaLnBrk="0" hangingPunct="0"/>
-            <a:r>
-              <a:rPr lang="en-US" sz="1200" baseline="0" dirty="0">
-                <a:solidFill>
-                  <a:schemeClr val="bg1"/>
-                </a:solidFill>
-                <a:effectLst>
-                  <a:outerShdw blurRad="38100" dist="38100" dir="2700000" algn="tl">
-                    <a:srgbClr val="000000">
-                      <a:alpha val="43137"/>
-                    </a:srgbClr>
-                  </a:outerShdw>
-                </a:effectLst>
-                <a:latin typeface="Arial" pitchFamily="-105" charset="0"/>
-                <a:ea typeface="ＭＳ Ｐゴシック" pitchFamily="-105" charset="-128"/>
-                <a:cs typeface="ＭＳ Ｐゴシック" pitchFamily="-105" charset="-128"/>
-              </a:rPr>
-              <a:t>Base Protocol (RFC7285)</a:t>
-            </a:r>
-          </a:p>
-        </p:txBody>
-      </p:sp>
-      <p:sp>
-        <p:nvSpPr>
-          <p:cNvPr id="7" name="Rectangle 6"/>
-          <p:cNvSpPr/>
-          <p:nvPr/>
-        </p:nvSpPr>
-        <p:spPr bwMode="auto">
-          <a:xfrm>
-            <a:off x="371891" y="2633535"/>
-            <a:ext cx="1449729" cy="414542"/>
-          </a:xfrm>
-          <a:prstGeom prst="rect">
-            <a:avLst/>
-          </a:prstGeom>
-          <a:solidFill>
-            <a:srgbClr val="00B050"/>
-          </a:solidFill>
-          <a:ln w="31750" cap="flat" cmpd="sng" algn="ctr">
-            <a:solidFill>
-              <a:schemeClr val="tx1"/>
-            </a:solidFill>
-            <a:prstDash val="solid"/>
-            <a:round/>
-            <a:headEnd type="none" w="med" len="med"/>
-            <a:tailEnd type="none" w="med" len="med"/>
-          </a:ln>
-          <a:effectLst/>
-        </p:spPr>
-        <p:txBody>
-          <a:bodyPr vert="horz" wrap="square" lIns="68580" tIns="34290" rIns="68580" bIns="34290" numCol="1" rtlCol="0" anchor="ctr" anchorCtr="0" compatLnSpc="1">
-            <a:prstTxWarp prst="textNoShape">
-              <a:avLst/>
-            </a:prstTxWarp>
-          </a:bodyPr>
-          <a:lstStyle/>
-          <a:p>
-            <a:pPr algn="ctr" eaLnBrk="0" hangingPunct="0"/>
-            <a:r>
-              <a:rPr lang="en-US" sz="1200" baseline="0" dirty="0">
-                <a:solidFill>
-                  <a:schemeClr val="bg1"/>
-                </a:solidFill>
-                <a:effectLst>
-                  <a:outerShdw blurRad="38100" dist="38100" dir="2700000" algn="tl">
-                    <a:srgbClr val="000000">
-                      <a:alpha val="43137"/>
-                    </a:srgbClr>
-                  </a:outerShdw>
-                </a:effectLst>
-                <a:latin typeface="Arial" pitchFamily="-105" charset="0"/>
-                <a:ea typeface="ＭＳ Ｐゴシック" pitchFamily="-105" charset="-128"/>
-                <a:cs typeface="ＭＳ Ｐゴシック" pitchFamily="-105" charset="-128"/>
-              </a:rPr>
-              <a:t>Server Discovery (RFC7286)</a:t>
-            </a:r>
-          </a:p>
-        </p:txBody>
-      </p:sp>
-      <p:sp>
-        <p:nvSpPr>
-          <p:cNvPr id="8" name="Rectangle 7"/>
-          <p:cNvSpPr/>
-          <p:nvPr/>
-        </p:nvSpPr>
-        <p:spPr bwMode="auto">
-          <a:xfrm>
-            <a:off x="374586" y="2074346"/>
-            <a:ext cx="1449729" cy="406604"/>
-          </a:xfrm>
-          <a:prstGeom prst="rect">
-            <a:avLst/>
-          </a:prstGeom>
-          <a:solidFill>
-            <a:srgbClr val="00B050"/>
-          </a:solidFill>
-          <a:ln w="31750" cap="flat" cmpd="sng" algn="ctr">
-            <a:solidFill>
-              <a:schemeClr val="tx1"/>
-            </a:solidFill>
-            <a:prstDash val="solid"/>
-            <a:round/>
-            <a:headEnd type="none" w="med" len="med"/>
-            <a:tailEnd type="none" w="med" len="med"/>
-          </a:ln>
-          <a:effectLst/>
-        </p:spPr>
-        <p:txBody>
-          <a:bodyPr vert="horz" wrap="square" lIns="68580" tIns="34290" rIns="68580" bIns="34290" numCol="1" rtlCol="0" anchor="ctr" anchorCtr="0" compatLnSpc="1">
-            <a:prstTxWarp prst="textNoShape">
-              <a:avLst/>
-            </a:prstTxWarp>
-          </a:bodyPr>
-          <a:lstStyle/>
-          <a:p>
-            <a:pPr algn="ctr" eaLnBrk="0" hangingPunct="0"/>
-            <a:r>
-              <a:rPr lang="en-US" sz="1200" baseline="0" dirty="0">
-                <a:solidFill>
-                  <a:schemeClr val="bg1"/>
-                </a:solidFill>
-                <a:effectLst>
-                  <a:outerShdw blurRad="38100" dist="38100" dir="2700000" algn="tl">
-                    <a:srgbClr val="000000">
-                      <a:alpha val="43137"/>
-                    </a:srgbClr>
-                  </a:outerShdw>
-                </a:effectLst>
-                <a:latin typeface="Arial" pitchFamily="-105" charset="0"/>
-                <a:ea typeface="ＭＳ Ｐゴシック" pitchFamily="-105" charset="-128"/>
-                <a:cs typeface="ＭＳ Ｐゴシック" pitchFamily="-105" charset="-128"/>
-              </a:rPr>
-              <a:t>Deployment (RFC7971)</a:t>
-            </a:r>
-          </a:p>
-        </p:txBody>
-      </p:sp>
-      <p:sp>
-        <p:nvSpPr>
-          <p:cNvPr id="9" name="Rectangle 8"/>
-          <p:cNvSpPr/>
-          <p:nvPr/>
-        </p:nvSpPr>
-        <p:spPr bwMode="auto">
-          <a:xfrm>
-            <a:off x="374586" y="1513149"/>
-            <a:ext cx="1449729" cy="395467"/>
-          </a:xfrm>
-          <a:prstGeom prst="rect">
-            <a:avLst/>
-          </a:prstGeom>
-          <a:solidFill>
-            <a:srgbClr val="00B050"/>
-          </a:solidFill>
-          <a:ln w="31750" cap="flat" cmpd="sng" algn="ctr">
-            <a:solidFill>
-              <a:schemeClr val="tx1"/>
-            </a:solidFill>
-            <a:prstDash val="solid"/>
-            <a:round/>
-            <a:headEnd type="none" w="med" len="med"/>
-            <a:tailEnd type="none" w="med" len="med"/>
-          </a:ln>
-          <a:effectLst/>
-        </p:spPr>
-        <p:txBody>
-          <a:bodyPr vert="horz" wrap="square" lIns="68580" tIns="34290" rIns="68580" bIns="34290" numCol="1" rtlCol="0" anchor="ctr" anchorCtr="0" compatLnSpc="1">
-            <a:prstTxWarp prst="textNoShape">
-              <a:avLst/>
-            </a:prstTxWarp>
-          </a:bodyPr>
-          <a:lstStyle/>
-          <a:p>
-            <a:pPr algn="ctr" eaLnBrk="0" hangingPunct="0"/>
-            <a:r>
-              <a:rPr lang="en-US" sz="1200" baseline="0" dirty="0" err="1">
-                <a:solidFill>
-                  <a:schemeClr val="bg1"/>
-                </a:solidFill>
-                <a:effectLst>
-                  <a:outerShdw blurRad="38100" dist="38100" dir="2700000" algn="tl">
-                    <a:srgbClr val="000000">
-                      <a:alpha val="43137"/>
-                    </a:srgbClr>
-                  </a:outerShdw>
-                </a:effectLst>
-                <a:latin typeface="Arial" pitchFamily="-105" charset="0"/>
-                <a:ea typeface="ＭＳ Ｐゴシック" pitchFamily="-105" charset="-128"/>
-                <a:cs typeface="ＭＳ Ｐゴシック" pitchFamily="-105" charset="-128"/>
-              </a:rPr>
-              <a:t>Multicost</a:t>
-            </a:r>
-            <a:r>
-              <a:rPr lang="en-US" sz="1200" baseline="0" dirty="0">
-                <a:solidFill>
-                  <a:schemeClr val="bg1"/>
-                </a:solidFill>
-                <a:effectLst>
-                  <a:outerShdw blurRad="38100" dist="38100" dir="2700000" algn="tl">
-                    <a:srgbClr val="000000">
-                      <a:alpha val="43137"/>
-                    </a:srgbClr>
-                  </a:outerShdw>
-                </a:effectLst>
-                <a:latin typeface="Arial" pitchFamily="-105" charset="0"/>
-                <a:ea typeface="ＭＳ Ｐゴシック" pitchFamily="-105" charset="-128"/>
-                <a:cs typeface="ＭＳ Ｐゴシック" pitchFamily="-105" charset="-128"/>
-              </a:rPr>
-              <a:t> (RFC8189)</a:t>
-            </a:r>
-          </a:p>
-        </p:txBody>
-      </p:sp>
-      <p:sp>
-        <p:nvSpPr>
-          <p:cNvPr id="10" name="Rectangle 9"/>
-          <p:cNvSpPr/>
-          <p:nvPr/>
-        </p:nvSpPr>
-        <p:spPr bwMode="auto">
-          <a:xfrm>
-            <a:off x="2066930" y="2731119"/>
-            <a:ext cx="1449729" cy="414542"/>
-          </a:xfrm>
-          <a:prstGeom prst="rect">
-            <a:avLst/>
-          </a:prstGeom>
-          <a:solidFill>
-            <a:srgbClr val="00B050"/>
-          </a:solidFill>
-          <a:ln w="31750" cap="flat" cmpd="sng" algn="ctr">
-            <a:solidFill>
-              <a:schemeClr val="tx1"/>
-            </a:solidFill>
-            <a:prstDash val="dash"/>
-            <a:round/>
-            <a:headEnd type="none" w="med" len="med"/>
-            <a:tailEnd type="none" w="med" len="med"/>
-          </a:ln>
-          <a:effectLst/>
-        </p:spPr>
-        <p:txBody>
-          <a:bodyPr vert="horz" wrap="square" lIns="68580" tIns="34290" rIns="68580" bIns="34290" numCol="1" rtlCol="0" anchor="ctr" anchorCtr="0" compatLnSpc="1">
-            <a:prstTxWarp prst="textNoShape">
-              <a:avLst/>
-            </a:prstTxWarp>
-          </a:bodyPr>
-          <a:lstStyle/>
-          <a:p>
-            <a:pPr algn="ctr" defTabSz="685800" eaLnBrk="0" hangingPunct="0"/>
-            <a:r>
-              <a:rPr lang="en-US" sz="1200" baseline="0" dirty="0">
-                <a:solidFill>
-                  <a:schemeClr val="bg1"/>
-                </a:solidFill>
-                <a:effectLst>
-                  <a:outerShdw blurRad="38100" dist="38100" dir="2700000" algn="tl">
-                    <a:srgbClr val="000000">
-                      <a:alpha val="43137"/>
-                    </a:srgbClr>
-                  </a:outerShdw>
-                </a:effectLst>
-                <a:latin typeface="Arial" pitchFamily="-105" charset="0"/>
-                <a:ea typeface="ＭＳ Ｐゴシック" pitchFamily="-105" charset="-128"/>
-                <a:cs typeface="ＭＳ Ｐゴシック" pitchFamily="-105" charset="-128"/>
-              </a:rPr>
-              <a:t>Cost Calendar</a:t>
-            </a:r>
-            <a:endParaRPr lang="en-US" sz="1050" baseline="0" dirty="0">
-              <a:solidFill>
-                <a:schemeClr val="bg1"/>
-              </a:solidFill>
-              <a:effectLst>
-                <a:outerShdw blurRad="38100" dist="38100" dir="2700000" algn="tl">
-                  <a:srgbClr val="000000">
-                    <a:alpha val="43137"/>
-                  </a:srgbClr>
-                </a:outerShdw>
-              </a:effectLst>
-              <a:latin typeface="Arial" pitchFamily="-105" charset="0"/>
-              <a:ea typeface="ＭＳ Ｐゴシック" pitchFamily="-105" charset="-128"/>
-              <a:cs typeface="ＭＳ Ｐゴシック" pitchFamily="-105" charset="-128"/>
-            </a:endParaRPr>
-          </a:p>
-        </p:txBody>
-      </p:sp>
-      <p:sp>
-        <p:nvSpPr>
-          <p:cNvPr id="11" name="Rectangle 10"/>
-          <p:cNvSpPr/>
-          <p:nvPr/>
-        </p:nvSpPr>
-        <p:spPr bwMode="auto">
-          <a:xfrm>
-            <a:off x="3813242" y="1393230"/>
-            <a:ext cx="1449729" cy="425636"/>
-          </a:xfrm>
-          <a:prstGeom prst="rect">
-            <a:avLst/>
-          </a:prstGeom>
-          <a:solidFill>
-            <a:schemeClr val="accent3">
-              <a:lumMod val="75000"/>
-            </a:schemeClr>
-          </a:solidFill>
-          <a:ln w="9525" cap="flat" cmpd="sng" algn="ctr">
-            <a:solidFill>
-              <a:schemeClr val="tx1"/>
-            </a:solidFill>
-            <a:prstDash val="solid"/>
-            <a:round/>
-            <a:headEnd type="none" w="med" len="med"/>
-            <a:tailEnd type="none" w="med" len="med"/>
-          </a:ln>
-          <a:effectLst/>
-        </p:spPr>
-        <p:txBody>
-          <a:bodyPr vert="horz" wrap="square" lIns="68580" tIns="34290" rIns="68580" bIns="34290" numCol="1" rtlCol="0" anchor="ctr" anchorCtr="0" compatLnSpc="1">
-            <a:prstTxWarp prst="textNoShape">
-              <a:avLst/>
-            </a:prstTxWarp>
-          </a:bodyPr>
-          <a:lstStyle/>
-          <a:p>
-            <a:pPr algn="ctr" defTabSz="685800" eaLnBrk="0" hangingPunct="0"/>
-            <a:r>
-              <a:rPr lang="en-US" sz="1200" baseline="0" dirty="0" err="1">
-                <a:solidFill>
-                  <a:schemeClr val="bg1"/>
-                </a:solidFill>
-                <a:effectLst>
-                  <a:outerShdw blurRad="38100" dist="38100" dir="2700000" algn="tl">
-                    <a:srgbClr val="000000">
-                      <a:alpha val="43137"/>
-                    </a:srgbClr>
-                  </a:outerShdw>
-                </a:effectLst>
-                <a:latin typeface="Arial" pitchFamily="-105" charset="0"/>
-                <a:ea typeface="ＭＳ Ｐゴシック" pitchFamily="-105" charset="-128"/>
-                <a:cs typeface="ＭＳ Ｐゴシック" pitchFamily="-105" charset="-128"/>
-              </a:rPr>
-              <a:t>CDNi</a:t>
-            </a:r>
-            <a:endParaRPr lang="en-US" sz="1200" baseline="0" dirty="0">
-              <a:solidFill>
-                <a:schemeClr val="bg1"/>
-              </a:solidFill>
-              <a:effectLst>
-                <a:outerShdw blurRad="38100" dist="38100" dir="2700000" algn="tl">
-                  <a:srgbClr val="000000">
-                    <a:alpha val="43137"/>
-                  </a:srgbClr>
-                </a:outerShdw>
-              </a:effectLst>
-              <a:latin typeface="Arial" pitchFamily="-105" charset="0"/>
-              <a:ea typeface="ＭＳ Ｐゴシック" pitchFamily="-105" charset="-128"/>
-              <a:cs typeface="ＭＳ Ｐゴシック" pitchFamily="-105" charset="-128"/>
-            </a:endParaRPr>
-          </a:p>
-        </p:txBody>
-      </p:sp>
-      <p:sp>
-        <p:nvSpPr>
-          <p:cNvPr id="12" name="Rectangle 11"/>
-          <p:cNvSpPr/>
-          <p:nvPr/>
-        </p:nvSpPr>
-        <p:spPr bwMode="auto">
-          <a:xfrm>
-            <a:off x="2066930" y="2172095"/>
-            <a:ext cx="1449729" cy="437110"/>
-          </a:xfrm>
-          <a:prstGeom prst="rect">
-            <a:avLst/>
-          </a:prstGeom>
-          <a:solidFill>
-            <a:srgbClr val="00B050"/>
-          </a:solidFill>
-          <a:ln w="31750" cap="flat" cmpd="sng" algn="ctr">
-            <a:solidFill>
-              <a:schemeClr val="tx1"/>
-            </a:solidFill>
-            <a:prstDash val="dash"/>
-            <a:round/>
-            <a:headEnd type="none" w="med" len="med"/>
-            <a:tailEnd type="none" w="med" len="med"/>
-          </a:ln>
-          <a:effectLst/>
-        </p:spPr>
-        <p:txBody>
-          <a:bodyPr vert="horz" wrap="square" lIns="68580" tIns="34290" rIns="68580" bIns="34290" numCol="1" rtlCol="0" anchor="ctr" anchorCtr="0" compatLnSpc="1">
-            <a:prstTxWarp prst="textNoShape">
-              <a:avLst/>
-            </a:prstTxWarp>
-          </a:bodyPr>
-          <a:lstStyle/>
-          <a:p>
-            <a:pPr algn="ctr" defTabSz="685800" eaLnBrk="0" hangingPunct="0"/>
-            <a:r>
-              <a:rPr lang="en-US" sz="1200" baseline="0" dirty="0">
-                <a:solidFill>
-                  <a:schemeClr val="bg1"/>
-                </a:solidFill>
-                <a:effectLst>
-                  <a:outerShdw blurRad="38100" dist="38100" dir="2700000" algn="tl">
-                    <a:srgbClr val="000000">
-                      <a:alpha val="43137"/>
-                    </a:srgbClr>
-                  </a:outerShdw>
-                </a:effectLst>
-                <a:latin typeface="Arial" pitchFamily="-105" charset="0"/>
-                <a:ea typeface="ＭＳ Ｐゴシック" pitchFamily="-105" charset="-128"/>
-                <a:cs typeface="ＭＳ Ｐゴシック" pitchFamily="-105" charset="-128"/>
-              </a:rPr>
-              <a:t>SSE/</a:t>
-            </a:r>
-            <a:r>
-              <a:rPr lang="en-US" sz="1200" baseline="0" dirty="0" err="1">
-                <a:solidFill>
-                  <a:schemeClr val="bg1"/>
-                </a:solidFill>
-                <a:effectLst>
-                  <a:outerShdw blurRad="38100" dist="38100" dir="2700000" algn="tl">
-                    <a:srgbClr val="000000">
-                      <a:alpha val="43137"/>
-                    </a:srgbClr>
-                  </a:outerShdw>
-                </a:effectLst>
-                <a:latin typeface="Arial" pitchFamily="-105" charset="0"/>
-                <a:ea typeface="ＭＳ Ｐゴシック" pitchFamily="-105" charset="-128"/>
-                <a:cs typeface="ＭＳ Ｐゴシック" pitchFamily="-105" charset="-128"/>
-              </a:rPr>
-              <a:t>Incr</a:t>
-            </a:r>
-            <a:r>
-              <a:rPr lang="en-US" sz="1200" baseline="0" dirty="0">
-                <a:solidFill>
-                  <a:schemeClr val="bg1"/>
-                </a:solidFill>
-                <a:effectLst>
-                  <a:outerShdw blurRad="38100" dist="38100" dir="2700000" algn="tl">
-                    <a:srgbClr val="000000">
-                      <a:alpha val="43137"/>
-                    </a:srgbClr>
-                  </a:outerShdw>
-                </a:effectLst>
-                <a:latin typeface="Arial" pitchFamily="-105" charset="0"/>
-                <a:ea typeface="ＭＳ Ｐゴシック" pitchFamily="-105" charset="-128"/>
-                <a:cs typeface="ＭＳ Ｐゴシック" pitchFamily="-105" charset="-128"/>
-              </a:rPr>
-              <a:t> Update</a:t>
-            </a:r>
-            <a:endParaRPr lang="en-US" sz="1050" baseline="0" dirty="0">
-              <a:solidFill>
-                <a:schemeClr val="bg1"/>
-              </a:solidFill>
-              <a:effectLst>
-                <a:outerShdw blurRad="38100" dist="38100" dir="2700000" algn="tl">
-                  <a:srgbClr val="000000">
-                    <a:alpha val="43137"/>
-                  </a:srgbClr>
-                </a:outerShdw>
-              </a:effectLst>
-              <a:latin typeface="Arial" pitchFamily="-105" charset="0"/>
-              <a:ea typeface="ＭＳ Ｐゴシック" pitchFamily="-105" charset="-128"/>
-              <a:cs typeface="ＭＳ Ｐゴシック" pitchFamily="-105" charset="-128"/>
-            </a:endParaRPr>
-          </a:p>
-        </p:txBody>
-      </p:sp>
-      <p:sp>
-        <p:nvSpPr>
-          <p:cNvPr id="13" name="Rectangle 12"/>
-          <p:cNvSpPr/>
-          <p:nvPr/>
-        </p:nvSpPr>
-        <p:spPr bwMode="auto">
-          <a:xfrm>
-            <a:off x="3813242" y="2236078"/>
-            <a:ext cx="1449729" cy="414695"/>
-          </a:xfrm>
-          <a:prstGeom prst="rect">
-            <a:avLst/>
-          </a:prstGeom>
-          <a:solidFill>
-            <a:schemeClr val="accent3">
-              <a:lumMod val="75000"/>
-            </a:schemeClr>
-          </a:solidFill>
-          <a:ln w="9525" cap="flat" cmpd="sng" algn="ctr">
-            <a:solidFill>
-              <a:schemeClr val="tx1"/>
-            </a:solidFill>
-            <a:prstDash val="solid"/>
-            <a:round/>
-            <a:headEnd type="none" w="med" len="med"/>
-            <a:tailEnd type="none" w="med" len="med"/>
-          </a:ln>
-          <a:effectLst/>
-        </p:spPr>
-        <p:txBody>
-          <a:bodyPr vert="horz" wrap="square" lIns="68580" tIns="34290" rIns="68580" bIns="34290" numCol="1" rtlCol="0" anchor="ctr" anchorCtr="0" compatLnSpc="1">
-            <a:prstTxWarp prst="textNoShape">
-              <a:avLst/>
-            </a:prstTxWarp>
-          </a:bodyPr>
-          <a:lstStyle/>
-          <a:p>
-            <a:pPr algn="ctr" defTabSz="685800" eaLnBrk="0" hangingPunct="0"/>
-            <a:r>
-              <a:rPr lang="en-US" sz="1200" baseline="0" dirty="0">
-                <a:solidFill>
-                  <a:schemeClr val="bg1"/>
-                </a:solidFill>
-                <a:effectLst>
-                  <a:outerShdw blurRad="38100" dist="38100" dir="2700000" algn="tl">
-                    <a:srgbClr val="000000">
-                      <a:alpha val="43137"/>
-                    </a:srgbClr>
-                  </a:outerShdw>
-                </a:effectLst>
-                <a:latin typeface="Arial" pitchFamily="-105" charset="0"/>
-                <a:ea typeface="ＭＳ Ｐゴシック" pitchFamily="-105" charset="-128"/>
-                <a:cs typeface="ＭＳ Ｐゴシック" pitchFamily="-105" charset="-128"/>
-              </a:rPr>
-              <a:t>Path Vector</a:t>
-            </a:r>
-          </a:p>
-        </p:txBody>
-      </p:sp>
-      <p:sp>
-        <p:nvSpPr>
-          <p:cNvPr id="14" name="Rectangle 13"/>
-          <p:cNvSpPr/>
-          <p:nvPr/>
-        </p:nvSpPr>
-        <p:spPr bwMode="auto">
-          <a:xfrm>
-            <a:off x="3813242" y="2998728"/>
-            <a:ext cx="1449729" cy="406604"/>
-          </a:xfrm>
-          <a:prstGeom prst="rect">
-            <a:avLst/>
-          </a:prstGeom>
-          <a:solidFill>
-            <a:schemeClr val="accent3">
-              <a:lumMod val="75000"/>
-            </a:schemeClr>
-          </a:solidFill>
-          <a:ln w="9525" cap="flat" cmpd="sng" algn="ctr">
-            <a:solidFill>
-              <a:schemeClr val="tx1"/>
-            </a:solidFill>
-            <a:prstDash val="solid"/>
-            <a:round/>
-            <a:headEnd type="none" w="med" len="med"/>
-            <a:tailEnd type="none" w="med" len="med"/>
-          </a:ln>
-          <a:effectLst/>
-        </p:spPr>
-        <p:txBody>
-          <a:bodyPr vert="horz" wrap="square" lIns="68580" tIns="34290" rIns="68580" bIns="34290" numCol="1" rtlCol="0" anchor="ctr" anchorCtr="0" compatLnSpc="1">
-            <a:prstTxWarp prst="textNoShape">
-              <a:avLst/>
-            </a:prstTxWarp>
-          </a:bodyPr>
-          <a:lstStyle/>
-          <a:p>
-            <a:pPr algn="ctr" defTabSz="685800" eaLnBrk="0" hangingPunct="0"/>
-            <a:r>
-              <a:rPr lang="en-US" sz="1200" baseline="0" dirty="0">
-                <a:solidFill>
-                  <a:schemeClr val="bg1"/>
-                </a:solidFill>
-                <a:effectLst>
-                  <a:outerShdw blurRad="38100" dist="38100" dir="2700000" algn="tl">
-                    <a:srgbClr val="000000">
-                      <a:alpha val="43137"/>
-                    </a:srgbClr>
-                  </a:outerShdw>
-                </a:effectLst>
-                <a:latin typeface="Arial" pitchFamily="-105" charset="0"/>
-                <a:ea typeface="ＭＳ Ｐゴシック" pitchFamily="-105" charset="-128"/>
-                <a:cs typeface="ＭＳ Ｐゴシック" pitchFamily="-105" charset="-128"/>
-              </a:rPr>
-              <a:t>Unified Properties</a:t>
-            </a:r>
-          </a:p>
-        </p:txBody>
-      </p:sp>
-      <p:sp>
-        <p:nvSpPr>
-          <p:cNvPr id="15" name="Rectangle 14"/>
-          <p:cNvSpPr/>
-          <p:nvPr/>
-        </p:nvSpPr>
-        <p:spPr bwMode="auto">
-          <a:xfrm>
-            <a:off x="3813242" y="3704422"/>
-            <a:ext cx="1449729" cy="457022"/>
-          </a:xfrm>
-          <a:prstGeom prst="rect">
-            <a:avLst/>
-          </a:prstGeom>
-          <a:solidFill>
-            <a:schemeClr val="accent3">
-              <a:lumMod val="75000"/>
-            </a:schemeClr>
-          </a:solidFill>
-          <a:ln w="9525" cap="flat" cmpd="sng" algn="ctr">
-            <a:solidFill>
-              <a:schemeClr val="tx1"/>
-            </a:solidFill>
-            <a:prstDash val="solid"/>
-            <a:round/>
-            <a:headEnd type="none" w="med" len="med"/>
-            <a:tailEnd type="none" w="med" len="med"/>
-          </a:ln>
-          <a:effectLst/>
-        </p:spPr>
-        <p:txBody>
-          <a:bodyPr vert="horz" wrap="square" lIns="68580" tIns="34290" rIns="68580" bIns="34290" numCol="1" rtlCol="0" anchor="ctr" anchorCtr="0" compatLnSpc="1">
-            <a:prstTxWarp prst="textNoShape">
-              <a:avLst/>
-            </a:prstTxWarp>
-          </a:bodyPr>
-          <a:lstStyle/>
-          <a:p>
-            <a:pPr algn="ctr" defTabSz="685800" eaLnBrk="0" hangingPunct="0"/>
-            <a:r>
-              <a:rPr lang="en-US" sz="1200" baseline="0">
-                <a:solidFill>
-                  <a:schemeClr val="bg1"/>
-                </a:solidFill>
-                <a:effectLst>
-                  <a:outerShdw blurRad="38100" dist="38100" dir="2700000" algn="tl">
-                    <a:srgbClr val="000000">
-                      <a:alpha val="43137"/>
-                    </a:srgbClr>
-                  </a:outerShdw>
-                </a:effectLst>
-                <a:latin typeface="Arial" pitchFamily="-105" charset="0"/>
-                <a:ea typeface="ＭＳ Ｐゴシック" pitchFamily="-105" charset="-128"/>
-                <a:cs typeface="ＭＳ Ｐゴシック" pitchFamily="-105" charset="-128"/>
-              </a:rPr>
-              <a:t>Cost Metrics</a:t>
-            </a:r>
-            <a:endParaRPr lang="en-US" sz="1050" baseline="0" dirty="0">
-              <a:solidFill>
-                <a:schemeClr val="bg1"/>
-              </a:solidFill>
-              <a:effectLst>
-                <a:outerShdw blurRad="38100" dist="38100" dir="2700000" algn="tl">
-                  <a:srgbClr val="000000">
-                    <a:alpha val="43137"/>
-                  </a:srgbClr>
-                </a:outerShdw>
-              </a:effectLst>
-              <a:latin typeface="Arial" pitchFamily="-105" charset="0"/>
-              <a:ea typeface="ＭＳ Ｐゴシック" pitchFamily="-105" charset="-128"/>
-              <a:cs typeface="ＭＳ Ｐゴシック" pitchFamily="-105" charset="-128"/>
-            </a:endParaRPr>
-          </a:p>
-        </p:txBody>
-      </p:sp>
-      <p:sp>
-        <p:nvSpPr>
-          <p:cNvPr id="18" name="Rectangle 17"/>
-          <p:cNvSpPr/>
-          <p:nvPr/>
-        </p:nvSpPr>
-        <p:spPr bwMode="auto">
-          <a:xfrm>
-            <a:off x="5868017" y="3724593"/>
-            <a:ext cx="2778491" cy="638637"/>
-          </a:xfrm>
-          <a:prstGeom prst="rect">
-            <a:avLst/>
-          </a:prstGeom>
-          <a:solidFill>
-            <a:schemeClr val="accent1">
-              <a:lumMod val="75000"/>
-            </a:schemeClr>
-          </a:solidFill>
-          <a:ln w="9525" cap="flat" cmpd="sng" algn="ctr">
-            <a:solidFill>
-              <a:schemeClr val="tx1"/>
-            </a:solidFill>
-            <a:prstDash val="solid"/>
-            <a:round/>
-            <a:headEnd type="none" w="med" len="med"/>
-            <a:tailEnd type="none" w="med" len="med"/>
-          </a:ln>
-          <a:effectLst/>
-        </p:spPr>
-        <p:txBody>
-          <a:bodyPr vert="horz" wrap="square" lIns="68580" tIns="34290" rIns="68580" bIns="34290" numCol="1" rtlCol="0" anchor="ctr" anchorCtr="0" compatLnSpc="1">
-            <a:prstTxWarp prst="textNoShape">
-              <a:avLst/>
-            </a:prstTxWarp>
-          </a:bodyPr>
-          <a:lstStyle/>
-          <a:p>
-            <a:pPr algn="ctr" defTabSz="685800" eaLnBrk="0" hangingPunct="0"/>
-            <a:r>
-              <a:rPr lang="en-US" sz="1200" baseline="0" dirty="0">
-                <a:solidFill>
-                  <a:schemeClr val="bg1"/>
-                </a:solidFill>
-                <a:effectLst>
-                  <a:outerShdw blurRad="38100" dist="38100" dir="2700000" algn="tl">
-                    <a:srgbClr val="000000">
-                      <a:alpha val="43137"/>
-                    </a:srgbClr>
-                  </a:outerShdw>
-                </a:effectLst>
-                <a:latin typeface="Arial" pitchFamily="-105" charset="0"/>
-                <a:ea typeface="ＭＳ Ｐゴシック" pitchFamily="-105" charset="-128"/>
-                <a:cs typeface="ＭＳ Ｐゴシック" pitchFamily="-105" charset="-128"/>
-              </a:rPr>
-              <a:t>Update ALTO drafts (FCS, cost context, BGP, multipart, )</a:t>
-            </a:r>
-          </a:p>
-        </p:txBody>
-      </p:sp>
-      <p:sp>
-        <p:nvSpPr>
-          <p:cNvPr id="19" name="Rectangle 18"/>
-          <p:cNvSpPr/>
-          <p:nvPr/>
-        </p:nvSpPr>
-        <p:spPr bwMode="auto">
-          <a:xfrm>
-            <a:off x="5803868" y="895251"/>
-            <a:ext cx="2791513" cy="590056"/>
-          </a:xfrm>
-          <a:prstGeom prst="rect">
-            <a:avLst/>
-          </a:prstGeom>
-          <a:solidFill>
-            <a:schemeClr val="accent1">
-              <a:lumMod val="75000"/>
-            </a:schemeClr>
-          </a:solidFill>
-          <a:ln w="9525" cap="flat" cmpd="sng" algn="ctr">
-            <a:solidFill>
-              <a:schemeClr val="tx1"/>
-            </a:solidFill>
-            <a:prstDash val="solid"/>
-            <a:round/>
-            <a:headEnd type="none" w="med" len="med"/>
-            <a:tailEnd type="none" w="med" len="med"/>
-          </a:ln>
-          <a:effectLst/>
-        </p:spPr>
-        <p:txBody>
-          <a:bodyPr vert="horz" wrap="square" lIns="68580" tIns="34290" rIns="68580" bIns="34290" numCol="1" rtlCol="0" anchor="ctr" anchorCtr="0" compatLnSpc="1">
-            <a:prstTxWarp prst="textNoShape">
-              <a:avLst/>
-            </a:prstTxWarp>
-          </a:bodyPr>
-          <a:lstStyle/>
-          <a:p>
-            <a:pPr algn="ctr" defTabSz="685800" eaLnBrk="0" hangingPunct="0"/>
-            <a:r>
-              <a:rPr lang="en-US" sz="1200" baseline="0" dirty="0">
-                <a:solidFill>
-                  <a:schemeClr val="bg1"/>
-                </a:solidFill>
-                <a:effectLst>
-                  <a:outerShdw blurRad="38100" dist="38100" dir="2700000" algn="tl">
-                    <a:srgbClr val="000000">
-                      <a:alpha val="43137"/>
-                    </a:srgbClr>
-                  </a:outerShdw>
-                </a:effectLst>
-                <a:latin typeface="Arial" pitchFamily="-105" charset="0"/>
-                <a:ea typeface="ＭＳ Ｐゴシック" pitchFamily="-105" charset="-128"/>
-                <a:cs typeface="ＭＳ Ｐゴシック" pitchFamily="-105" charset="-128"/>
-              </a:rPr>
-              <a:t>MEC drafts (service edge, FDN, unified resources)</a:t>
-            </a:r>
-          </a:p>
-        </p:txBody>
-      </p:sp>
-      <p:sp>
-        <p:nvSpPr>
-          <p:cNvPr id="20" name="Rectangle 19"/>
-          <p:cNvSpPr/>
-          <p:nvPr/>
-        </p:nvSpPr>
-        <p:spPr bwMode="auto">
-          <a:xfrm>
-            <a:off x="5816890" y="1786819"/>
-            <a:ext cx="2791512" cy="558522"/>
-          </a:xfrm>
-          <a:prstGeom prst="rect">
-            <a:avLst/>
-          </a:prstGeom>
-          <a:solidFill>
-            <a:schemeClr val="accent1">
-              <a:lumMod val="75000"/>
-            </a:schemeClr>
-          </a:solidFill>
-          <a:ln w="9525" cap="flat" cmpd="sng" algn="ctr">
-            <a:solidFill>
-              <a:schemeClr val="tx1"/>
-            </a:solidFill>
-            <a:prstDash val="solid"/>
-            <a:round/>
-            <a:headEnd type="none" w="med" len="med"/>
-            <a:tailEnd type="none" w="med" len="med"/>
-          </a:ln>
-          <a:effectLst/>
-        </p:spPr>
-        <p:txBody>
-          <a:bodyPr vert="horz" wrap="square" lIns="68580" tIns="34290" rIns="68580" bIns="34290" numCol="1" rtlCol="0" anchor="ctr" anchorCtr="0" compatLnSpc="1">
-            <a:prstTxWarp prst="textNoShape">
-              <a:avLst/>
-            </a:prstTxWarp>
-          </a:bodyPr>
-          <a:lstStyle/>
-          <a:p>
-            <a:pPr algn="ctr" defTabSz="685800" eaLnBrk="0" hangingPunct="0"/>
-            <a:r>
-              <a:rPr lang="en-US" sz="1200" baseline="0" dirty="0">
-                <a:solidFill>
-                  <a:schemeClr val="bg1"/>
-                </a:solidFill>
-                <a:effectLst>
-                  <a:outerShdw blurRad="38100" dist="38100" dir="2700000" algn="tl">
-                    <a:srgbClr val="000000">
-                      <a:alpha val="43137"/>
-                    </a:srgbClr>
-                  </a:outerShdw>
-                </a:effectLst>
-                <a:latin typeface="Arial" pitchFamily="-105" charset="0"/>
-                <a:ea typeface="ＭＳ Ｐゴシック" pitchFamily="-105" charset="-128"/>
-                <a:cs typeface="ＭＳ Ｐゴシック" pitchFamily="-105" charset="-128"/>
-              </a:rPr>
-              <a:t>Cellular/mobile networks drafts (MOWIE, cellular addresses, mobility network models)</a:t>
-            </a:r>
-          </a:p>
-        </p:txBody>
-      </p:sp>
-      <p:sp>
-        <p:nvSpPr>
-          <p:cNvPr id="24" name="Rectangle 23"/>
-          <p:cNvSpPr/>
-          <p:nvPr/>
-        </p:nvSpPr>
-        <p:spPr bwMode="auto">
-          <a:xfrm>
-            <a:off x="5816890" y="2662030"/>
-            <a:ext cx="2778491" cy="636611"/>
-          </a:xfrm>
-          <a:prstGeom prst="rect">
-            <a:avLst/>
-          </a:prstGeom>
-          <a:solidFill>
-            <a:schemeClr val="accent1">
-              <a:lumMod val="75000"/>
-            </a:schemeClr>
-          </a:solidFill>
-          <a:ln w="9525" cap="flat" cmpd="sng" algn="ctr">
-            <a:solidFill>
-              <a:schemeClr val="tx1"/>
-            </a:solidFill>
-            <a:prstDash val="solid"/>
-            <a:round/>
-            <a:headEnd type="none" w="med" len="med"/>
-            <a:tailEnd type="none" w="med" len="med"/>
-          </a:ln>
-          <a:effectLst/>
-        </p:spPr>
-        <p:txBody>
-          <a:bodyPr vert="horz" wrap="square" lIns="68580" tIns="34290" rIns="68580" bIns="34290" numCol="1" rtlCol="0" anchor="ctr" anchorCtr="0" compatLnSpc="1">
-            <a:prstTxWarp prst="textNoShape">
-              <a:avLst/>
-            </a:prstTxWarp>
-          </a:bodyPr>
-          <a:lstStyle/>
-          <a:p>
-            <a:pPr algn="ctr" defTabSz="685800" eaLnBrk="0" hangingPunct="0"/>
-            <a:r>
-              <a:rPr lang="en-US" sz="1200" baseline="0" dirty="0">
-                <a:solidFill>
-                  <a:schemeClr val="bg1"/>
-                </a:solidFill>
-                <a:effectLst>
-                  <a:outerShdw blurRad="38100" dist="38100" dir="2700000" algn="tl">
-                    <a:srgbClr val="000000">
-                      <a:alpha val="43137"/>
-                    </a:srgbClr>
-                  </a:outerShdw>
-                </a:effectLst>
-                <a:latin typeface="Arial" pitchFamily="-105" charset="0"/>
-                <a:ea typeface="ＭＳ Ｐゴシック" pitchFamily="-105" charset="-128"/>
-                <a:cs typeface="ＭＳ Ｐゴシック" pitchFamily="-105" charset="-128"/>
-              </a:rPr>
-              <a:t>Aggregation, proxy, multi-domain drafts</a:t>
-            </a:r>
-          </a:p>
-        </p:txBody>
-      </p:sp>
-      <p:sp>
-        <p:nvSpPr>
-          <p:cNvPr id="25" name="Rectangle 24">
-            <a:extLst>
-              <a:ext uri="{FF2B5EF4-FFF2-40B4-BE49-F238E27FC236}">
-                <a16:creationId xmlns:a16="http://schemas.microsoft.com/office/drawing/2014/main" id="{B71E8A26-3186-F14B-B0FB-88CFF1CA8205}"/>
-              </a:ext>
-            </a:extLst>
-          </p:cNvPr>
-          <p:cNvSpPr/>
-          <p:nvPr/>
-        </p:nvSpPr>
-        <p:spPr bwMode="auto">
-          <a:xfrm>
-            <a:off x="374586" y="836634"/>
-            <a:ext cx="1449729" cy="510786"/>
-          </a:xfrm>
-          <a:prstGeom prst="rect">
-            <a:avLst/>
-          </a:prstGeom>
-          <a:solidFill>
-            <a:srgbClr val="00B050"/>
-          </a:solidFill>
-          <a:ln w="31750" cap="flat" cmpd="sng" algn="ctr">
-            <a:solidFill>
-              <a:schemeClr val="tx1"/>
-            </a:solidFill>
-            <a:prstDash val="solid"/>
-            <a:round/>
-            <a:headEnd type="none" w="med" len="med"/>
-            <a:tailEnd type="none" w="med" len="med"/>
-          </a:ln>
-          <a:effectLst/>
-        </p:spPr>
-        <p:txBody>
-          <a:bodyPr vert="horz" wrap="square" lIns="68580" tIns="34290" rIns="68580" bIns="34290" numCol="1" rtlCol="0" anchor="ctr" anchorCtr="0" compatLnSpc="1">
-            <a:prstTxWarp prst="textNoShape">
-              <a:avLst/>
-            </a:prstTxWarp>
-          </a:bodyPr>
-          <a:lstStyle/>
-          <a:p>
-            <a:pPr algn="ctr" eaLnBrk="0" hangingPunct="0"/>
-            <a:r>
-              <a:rPr lang="en-US" sz="1200" baseline="0" dirty="0" err="1">
-                <a:solidFill>
-                  <a:schemeClr val="bg1"/>
-                </a:solidFill>
-                <a:effectLst>
-                  <a:outerShdw blurRad="38100" dist="38100" dir="2700000" algn="tl">
-                    <a:srgbClr val="000000">
-                      <a:alpha val="43137"/>
-                    </a:srgbClr>
-                  </a:outerShdw>
-                </a:effectLst>
-                <a:latin typeface="Arial" pitchFamily="-105" charset="0"/>
-                <a:ea typeface="ＭＳ Ｐゴシック" pitchFamily="-105" charset="-128"/>
-                <a:cs typeface="ＭＳ Ｐゴシック" pitchFamily="-105" charset="-128"/>
-              </a:rPr>
-              <a:t>Xdom</a:t>
-            </a:r>
-            <a:r>
-              <a:rPr lang="en-US" sz="1200" baseline="0" dirty="0">
-                <a:solidFill>
-                  <a:schemeClr val="bg1"/>
-                </a:solidFill>
-                <a:effectLst>
-                  <a:outerShdw blurRad="38100" dist="38100" dir="2700000" algn="tl">
-                    <a:srgbClr val="000000">
-                      <a:alpha val="43137"/>
-                    </a:srgbClr>
-                  </a:outerShdw>
-                </a:effectLst>
-                <a:latin typeface="Arial" pitchFamily="-105" charset="0"/>
-                <a:ea typeface="ＭＳ Ｐゴシック" pitchFamily="-105" charset="-128"/>
-                <a:cs typeface="ＭＳ Ｐゴシック" pitchFamily="-105" charset="-128"/>
-              </a:rPr>
-              <a:t> Service Discovery (RFC8686)</a:t>
-            </a:r>
-          </a:p>
-        </p:txBody>
-      </p:sp>
-      <p:sp>
-        <p:nvSpPr>
-          <p:cNvPr id="16" name="TextBox 15">
-            <a:extLst>
-              <a:ext uri="{FF2B5EF4-FFF2-40B4-BE49-F238E27FC236}">
-                <a16:creationId xmlns:a16="http://schemas.microsoft.com/office/drawing/2014/main" id="{53F4E9AC-C4F7-4F41-AEAC-283EEEF6992E}"/>
-              </a:ext>
-            </a:extLst>
-          </p:cNvPr>
-          <p:cNvSpPr txBox="1"/>
-          <p:nvPr/>
-        </p:nvSpPr>
-        <p:spPr>
-          <a:xfrm>
-            <a:off x="3256635" y="4460534"/>
-            <a:ext cx="5389873" cy="338554"/>
-          </a:xfrm>
-          <a:prstGeom prst="rect">
-            <a:avLst/>
-          </a:prstGeom>
-          <a:noFill/>
-        </p:spPr>
-        <p:txBody>
-          <a:bodyPr wrap="none" rtlCol="0">
-            <a:spAutoFit/>
-          </a:bodyPr>
-          <a:lstStyle/>
-          <a:p>
-            <a:pPr algn="r"/>
-            <a:r>
-              <a:rPr lang="en-US" sz="1200" dirty="0"/>
-              <a:t>List see google doc:</a:t>
-            </a:r>
-            <a:br>
-              <a:rPr lang="en-US" sz="1200" dirty="0"/>
-            </a:br>
-            <a:r>
-              <a:rPr lang="en-US" sz="1200" dirty="0"/>
-              <a:t>https://</a:t>
-            </a:r>
-            <a:r>
-              <a:rPr lang="en-US" sz="1200" dirty="0" err="1"/>
-              <a:t>docs.google.com</a:t>
-            </a:r>
-            <a:r>
-              <a:rPr lang="en-US" sz="1200" dirty="0"/>
-              <a:t>/document/d/1qP9jf-CMXvNiEE3YAnApTczAE4QkBW23Q1Eg99uOaEQ/</a:t>
-            </a:r>
-            <a:r>
-              <a:rPr lang="en-US" sz="1200" dirty="0" err="1"/>
-              <a:t>edit?usp</a:t>
-            </a:r>
-            <a:r>
-              <a:rPr lang="en-US" sz="1200" dirty="0"/>
-              <a:t>=sharing</a:t>
-            </a:r>
-          </a:p>
-        </p:txBody>
-      </p:sp>
-    </p:spTree>
-    <p:extLst>
-      <p:ext uri="{BB962C8B-B14F-4D97-AF65-F5344CB8AC3E}">
-        <p14:creationId xmlns:p14="http://schemas.microsoft.com/office/powerpoint/2010/main" val="750583680"/>
-      </p:ext>
-    </p:extLst>
-  </p:cSld>
-  <p:clrMapOvr>
-    <a:masterClrMapping/>
-  </p:clrMapOvr>
-</p:sld>
-</file>
-
-<file path=ppt/slides/slide18.xml><?xml version="1.0" encoding="utf-8"?>
+<file path=ppt/slides/slide25.xml><?xml version="1.0" encoding="utf-8"?>
 <p:sld xmlns:a="http://schemas.openxmlformats.org/drawingml/2006/main" xmlns:r="http://schemas.openxmlformats.org/officeDocument/2006/relationships" xmlns:p="http://schemas.openxmlformats.org/presentationml/2006/main">
   <p:cSld>
     <p:spTree>
@@ -10621,7 +10715,7 @@
 </p:sld>
 </file>
 
-<file path=ppt/slides/slide19.xml><?xml version="1.0" encoding="utf-8"?>
+<file path=ppt/slides/slide26.xml><?xml version="1.0" encoding="utf-8"?>
 <p:sld xmlns:a="http://schemas.openxmlformats.org/drawingml/2006/main" xmlns:r="http://schemas.openxmlformats.org/officeDocument/2006/relationships" xmlns:p="http://schemas.openxmlformats.org/presentationml/2006/main">
   <p:cSld>
     <p:spTree>
@@ -10754,141 +10848,7 @@
 </p:sld>
 </file>
 
-<file path=ppt/slides/slide2.xml><?xml version="1.0" encoding="utf-8"?>
-<p:sld xmlns:a="http://schemas.openxmlformats.org/drawingml/2006/main" xmlns:r="http://schemas.openxmlformats.org/officeDocument/2006/relationships" xmlns:p="http://schemas.openxmlformats.org/presentationml/2006/main">
-  <p:cSld>
-    <p:spTree>
-      <p:nvGrpSpPr>
-        <p:cNvPr id="1" name=""/>
-        <p:cNvGrpSpPr/>
-        <p:nvPr/>
-      </p:nvGrpSpPr>
-      <p:grpSpPr>
-        <a:xfrm>
-          <a:off x="0" y="0"/>
-          <a:ext cx="0" cy="0"/>
-          <a:chOff x="0" y="0"/>
-          <a:chExt cx="0" cy="0"/>
-        </a:xfrm>
-      </p:grpSpPr>
-      <p:sp>
-        <p:nvSpPr>
-          <p:cNvPr id="2" name="Title 1"/>
-          <p:cNvSpPr>
-            <a:spLocks noGrp="1"/>
-          </p:cNvSpPr>
-          <p:nvPr>
-            <p:ph type="title"/>
-          </p:nvPr>
-        </p:nvSpPr>
-        <p:spPr/>
-        <p:txBody>
-          <a:bodyPr>
-            <a:noAutofit/>
-          </a:bodyPr>
-          <a:lstStyle/>
-          <a:p>
-            <a:r>
-              <a:rPr lang="en-US" altLang="ja-JP" sz="2400" dirty="0">
-                <a:ea typeface="ＭＳ Ｐゴシック" charset="0"/>
-                <a:cs typeface="ＭＳ Ｐゴシック" charset="0"/>
-              </a:rPr>
-              <a:t>IETF ALTO High-Level Goals and Basic Information</a:t>
-            </a:r>
-            <a:endParaRPr lang="en-US" sz="900" dirty="0"/>
-          </a:p>
-        </p:txBody>
-      </p:sp>
-      <p:sp>
-        <p:nvSpPr>
-          <p:cNvPr id="3" name="Content Placeholder 2"/>
-          <p:cNvSpPr>
-            <a:spLocks noGrp="1"/>
-          </p:cNvSpPr>
-          <p:nvPr>
-            <p:ph idx="1"/>
-          </p:nvPr>
-        </p:nvSpPr>
-        <p:spPr>
-          <a:xfrm>
-            <a:off x="370201" y="738130"/>
-            <a:ext cx="8449139" cy="3851360"/>
-          </a:xfrm>
-        </p:spPr>
-        <p:txBody>
-          <a:bodyPr>
-            <a:noAutofit/>
-          </a:bodyPr>
-          <a:lstStyle/>
-          <a:p>
-            <a:r>
-              <a:rPr lang="en-US" altLang="ja-JP" dirty="0">
-                <a:ea typeface="ＭＳ Ｐゴシック" charset="0"/>
-                <a:cs typeface="ＭＳ Ｐゴシック" charset="0"/>
-              </a:rPr>
-              <a:t>ALTO high-level goal: provide abstractions of network state to applications to optimize both network and application performance</a:t>
-            </a:r>
-          </a:p>
-          <a:p>
-            <a:r>
-              <a:rPr lang="en-US" altLang="ja-JP" dirty="0">
-                <a:ea typeface="ＭＳ Ｐゴシック" charset="0"/>
-                <a:cs typeface="ＭＳ Ｐゴシック" charset="0"/>
-              </a:rPr>
-              <a:t>ALTO working group in the transport area of Internet Engineering Task Force (IETF)</a:t>
-            </a:r>
-          </a:p>
-          <a:p>
-            <a:endParaRPr lang="en-US" altLang="ja-JP" dirty="0">
-              <a:ea typeface="ＭＳ Ｐゴシック" charset="0"/>
-              <a:cs typeface="ＭＳ Ｐゴシック" charset="0"/>
-            </a:endParaRPr>
-          </a:p>
-        </p:txBody>
-      </p:sp>
-      <p:sp>
-        <p:nvSpPr>
-          <p:cNvPr id="5" name="Slide Number Placeholder 4"/>
-          <p:cNvSpPr>
-            <a:spLocks noGrp="1"/>
-          </p:cNvSpPr>
-          <p:nvPr>
-            <p:ph type="sldNum" sz="quarter" idx="10"/>
-          </p:nvPr>
-        </p:nvSpPr>
-        <p:spPr/>
-        <p:txBody>
-          <a:bodyPr/>
-          <a:lstStyle/>
-          <a:p>
-            <a:pPr>
-              <a:defRPr/>
-            </a:pPr>
-            <a:r>
-              <a:rPr lang="en-US" dirty="0">
-                <a:solidFill>
-                  <a:schemeClr val="bg2"/>
-                </a:solidFill>
-              </a:rPr>
-              <a:t> </a:t>
-            </a:r>
-          </a:p>
-        </p:txBody>
-      </p:sp>
-    </p:spTree>
-    <p:extLst>
-      <p:ext uri="{BB962C8B-B14F-4D97-AF65-F5344CB8AC3E}">
-        <p14:creationId xmlns:p14="http://schemas.microsoft.com/office/powerpoint/2010/main" val="927947709"/>
-      </p:ext>
-    </p:extLst>
-  </p:cSld>
-  <p:clrMapOvr>
-    <a:masterClrMapping/>
-  </p:clrMapOvr>
-</p:sld>
-</file>
-
-<file path=ppt/slides/slide20.xml><?xml version="1.0" encoding="utf-8"?>
+<file path=ppt/slides/slide27.xml><?xml version="1.0" encoding="utf-8"?>
 <p:sld xmlns:a="http://schemas.openxmlformats.org/drawingml/2006/main" xmlns:r="http://schemas.openxmlformats.org/officeDocument/2006/relationships" xmlns:p="http://schemas.openxmlformats.org/presentationml/2006/main">
   <p:cSld>
     <p:spTree>
@@ -10993,7 +10953,7 @@
 </p:sld>
 </file>
 
-<file path=ppt/slides/slide21.xml><?xml version="1.0" encoding="utf-8"?>
+<file path=ppt/slides/slide28.xml><?xml version="1.0" encoding="utf-8"?>
 <p:sld xmlns:a="http://schemas.openxmlformats.org/drawingml/2006/main" xmlns:r="http://schemas.openxmlformats.org/officeDocument/2006/relationships" xmlns:p="http://schemas.openxmlformats.org/presentationml/2006/main">
   <p:cSld>
     <p:spTree>
@@ -11520,7 +11480,7 @@
             <a:fld id="{0E42A58B-E6AC-5C4D-8014-CAF2E63C5E30}" type="slidenum">
               <a:rPr lang="en-US" altLang="x-none" smtClean="0"/>
               <a:pPr/>
-              <a:t>21</a:t>
+              <a:t>28</a:t>
             </a:fld>
             <a:endParaRPr lang="en-US" altLang="x-none" dirty="0"/>
           </a:p>
@@ -11732,7 +11692,7 @@
 </p:sld>
 </file>
 
-<file path=ppt/slides/slide22.xml><?xml version="1.0" encoding="utf-8"?>
+<file path=ppt/slides/slide29.xml><?xml version="1.0" encoding="utf-8"?>
 <p:sld xmlns:a="http://schemas.openxmlformats.org/drawingml/2006/main" xmlns:r="http://schemas.openxmlformats.org/officeDocument/2006/relationships" xmlns:p="http://schemas.openxmlformats.org/presentationml/2006/main">
   <p:cSld>
     <p:spTree>
@@ -11921,7 +11881,7 @@
           <a:graphicData uri="http://schemas.openxmlformats.org/presentationml/2006/ole">
             <mc:AlternateContent xmlns:mc="http://schemas.openxmlformats.org/markup-compatibility/2006">
               <mc:Choice xmlns:v="urn:schemas-microsoft-com:vml" Requires="v">
-                <p:oleObj spid="_x0000_s1037" name="Equation" r:id="rId5" imgW="23990300" imgH="32181800" progId="Equation.3">
+                <p:oleObj spid="_x0000_s1081" name="Equation" r:id="rId5" imgW="23990300" imgH="32181800" progId="Equation.3">
                   <p:embed/>
                 </p:oleObj>
               </mc:Choice>
@@ -12009,17 +11969,17 @@
           </a:ln>
           <a:extLst>
             <a:ext uri="{FAA26D3D-D897-4be2-8F04-BA451C77F1D7}">
-              <ma14:placeholderFlag xmlns="" xmlns:ma14="http://schemas.microsoft.com/office/mac/drawingml/2011/main" val="1"/>
+              <ma14:placeholderFlag xmlns:ma14="http://schemas.microsoft.com/office/mac/drawingml/2011/main" xmlns="" val="1"/>
             </a:ext>
             <a:ext uri="{909E8E84-426E-40dd-AFC4-6F175D3DCCD1}">
-              <a14:hiddenFill xmlns:a14="http://schemas.microsoft.com/office/drawing/2010/main" xmlns="">
+              <a14:hiddenFill xmlns="" xmlns:a14="http://schemas.microsoft.com/office/drawing/2010/main">
                 <a:solidFill>
                   <a:srgbClr val="FFFFFF"/>
                 </a:solidFill>
               </a14:hiddenFill>
             </a:ext>
             <a:ext uri="{91240B29-F687-4f45-9708-019B960494DF}">
-              <a14:hiddenLine xmlns:a14="http://schemas.microsoft.com/office/drawing/2010/main" xmlns="" w="9525">
+              <a14:hiddenLine xmlns="" xmlns:a14="http://schemas.microsoft.com/office/drawing/2010/main" w="9525">
                 <a:solidFill>
                   <a:srgbClr val="000000"/>
                 </a:solidFill>
@@ -12313,7 +12273,7 @@
           <a:graphicData uri="http://schemas.openxmlformats.org/presentationml/2006/ole">
             <mc:AlternateContent xmlns:mc="http://schemas.openxmlformats.org/markup-compatibility/2006">
               <mc:Choice xmlns:v="urn:schemas-microsoft-com:vml" Requires="v">
-                <p:oleObj spid="_x0000_s1038" name="Equation" r:id="rId7" imgW="46520100" imgH="8191500" progId="Equation.3">
+                <p:oleObj spid="_x0000_s1082" name="Equation" r:id="rId7" imgW="46520100" imgH="8191500" progId="Equation.3">
                   <p:embed/>
                 </p:oleObj>
               </mc:Choice>
@@ -12870,7 +12830,7 @@
             <a:fld id="{0E42A58B-E6AC-5C4D-8014-CAF2E63C5E30}" type="slidenum">
               <a:rPr lang="en-US" altLang="x-none" smtClean="0"/>
               <a:pPr/>
-              <a:t>22</a:t>
+              <a:t>29</a:t>
             </a:fld>
             <a:endParaRPr lang="en-US" altLang="x-none" dirty="0"/>
           </a:p>
@@ -13139,7 +13099,195 @@
 </p:sld>
 </file>
 
-<file path=ppt/slides/slide23.xml><?xml version="1.0" encoding="utf-8"?>
+<file path=ppt/slides/slide3.xml><?xml version="1.0" encoding="utf-8"?>
+<p:sld xmlns:a="http://schemas.openxmlformats.org/drawingml/2006/main" xmlns:r="http://schemas.openxmlformats.org/officeDocument/2006/relationships" xmlns:p="http://schemas.openxmlformats.org/presentationml/2006/main">
+  <p:cSld>
+    <p:spTree>
+      <p:nvGrpSpPr>
+        <p:cNvPr id="1" name=""/>
+        <p:cNvGrpSpPr/>
+        <p:nvPr/>
+      </p:nvGrpSpPr>
+      <p:grpSpPr>
+        <a:xfrm>
+          <a:off x="0" y="0"/>
+          <a:ext cx="0" cy="0"/>
+          <a:chOff x="0" y="0"/>
+          <a:chExt cx="0" cy="0"/>
+        </a:xfrm>
+      </p:grpSpPr>
+      <p:sp>
+        <p:nvSpPr>
+          <p:cNvPr id="2" name="Title 1"/>
+          <p:cNvSpPr>
+            <a:spLocks noGrp="1"/>
+          </p:cNvSpPr>
+          <p:nvPr>
+            <p:ph type="title"/>
+          </p:nvPr>
+        </p:nvSpPr>
+        <p:spPr/>
+        <p:txBody>
+          <a:bodyPr>
+            <a:noAutofit/>
+          </a:bodyPr>
+          <a:lstStyle/>
+          <a:p>
+            <a:r>
+              <a:rPr lang="en-US" altLang="ja-JP" sz="2400" dirty="0">
+                <a:ea typeface="ＭＳ Ｐゴシック" charset="0"/>
+                <a:cs typeface="ＭＳ Ｐゴシック" charset="0"/>
+              </a:rPr>
+              <a:t>IETF ALTO High-Level Goals and Basic Information</a:t>
+            </a:r>
+            <a:endParaRPr lang="en-US" sz="900" dirty="0"/>
+          </a:p>
+        </p:txBody>
+      </p:sp>
+      <p:sp>
+        <p:nvSpPr>
+          <p:cNvPr id="3" name="Content Placeholder 2"/>
+          <p:cNvSpPr>
+            <a:spLocks noGrp="1"/>
+          </p:cNvSpPr>
+          <p:nvPr>
+            <p:ph idx="1"/>
+          </p:nvPr>
+        </p:nvSpPr>
+        <p:spPr>
+          <a:xfrm>
+            <a:off x="370201" y="738130"/>
+            <a:ext cx="8449139" cy="3851360"/>
+          </a:xfrm>
+        </p:spPr>
+        <p:txBody>
+          <a:bodyPr>
+            <a:noAutofit/>
+          </a:bodyPr>
+          <a:lstStyle/>
+          <a:p>
+            <a:r>
+              <a:rPr lang="en-US" altLang="ja-JP" dirty="0">
+                <a:ea typeface="ＭＳ Ｐゴシック" charset="0"/>
+                <a:cs typeface="ＭＳ Ｐゴシック" charset="0"/>
+              </a:rPr>
+              <a:t>ALTO is an effort of the ALTO working group in the Transport Area of Internet Engineering Task Force (IETF)</a:t>
+            </a:r>
+          </a:p>
+          <a:p>
+            <a:endParaRPr lang="en-US" altLang="ja-JP" dirty="0">
+              <a:ea typeface="ＭＳ Ｐゴシック" charset="0"/>
+              <a:cs typeface="ＭＳ Ｐゴシック" charset="0"/>
+            </a:endParaRPr>
+          </a:p>
+          <a:p>
+            <a:r>
+              <a:rPr lang="en-US" altLang="ja-JP" dirty="0">
+                <a:ea typeface="ＭＳ Ｐゴシック" charset="0"/>
+                <a:cs typeface="ＭＳ Ｐゴシック" charset="0"/>
+              </a:rPr>
+              <a:t>ALTO high-level goal: provide a standard for applications and networks to work together to optimize both network and application performance</a:t>
+            </a:r>
+          </a:p>
+          <a:p>
+            <a:pPr lvl="1"/>
+            <a:r>
+              <a:rPr lang="en-US" altLang="ja-JP" dirty="0">
+                <a:ea typeface="ＭＳ Ｐゴシック" charset="0"/>
+                <a:cs typeface="ＭＳ Ｐゴシック" charset="0"/>
+              </a:rPr>
+              <a:t>Initial data distribution, replication for peer-to-peer applications (e.g., </a:t>
+            </a:r>
+            <a:r>
+              <a:rPr lang="en-US" altLang="ja-JP" dirty="0" err="1">
+                <a:ea typeface="ＭＳ Ｐゴシック" charset="0"/>
+                <a:cs typeface="ＭＳ Ｐゴシック" charset="0"/>
+              </a:rPr>
+              <a:t>BitTorrent</a:t>
+            </a:r>
+            <a:r>
+              <a:rPr lang="en-US" altLang="ja-JP" dirty="0">
+                <a:ea typeface="ＭＳ Ｐゴシック" charset="0"/>
+                <a:cs typeface="ＭＳ Ｐゴシック" charset="0"/>
+              </a:rPr>
+              <a:t>)</a:t>
+            </a:r>
+          </a:p>
+          <a:p>
+            <a:pPr lvl="1"/>
+            <a:r>
+              <a:rPr lang="en-US" altLang="ja-JP" dirty="0">
+                <a:ea typeface="ＭＳ Ｐゴシック" charset="0"/>
+                <a:cs typeface="ＭＳ Ｐゴシック" charset="0"/>
+              </a:rPr>
+              <a:t>Evolve to include </a:t>
+            </a:r>
+            <a:r>
+              <a:rPr lang="en-US" altLang="ja-JP" dirty="0" err="1">
+                <a:ea typeface="ＭＳ Ｐゴシック" charset="0"/>
+                <a:cs typeface="ＭＳ Ｐゴシック" charset="0"/>
+              </a:rPr>
+              <a:t>CDNi</a:t>
+            </a:r>
+            <a:r>
+              <a:rPr lang="en-US" altLang="ja-JP" dirty="0">
+                <a:ea typeface="ＭＳ Ｐゴシック" charset="0"/>
+                <a:cs typeface="ＭＳ Ｐゴシック" charset="0"/>
+              </a:rPr>
+              <a:t>, …</a:t>
+            </a:r>
+          </a:p>
+          <a:p>
+            <a:endParaRPr lang="en-US" altLang="ja-JP" dirty="0">
+              <a:ea typeface="ＭＳ Ｐゴシック" charset="0"/>
+              <a:cs typeface="ＭＳ Ｐゴシック" charset="0"/>
+            </a:endParaRPr>
+          </a:p>
+        </p:txBody>
+      </p:sp>
+      <p:sp>
+        <p:nvSpPr>
+          <p:cNvPr id="5" name="Slide Number Placeholder 4"/>
+          <p:cNvSpPr>
+            <a:spLocks noGrp="1"/>
+          </p:cNvSpPr>
+          <p:nvPr>
+            <p:ph type="sldNum" sz="quarter" idx="10"/>
+          </p:nvPr>
+        </p:nvSpPr>
+        <p:spPr/>
+        <p:txBody>
+          <a:bodyPr/>
+          <a:lstStyle/>
+          <a:p>
+            <a:pPr>
+              <a:defRPr/>
+            </a:pPr>
+            <a:r>
+              <a:rPr lang="en-US" dirty="0">
+                <a:solidFill>
+                  <a:schemeClr val="bg2"/>
+                </a:solidFill>
+              </a:rPr>
+              <a:t> </a:t>
+            </a:r>
+          </a:p>
+        </p:txBody>
+      </p:sp>
+    </p:spTree>
+    <p:extLst>
+      <p:ext uri="{BB962C8B-B14F-4D97-AF65-F5344CB8AC3E}">
+        <p14:creationId xmlns:p14="http://schemas.microsoft.com/office/powerpoint/2010/main" val="927947709"/>
+      </p:ext>
+    </p:extLst>
+  </p:cSld>
+  <p:clrMapOvr>
+    <a:masterClrMapping/>
+  </p:clrMapOvr>
+</p:sld>
+</file>
+
+<file path=ppt/slides/slide30.xml><?xml version="1.0" encoding="utf-8"?>
 <p:sld xmlns:a="http://schemas.openxmlformats.org/drawingml/2006/main" xmlns:r="http://schemas.openxmlformats.org/officeDocument/2006/relationships" xmlns:p="http://schemas.openxmlformats.org/presentationml/2006/main">
   <p:cSld>
     <p:spTree>
@@ -13236,7 +13384,7 @@
           <a:graphicData uri="http://schemas.openxmlformats.org/presentationml/2006/ole">
             <mc:AlternateContent xmlns:mc="http://schemas.openxmlformats.org/markup-compatibility/2006">
               <mc:Choice xmlns:v="urn:schemas-microsoft-com:vml" Requires="v">
-                <p:oleObj spid="_x0000_s2061" name="Equation" r:id="rId4" imgW="46520100" imgH="8191500" progId="Equation.3">
+                <p:oleObj spid="_x0000_s2105" name="Equation" r:id="rId4" imgW="46520100" imgH="8191500" progId="Equation.3">
                   <p:embed/>
                 </p:oleObj>
               </mc:Choice>
@@ -13321,7 +13469,7 @@
           <a:graphicData uri="http://schemas.openxmlformats.org/presentationml/2006/ole">
             <mc:AlternateContent xmlns:mc="http://schemas.openxmlformats.org/markup-compatibility/2006">
               <mc:Choice xmlns:v="urn:schemas-microsoft-com:vml" Requires="v">
-                <p:oleObj spid="_x0000_s2062" name="Equation" r:id="rId6" imgW="24282400" imgH="32181800" progId="Equation.3">
+                <p:oleObj spid="_x0000_s2106" name="Equation" r:id="rId6" imgW="24282400" imgH="32181800" progId="Equation.3">
                   <p:embed/>
                 </p:oleObj>
               </mc:Choice>
@@ -16009,7 +16157,7 @@
             <a:fld id="{0E42A58B-E6AC-5C4D-8014-CAF2E63C5E30}" type="slidenum">
               <a:rPr lang="en-US" altLang="x-none" smtClean="0"/>
               <a:pPr/>
-              <a:t>23</a:t>
+              <a:t>30</a:t>
             </a:fld>
             <a:endParaRPr lang="en-US" altLang="x-none" dirty="0"/>
           </a:p>
@@ -16028,7 +16176,7 @@
 </p:sld>
 </file>
 
-<file path=ppt/slides/slide24.xml><?xml version="1.0" encoding="utf-8"?>
+<file path=ppt/slides/slide31.xml><?xml version="1.0" encoding="utf-8"?>
 <p:sld xmlns:a="http://schemas.openxmlformats.org/drawingml/2006/main" xmlns:r="http://schemas.openxmlformats.org/officeDocument/2006/relationships" xmlns:p="http://schemas.openxmlformats.org/presentationml/2006/main">
   <p:cSld>
     <p:spTree>
@@ -16125,7 +16273,7 @@
           <a:graphicData uri="http://schemas.openxmlformats.org/presentationml/2006/ole">
             <mc:AlternateContent xmlns:mc="http://schemas.openxmlformats.org/markup-compatibility/2006">
               <mc:Choice xmlns:v="urn:schemas-microsoft-com:vml" Requires="v">
-                <p:oleObj spid="_x0000_s3079" name="Equation" r:id="rId4" imgW="46520100" imgH="8191500" progId="Equation.3">
+                <p:oleObj spid="_x0000_s3101" name="Equation" r:id="rId4" imgW="46520100" imgH="8191500" progId="Equation.3">
                   <p:embed/>
                 </p:oleObj>
               </mc:Choice>
@@ -18813,7 +18961,7 @@
             <a:fld id="{0E42A58B-E6AC-5C4D-8014-CAF2E63C5E30}" type="slidenum">
               <a:rPr lang="en-US" altLang="x-none" smtClean="0"/>
               <a:pPr/>
-              <a:t>24</a:t>
+              <a:t>31</a:t>
             </a:fld>
             <a:endParaRPr lang="en-US" altLang="x-none" dirty="0"/>
           </a:p>
@@ -18832,7 +18980,7 @@
 </p:sld>
 </file>
 
-<file path=ppt/slides/slide25.xml><?xml version="1.0" encoding="utf-8"?>
+<file path=ppt/slides/slide32.xml><?xml version="1.0" encoding="utf-8"?>
 <p:sld xmlns:a="http://schemas.openxmlformats.org/drawingml/2006/main" xmlns:r="http://schemas.openxmlformats.org/officeDocument/2006/relationships" xmlns:p="http://schemas.openxmlformats.org/presentationml/2006/main">
   <p:cSld>
     <p:spTree>
@@ -18899,7 +19047,7 @@
           <a:graphicData uri="http://schemas.openxmlformats.org/presentationml/2006/ole">
             <mc:AlternateContent xmlns:mc="http://schemas.openxmlformats.org/markup-compatibility/2006">
               <mc:Choice xmlns:v="urn:schemas-microsoft-com:vml" Requires="v">
-                <p:oleObj spid="_x0000_s4109" name="Equation" r:id="rId4" imgW="49733200" imgH="8191500" progId="Equation.3">
+                <p:oleObj spid="_x0000_s4153" name="Equation" r:id="rId4" imgW="49733200" imgH="8191500" progId="Equation.3">
                   <p:embed/>
                 </p:oleObj>
               </mc:Choice>
@@ -18989,7 +19137,7 @@
           <a:graphicData uri="http://schemas.openxmlformats.org/presentationml/2006/ole">
             <mc:AlternateContent xmlns:mc="http://schemas.openxmlformats.org/markup-compatibility/2006">
               <mc:Choice xmlns:v="urn:schemas-microsoft-com:vml" Requires="v">
-                <p:oleObj spid="_x0000_s4110" name="Equation" r:id="rId6" imgW="53251100" imgH="17843500" progId="Equation.3">
+                <p:oleObj spid="_x0000_s4154" name="Equation" r:id="rId6" imgW="53251100" imgH="17843500" progId="Equation.3">
                   <p:embed/>
                 </p:oleObj>
               </mc:Choice>
@@ -20465,7 +20613,7 @@
             <a:fld id="{0E42A58B-E6AC-5C4D-8014-CAF2E63C5E30}" type="slidenum">
               <a:rPr lang="en-US" altLang="x-none" smtClean="0"/>
               <a:pPr/>
-              <a:t>25</a:t>
+              <a:t>32</a:t>
             </a:fld>
             <a:endParaRPr lang="en-US" altLang="x-none" dirty="0"/>
           </a:p>
@@ -20945,7 +21093,7 @@
 </p:sld>
 </file>
 
-<file path=ppt/slides/slide26.xml><?xml version="1.0" encoding="utf-8"?>
+<file path=ppt/slides/slide33.xml><?xml version="1.0" encoding="utf-8"?>
 <p:sld xmlns:a="http://schemas.openxmlformats.org/drawingml/2006/main" xmlns:r="http://schemas.openxmlformats.org/officeDocument/2006/relationships" xmlns:p="http://schemas.openxmlformats.org/presentationml/2006/main">
   <p:cSld>
     <p:spTree>
@@ -21038,7 +21186,7 @@
           <a:graphicData uri="http://schemas.openxmlformats.org/presentationml/2006/ole">
             <mc:AlternateContent xmlns:mc="http://schemas.openxmlformats.org/markup-compatibility/2006">
               <mc:Choice xmlns:v="urn:schemas-microsoft-com:vml" Requires="v">
-                <p:oleObj spid="_x0000_s5133" name="Equation" r:id="rId4" imgW="1282700" imgH="673100" progId="Equation.3">
+                <p:oleObj spid="_x0000_s5177" name="Equation" r:id="rId4" imgW="1282700" imgH="673100" progId="Equation.3">
                   <p:embed/>
                 </p:oleObj>
               </mc:Choice>
@@ -21791,7 +21939,7 @@
           <a:graphicData uri="http://schemas.openxmlformats.org/presentationml/2006/ole">
             <mc:AlternateContent xmlns:mc="http://schemas.openxmlformats.org/markup-compatibility/2006">
               <mc:Choice xmlns:v="urn:schemas-microsoft-com:vml" Requires="v">
-                <p:oleObj spid="_x0000_s5134" name="Equation" r:id="rId6" imgW="1638300" imgH="279400" progId="Equation.3">
+                <p:oleObj spid="_x0000_s5178" name="Equation" r:id="rId6" imgW="1638300" imgH="279400" progId="Equation.3">
                   <p:embed/>
                 </p:oleObj>
               </mc:Choice>
@@ -24521,7 +24669,7 @@
             <a:fld id="{0E42A58B-E6AC-5C4D-8014-CAF2E63C5E30}" type="slidenum">
               <a:rPr lang="en-US" altLang="x-none" smtClean="0"/>
               <a:pPr/>
-              <a:t>26</a:t>
+              <a:t>33</a:t>
             </a:fld>
             <a:endParaRPr lang="en-US" altLang="x-none" dirty="0"/>
           </a:p>
@@ -25016,7 +25164,7 @@
 </p:sld>
 </file>
 
-<file path=ppt/slides/slide27.xml><?xml version="1.0" encoding="utf-8"?>
+<file path=ppt/slides/slide34.xml><?xml version="1.0" encoding="utf-8"?>
 <p:sld xmlns:a="http://schemas.openxmlformats.org/drawingml/2006/main" xmlns:r="http://schemas.openxmlformats.org/officeDocument/2006/relationships" xmlns:p="http://schemas.openxmlformats.org/presentationml/2006/main">
   <p:cSld>
     <p:spTree>
@@ -25114,7 +25262,7 @@
           <a:graphicData uri="http://schemas.openxmlformats.org/presentationml/2006/ole">
             <mc:AlternateContent xmlns:mc="http://schemas.openxmlformats.org/markup-compatibility/2006">
               <mc:Choice xmlns:v="urn:schemas-microsoft-com:vml" Requires="v">
-                <p:oleObj spid="_x0000_s6157" name="Equation" r:id="rId4" imgW="1282700" imgH="673100" progId="Equation.3">
+                <p:oleObj spid="_x0000_s6201" name="Equation" r:id="rId4" imgW="1282700" imgH="673100" progId="Equation.3">
                   <p:embed/>
                 </p:oleObj>
               </mc:Choice>
@@ -25436,7 +25584,7 @@
           <a:graphicData uri="http://schemas.openxmlformats.org/presentationml/2006/ole">
             <mc:AlternateContent xmlns:mc="http://schemas.openxmlformats.org/markup-compatibility/2006">
               <mc:Choice xmlns:v="urn:schemas-microsoft-com:vml" Requires="v">
-                <p:oleObj spid="_x0000_s6158" name="Equation" r:id="rId6" imgW="1638300" imgH="279400" progId="Equation.3">
+                <p:oleObj spid="_x0000_s6202" name="Equation" r:id="rId6" imgW="1638300" imgH="279400" progId="Equation.3">
                   <p:embed/>
                 </p:oleObj>
               </mc:Choice>
@@ -28333,7 +28481,7 @@
             <a:fld id="{0E42A58B-E6AC-5C4D-8014-CAF2E63C5E30}" type="slidenum">
               <a:rPr lang="en-US" altLang="x-none" smtClean="0"/>
               <a:pPr/>
-              <a:t>27</a:t>
+              <a:t>34</a:t>
             </a:fld>
             <a:endParaRPr lang="en-US" altLang="x-none" dirty="0"/>
           </a:p>
@@ -28657,7 +28805,7 @@
 </p:sld>
 </file>
 
-<file path=ppt/slides/slide28.xml><?xml version="1.0" encoding="utf-8"?>
+<file path=ppt/slides/slide35.xml><?xml version="1.0" encoding="utf-8"?>
 <p:sld xmlns:a="http://schemas.openxmlformats.org/drawingml/2006/main" xmlns:r="http://schemas.openxmlformats.org/officeDocument/2006/relationships" xmlns:p="http://schemas.openxmlformats.org/presentationml/2006/main">
   <p:cSld>
     <p:spTree>
@@ -29761,7 +29909,7 @@
             <a:fld id="{0E42A58B-E6AC-5C4D-8014-CAF2E63C5E30}" type="slidenum">
               <a:rPr lang="en-US" altLang="x-none" smtClean="0"/>
               <a:pPr/>
-              <a:t>28</a:t>
+              <a:t>35</a:t>
             </a:fld>
             <a:endParaRPr lang="en-US" altLang="x-none" dirty="0"/>
           </a:p>
@@ -29780,7 +29928,7 @@
 </p:sld>
 </file>
 
-<file path=ppt/slides/slide29.xml><?xml version="1.0" encoding="utf-8"?>
+<file path=ppt/slides/slide36.xml><?xml version="1.0" encoding="utf-8"?>
 <p:sld xmlns:a="http://schemas.openxmlformats.org/drawingml/2006/main" xmlns:r="http://schemas.openxmlformats.org/officeDocument/2006/relationships" xmlns:p="http://schemas.openxmlformats.org/presentationml/2006/main">
   <p:cSld>
     <p:spTree>
@@ -29861,7 +30009,7 @@
           <a:graphicData uri="http://schemas.openxmlformats.org/presentationml/2006/ole">
             <mc:AlternateContent xmlns:mc="http://schemas.openxmlformats.org/markup-compatibility/2006">
               <mc:Choice xmlns:v="urn:schemas-microsoft-com:vml" Requires="v">
-                <p:oleObj spid="_x0000_s7199" name="Equation" r:id="rId4" imgW="49733200" imgH="8191500" progId="Equation.3">
+                <p:oleObj spid="_x0000_s7309" name="Equation" r:id="rId4" imgW="49733200" imgH="8191500" progId="Equation.3">
                   <p:embed/>
                 </p:oleObj>
               </mc:Choice>
@@ -29953,7 +30101,7 @@
           <a:graphicData uri="http://schemas.openxmlformats.org/presentationml/2006/ole">
             <mc:AlternateContent xmlns:mc="http://schemas.openxmlformats.org/markup-compatibility/2006">
               <mc:Choice xmlns:v="urn:schemas-microsoft-com:vml" Requires="v">
-                <p:oleObj spid="_x0000_s7200" name="Equation" r:id="rId6" imgW="53251100" imgH="17843500" progId="Equation.3">
+                <p:oleObj spid="_x0000_s7310" name="Equation" r:id="rId6" imgW="53251100" imgH="17843500" progId="Equation.3">
                   <p:embed/>
                 </p:oleObj>
               </mc:Choice>
@@ -32212,7 +32360,7 @@
           <a:graphicData uri="http://schemas.openxmlformats.org/presentationml/2006/ole">
             <mc:AlternateContent xmlns:mc="http://schemas.openxmlformats.org/markup-compatibility/2006">
               <mc:Choice xmlns:v="urn:schemas-microsoft-com:vml" Requires="v">
-                <p:oleObj spid="_x0000_s7201" name="Equation" r:id="rId8" imgW="16090900" imgH="7899400" progId="Equation.3">
+                <p:oleObj spid="_x0000_s7311" name="Equation" r:id="rId8" imgW="16090900" imgH="7899400" progId="Equation.3">
                   <p:embed/>
                 </p:oleObj>
               </mc:Choice>
@@ -32296,7 +32444,7 @@
           <a:graphicData uri="http://schemas.openxmlformats.org/presentationml/2006/ole">
             <mc:AlternateContent xmlns:mc="http://schemas.openxmlformats.org/markup-compatibility/2006">
               <mc:Choice xmlns:v="urn:schemas-microsoft-com:vml" Requires="v">
-                <p:oleObj spid="_x0000_s7202" name="Equation" r:id="rId10" imgW="46812200" imgH="7899400" progId="Equation.3">
+                <p:oleObj spid="_x0000_s7312" name="Equation" r:id="rId10" imgW="46812200" imgH="7899400" progId="Equation.3">
                   <p:embed/>
                 </p:oleObj>
               </mc:Choice>
@@ -32375,7 +32523,7 @@
           <a:graphicData uri="http://schemas.openxmlformats.org/presentationml/2006/ole">
             <mc:AlternateContent xmlns:mc="http://schemas.openxmlformats.org/markup-compatibility/2006">
               <mc:Choice xmlns:v="urn:schemas-microsoft-com:vml" Requires="v">
-                <p:oleObj spid="_x0000_s7203" name="Equation" r:id="rId12" imgW="37160200" imgH="8191500" progId="Equation.3">
+                <p:oleObj spid="_x0000_s7313" name="Equation" r:id="rId12" imgW="37160200" imgH="8191500" progId="Equation.3">
                   <p:embed/>
                 </p:oleObj>
               </mc:Choice>
@@ -32685,7 +32833,7 @@
             <a:fld id="{0E42A58B-E6AC-5C4D-8014-CAF2E63C5E30}" type="slidenum">
               <a:rPr lang="en-US" altLang="x-none" smtClean="0"/>
               <a:pPr/>
-              <a:t>29</a:t>
+              <a:t>36</a:t>
             </a:fld>
             <a:endParaRPr lang="en-US" altLang="x-none" dirty="0"/>
           </a:p>
@@ -32704,197 +32852,7 @@
 </p:sld>
 </file>
 
-<file path=ppt/slides/slide3.xml><?xml version="1.0" encoding="utf-8"?>
-<p:sld xmlns:a="http://schemas.openxmlformats.org/drawingml/2006/main" xmlns:r="http://schemas.openxmlformats.org/officeDocument/2006/relationships" xmlns:p="http://schemas.openxmlformats.org/presentationml/2006/main">
-  <p:cSld>
-    <p:spTree>
-      <p:nvGrpSpPr>
-        <p:cNvPr id="1" name=""/>
-        <p:cNvGrpSpPr/>
-        <p:nvPr/>
-      </p:nvGrpSpPr>
-      <p:grpSpPr>
-        <a:xfrm>
-          <a:off x="0" y="0"/>
-          <a:ext cx="0" cy="0"/>
-          <a:chOff x="0" y="0"/>
-          <a:chExt cx="0" cy="0"/>
-        </a:xfrm>
-      </p:grpSpPr>
-      <p:sp>
-        <p:nvSpPr>
-          <p:cNvPr id="2" name="Title 1">
-            <a:extLst>
-              <a:ext uri="{FF2B5EF4-FFF2-40B4-BE49-F238E27FC236}">
-                <a16:creationId xmlns:a16="http://schemas.microsoft.com/office/drawing/2014/main" id="{78B486DC-1436-8F4A-ACC9-520A7445CA8D}"/>
-              </a:ext>
-            </a:extLst>
-          </p:cNvPr>
-          <p:cNvSpPr>
-            <a:spLocks noGrp="1"/>
-          </p:cNvSpPr>
-          <p:nvPr>
-            <p:ph type="title"/>
-          </p:nvPr>
-        </p:nvSpPr>
-        <p:spPr/>
-        <p:txBody>
-          <a:bodyPr/>
-          <a:lstStyle/>
-          <a:p>
-            <a:r>
-              <a:rPr lang="en-US" dirty="0"/>
-              <a:t>Basic ALTO Protocol Framework</a:t>
-            </a:r>
-          </a:p>
-        </p:txBody>
-      </p:sp>
-      <p:sp>
-        <p:nvSpPr>
-          <p:cNvPr id="3" name="Content Placeholder 2">
-            <a:extLst>
-              <a:ext uri="{FF2B5EF4-FFF2-40B4-BE49-F238E27FC236}">
-                <a16:creationId xmlns:a16="http://schemas.microsoft.com/office/drawing/2014/main" id="{7FBFCCB0-F6BB-3E4F-9682-AAFAC8C1B4B9}"/>
-              </a:ext>
-            </a:extLst>
-          </p:cNvPr>
-          <p:cNvSpPr>
-            <a:spLocks noGrp="1"/>
-          </p:cNvSpPr>
-          <p:nvPr>
-            <p:ph idx="1"/>
-          </p:nvPr>
-        </p:nvSpPr>
-        <p:spPr>
-          <a:xfrm>
-            <a:off x="0" y="578561"/>
-            <a:ext cx="8856662" cy="4000500"/>
-          </a:xfrm>
-        </p:spPr>
-        <p:txBody>
-          <a:bodyPr/>
-          <a:lstStyle/>
-          <a:p>
-            <a:r>
-              <a:rPr lang="en-US" sz="1800" dirty="0"/>
-              <a:t>Network information divided into (network) information resources</a:t>
-            </a:r>
-          </a:p>
-          <a:p>
-            <a:r>
-              <a:rPr lang="en-US" sz="1800" dirty="0"/>
-              <a:t>List of available information resources provided by Information Resource Directory (IRD)</a:t>
-            </a:r>
-          </a:p>
-          <a:p>
-            <a:r>
-              <a:rPr lang="en-US" sz="1800" dirty="0"/>
-              <a:t>Bootstrap server provided by server discovery</a:t>
-            </a:r>
-          </a:p>
-          <a:p>
-            <a:pPr lvl="1"/>
-            <a:r>
-              <a:rPr lang="en-US" sz="1500" dirty="0"/>
-              <a:t>Server discovery, </a:t>
-            </a:r>
-            <a:r>
-              <a:rPr lang="en-US" sz="1500" dirty="0" err="1"/>
-              <a:t>xdom</a:t>
-            </a:r>
-            <a:r>
-              <a:rPr lang="en-US" sz="1500" dirty="0"/>
-              <a:t> discovery</a:t>
-            </a:r>
-          </a:p>
-          <a:p>
-            <a:r>
-              <a:rPr lang="en-US" sz="1800" dirty="0"/>
-              <a:t>Each individual information resource is provided as a RESTful service</a:t>
-            </a:r>
-          </a:p>
-          <a:p>
-            <a:r>
-              <a:rPr lang="en-US" sz="1800" dirty="0"/>
-              <a:t>A generic, SSE-based framework to stream-control, push, incrementally update information resources</a:t>
-            </a:r>
-          </a:p>
-        </p:txBody>
-      </p:sp>
-      <p:pic>
-        <p:nvPicPr>
-          <p:cNvPr id="4" name="Picture 3">
-            <a:extLst>
-              <a:ext uri="{FF2B5EF4-FFF2-40B4-BE49-F238E27FC236}">
-                <a16:creationId xmlns:a16="http://schemas.microsoft.com/office/drawing/2014/main" id="{DE74FF1C-B06D-DA47-B4A4-A100388074C6}"/>
-              </a:ext>
-            </a:extLst>
-          </p:cNvPr>
-          <p:cNvPicPr>
-            <a:picLocks noChangeAspect="1"/>
-          </p:cNvPicPr>
-          <p:nvPr/>
-        </p:nvPicPr>
-        <p:blipFill>
-          <a:blip r:embed="rId2"/>
-          <a:stretch>
-            <a:fillRect/>
-          </a:stretch>
-        </p:blipFill>
-        <p:spPr>
-          <a:xfrm>
-            <a:off x="543598" y="2875655"/>
-            <a:ext cx="3315097" cy="1952174"/>
-          </a:xfrm>
-          <a:prstGeom prst="rect">
-            <a:avLst/>
-          </a:prstGeom>
-        </p:spPr>
-      </p:pic>
-      <p:pic>
-        <p:nvPicPr>
-          <p:cNvPr id="5" name="Picture 4">
-            <a:extLst>
-              <a:ext uri="{FF2B5EF4-FFF2-40B4-BE49-F238E27FC236}">
-                <a16:creationId xmlns:a16="http://schemas.microsoft.com/office/drawing/2014/main" id="{2F39F3AA-1054-BC4A-BA1B-A6115411E933}"/>
-              </a:ext>
-            </a:extLst>
-          </p:cNvPr>
-          <p:cNvPicPr>
-            <a:picLocks noChangeAspect="1"/>
-          </p:cNvPicPr>
-          <p:nvPr/>
-        </p:nvPicPr>
-        <p:blipFill>
-          <a:blip r:embed="rId3"/>
-          <a:stretch>
-            <a:fillRect/>
-          </a:stretch>
-        </p:blipFill>
-        <p:spPr>
-          <a:xfrm>
-            <a:off x="4402293" y="2875655"/>
-            <a:ext cx="3953037" cy="943767"/>
-          </a:xfrm>
-          <a:prstGeom prst="rect">
-            <a:avLst/>
-          </a:prstGeom>
-        </p:spPr>
-      </p:pic>
-    </p:spTree>
-    <p:extLst>
-      <p:ext uri="{BB962C8B-B14F-4D97-AF65-F5344CB8AC3E}">
-        <p14:creationId xmlns:p14="http://schemas.microsoft.com/office/powerpoint/2010/main" val="3119564854"/>
-      </p:ext>
-    </p:extLst>
-  </p:cSld>
-  <p:clrMapOvr>
-    <a:masterClrMapping/>
-  </p:clrMapOvr>
-</p:sld>
-</file>
-
-<file path=ppt/slides/slide30.xml><?xml version="1.0" encoding="utf-8"?>
+<file path=ppt/slides/slide37.xml><?xml version="1.0" encoding="utf-8"?>
 <p:sld xmlns:a="http://schemas.openxmlformats.org/drawingml/2006/main" xmlns:r="http://schemas.openxmlformats.org/officeDocument/2006/relationships" xmlns:p="http://schemas.openxmlformats.org/presentationml/2006/main">
   <p:cSld>
     <p:spTree>
@@ -35493,7 +35451,7 @@
           <a:graphicData uri="http://schemas.openxmlformats.org/presentationml/2006/ole">
             <mc:AlternateContent xmlns:mc="http://schemas.openxmlformats.org/markup-compatibility/2006">
               <mc:Choice xmlns:v="urn:schemas-microsoft-com:vml" Requires="v">
-                <p:oleObj spid="_x0000_s8199" name="Equation" r:id="rId4" imgW="20193000" imgH="8191500" progId="Equation.3">
+                <p:oleObj spid="_x0000_s8221" name="Equation" r:id="rId4" imgW="20193000" imgH="8191500" progId="Equation.3">
                   <p:embed/>
                 </p:oleObj>
               </mc:Choice>
@@ -36982,7 +36940,7 @@
             <a:fld id="{0E42A58B-E6AC-5C4D-8014-CAF2E63C5E30}" type="slidenum">
               <a:rPr lang="en-US" altLang="x-none" smtClean="0"/>
               <a:pPr/>
-              <a:t>30</a:t>
+              <a:t>37</a:t>
             </a:fld>
             <a:endParaRPr lang="en-US" altLang="x-none" dirty="0"/>
           </a:p>
@@ -37002,6 +36960,1726 @@
 </file>
 
 <file path=ppt/slides/slide4.xml><?xml version="1.0" encoding="utf-8"?>
+<p:sld xmlns:a="http://schemas.openxmlformats.org/drawingml/2006/main" xmlns:r="http://schemas.openxmlformats.org/officeDocument/2006/relationships" xmlns:p="http://schemas.openxmlformats.org/presentationml/2006/main">
+  <p:cSld>
+    <p:spTree>
+      <p:nvGrpSpPr>
+        <p:cNvPr id="1" name=""/>
+        <p:cNvGrpSpPr/>
+        <p:nvPr/>
+      </p:nvGrpSpPr>
+      <p:grpSpPr>
+        <a:xfrm>
+          <a:off x="0" y="0"/>
+          <a:ext cx="0" cy="0"/>
+          <a:chOff x="0" y="0"/>
+          <a:chExt cx="0" cy="0"/>
+        </a:xfrm>
+      </p:grpSpPr>
+      <p:sp>
+        <p:nvSpPr>
+          <p:cNvPr id="2" name="Title 1"/>
+          <p:cNvSpPr>
+            <a:spLocks noGrp="1"/>
+          </p:cNvSpPr>
+          <p:nvPr>
+            <p:ph type="title"/>
+          </p:nvPr>
+        </p:nvSpPr>
+        <p:spPr/>
+        <p:txBody>
+          <a:bodyPr/>
+          <a:lstStyle/>
+          <a:p>
+            <a:r>
+              <a:rPr lang="en-US" dirty="0"/>
+              <a:t>IETF ALTO </a:t>
+            </a:r>
+            <a:r>
+              <a:rPr lang="en-US" dirty="0">
+                <a:solidFill>
+                  <a:srgbClr val="00B050"/>
+                </a:solidFill>
+              </a:rPr>
+              <a:t>RFCs</a:t>
+            </a:r>
+            <a:r>
+              <a:rPr lang="en-US" dirty="0"/>
+              <a:t>/</a:t>
+            </a:r>
+            <a:r>
+              <a:rPr lang="en-US" dirty="0">
+                <a:solidFill>
+                  <a:schemeClr val="accent3">
+                    <a:lumMod val="75000"/>
+                  </a:schemeClr>
+                </a:solidFill>
+              </a:rPr>
+              <a:t>Ongoing</a:t>
+            </a:r>
+            <a:r>
+              <a:rPr lang="en-US" dirty="0"/>
+              <a:t>/</a:t>
+            </a:r>
+            <a:r>
+              <a:rPr lang="en-US" dirty="0">
+                <a:solidFill>
+                  <a:srgbClr val="002060"/>
+                </a:solidFill>
+              </a:rPr>
+              <a:t>Drafts</a:t>
+            </a:r>
+          </a:p>
+        </p:txBody>
+      </p:sp>
+      <p:sp>
+        <p:nvSpPr>
+          <p:cNvPr id="4" name="Rectangle 3"/>
+          <p:cNvSpPr/>
+          <p:nvPr/>
+        </p:nvSpPr>
+        <p:spPr bwMode="auto">
+          <a:xfrm>
+            <a:off x="448263" y="1068352"/>
+            <a:ext cx="1449729" cy="457022"/>
+          </a:xfrm>
+          <a:prstGeom prst="rect">
+            <a:avLst/>
+          </a:prstGeom>
+          <a:solidFill>
+            <a:srgbClr val="00B050"/>
+          </a:solidFill>
+          <a:ln w="31750" cap="flat" cmpd="sng" algn="ctr">
+            <a:solidFill>
+              <a:schemeClr val="tx1"/>
+            </a:solidFill>
+            <a:prstDash val="solid"/>
+            <a:round/>
+            <a:headEnd type="none" w="med" len="med"/>
+            <a:tailEnd type="none" w="med" len="med"/>
+          </a:ln>
+          <a:effectLst/>
+        </p:spPr>
+        <p:txBody>
+          <a:bodyPr vert="horz" wrap="square" lIns="68580" tIns="34290" rIns="68580" bIns="34290" numCol="1" rtlCol="0" anchor="ctr" anchorCtr="0" compatLnSpc="1">
+            <a:prstTxWarp prst="textNoShape">
+              <a:avLst/>
+            </a:prstTxWarp>
+          </a:bodyPr>
+          <a:lstStyle/>
+          <a:p>
+            <a:pPr algn="ctr" defTabSz="685800" eaLnBrk="0" hangingPunct="0"/>
+            <a:r>
+              <a:rPr lang="en-US" sz="1200" baseline="0" dirty="0">
+                <a:solidFill>
+                  <a:schemeClr val="bg1"/>
+                </a:solidFill>
+                <a:effectLst>
+                  <a:outerShdw blurRad="38100" dist="38100" dir="2700000" algn="tl">
+                    <a:srgbClr val="000000">
+                      <a:alpha val="43137"/>
+                    </a:srgbClr>
+                  </a:outerShdw>
+                </a:effectLst>
+                <a:latin typeface="Arial" pitchFamily="-105" charset="0"/>
+                <a:ea typeface="ＭＳ Ｐゴシック" pitchFamily="-105" charset="-128"/>
+                <a:cs typeface="ＭＳ Ｐゴシック" pitchFamily="-105" charset="-128"/>
+              </a:rPr>
+              <a:t>Problem Statement</a:t>
+            </a:r>
+          </a:p>
+          <a:p>
+            <a:pPr algn="ctr" eaLnBrk="0" hangingPunct="0"/>
+            <a:r>
+              <a:rPr lang="en-US" sz="1200" baseline="0" dirty="0">
+                <a:solidFill>
+                  <a:schemeClr val="bg1"/>
+                </a:solidFill>
+                <a:effectLst>
+                  <a:outerShdw blurRad="38100" dist="38100" dir="2700000" algn="tl">
+                    <a:srgbClr val="000000">
+                      <a:alpha val="43137"/>
+                    </a:srgbClr>
+                  </a:outerShdw>
+                </a:effectLst>
+                <a:latin typeface="Arial" pitchFamily="-105" charset="0"/>
+                <a:ea typeface="ＭＳ Ｐゴシック" pitchFamily="-105" charset="-128"/>
+                <a:cs typeface="ＭＳ Ｐゴシック" pitchFamily="-105" charset="-128"/>
+              </a:rPr>
+              <a:t>(RFC5693)</a:t>
+            </a:r>
+          </a:p>
+        </p:txBody>
+      </p:sp>
+      <p:sp>
+        <p:nvSpPr>
+          <p:cNvPr id="5" name="Rectangle 4"/>
+          <p:cNvSpPr/>
+          <p:nvPr/>
+        </p:nvSpPr>
+        <p:spPr bwMode="auto">
+          <a:xfrm>
+            <a:off x="448262" y="2388968"/>
+            <a:ext cx="1449729" cy="403220"/>
+          </a:xfrm>
+          <a:prstGeom prst="rect">
+            <a:avLst/>
+          </a:prstGeom>
+          <a:solidFill>
+            <a:srgbClr val="00B050"/>
+          </a:solidFill>
+          <a:ln w="31750" cap="flat" cmpd="sng" algn="ctr">
+            <a:solidFill>
+              <a:schemeClr val="tx1"/>
+            </a:solidFill>
+            <a:prstDash val="solid"/>
+            <a:round/>
+            <a:headEnd type="none" w="med" len="med"/>
+            <a:tailEnd type="none" w="med" len="med"/>
+          </a:ln>
+          <a:effectLst/>
+        </p:spPr>
+        <p:txBody>
+          <a:bodyPr vert="horz" wrap="square" lIns="68580" tIns="34290" rIns="68580" bIns="34290" numCol="1" rtlCol="0" anchor="ctr" anchorCtr="0" compatLnSpc="1">
+            <a:prstTxWarp prst="textNoShape">
+              <a:avLst/>
+            </a:prstTxWarp>
+          </a:bodyPr>
+          <a:lstStyle/>
+          <a:p>
+            <a:pPr algn="ctr" eaLnBrk="0" hangingPunct="0"/>
+            <a:r>
+              <a:rPr lang="en-US" sz="1200" baseline="0" dirty="0">
+                <a:solidFill>
+                  <a:schemeClr val="bg1"/>
+                </a:solidFill>
+                <a:effectLst>
+                  <a:outerShdw blurRad="38100" dist="38100" dir="2700000" algn="tl">
+                    <a:srgbClr val="000000">
+                      <a:alpha val="43137"/>
+                    </a:srgbClr>
+                  </a:outerShdw>
+                </a:effectLst>
+                <a:latin typeface="Arial" pitchFamily="-105" charset="0"/>
+                <a:ea typeface="ＭＳ Ｐゴシック" pitchFamily="-105" charset="-128"/>
+                <a:cs typeface="ＭＳ Ｐゴシック" pitchFamily="-105" charset="-128"/>
+              </a:rPr>
+              <a:t>Requirements (RFC6708)</a:t>
+            </a:r>
+            <a:endParaRPr lang="en-US" sz="1050" baseline="0" dirty="0">
+              <a:solidFill>
+                <a:schemeClr val="bg1"/>
+              </a:solidFill>
+              <a:effectLst>
+                <a:outerShdw blurRad="38100" dist="38100" dir="2700000" algn="tl">
+                  <a:srgbClr val="000000">
+                    <a:alpha val="43137"/>
+                  </a:srgbClr>
+                </a:outerShdw>
+              </a:effectLst>
+              <a:latin typeface="Arial" pitchFamily="-105" charset="0"/>
+              <a:ea typeface="ＭＳ Ｐゴシック" pitchFamily="-105" charset="-128"/>
+              <a:cs typeface="ＭＳ Ｐゴシック" pitchFamily="-105" charset="-128"/>
+            </a:endParaRPr>
+          </a:p>
+        </p:txBody>
+      </p:sp>
+      <p:sp>
+        <p:nvSpPr>
+          <p:cNvPr id="6" name="Rectangle 5"/>
+          <p:cNvSpPr/>
+          <p:nvPr/>
+        </p:nvSpPr>
+        <p:spPr bwMode="auto">
+          <a:xfrm>
+            <a:off x="2167585" y="1068352"/>
+            <a:ext cx="1449729" cy="437110"/>
+          </a:xfrm>
+          <a:prstGeom prst="rect">
+            <a:avLst/>
+          </a:prstGeom>
+          <a:solidFill>
+            <a:srgbClr val="00B050"/>
+          </a:solidFill>
+          <a:ln w="31750" cap="flat" cmpd="sng" algn="ctr">
+            <a:solidFill>
+              <a:schemeClr val="tx1"/>
+            </a:solidFill>
+            <a:prstDash val="solid"/>
+            <a:round/>
+            <a:headEnd type="none" w="med" len="med"/>
+            <a:tailEnd type="none" w="med" len="med"/>
+          </a:ln>
+          <a:effectLst/>
+        </p:spPr>
+        <p:txBody>
+          <a:bodyPr vert="horz" wrap="square" lIns="68580" tIns="34290" rIns="68580" bIns="34290" numCol="1" rtlCol="0" anchor="ctr" anchorCtr="0" compatLnSpc="1">
+            <a:prstTxWarp prst="textNoShape">
+              <a:avLst/>
+            </a:prstTxWarp>
+          </a:bodyPr>
+          <a:lstStyle/>
+          <a:p>
+            <a:pPr algn="ctr" eaLnBrk="0" hangingPunct="0"/>
+            <a:r>
+              <a:rPr lang="en-US" sz="1200" baseline="0" dirty="0">
+                <a:solidFill>
+                  <a:schemeClr val="bg1"/>
+                </a:solidFill>
+                <a:effectLst>
+                  <a:outerShdw blurRad="38100" dist="38100" dir="2700000" algn="tl">
+                    <a:srgbClr val="000000">
+                      <a:alpha val="43137"/>
+                    </a:srgbClr>
+                  </a:outerShdw>
+                </a:effectLst>
+                <a:latin typeface="Arial" pitchFamily="-105" charset="0"/>
+                <a:ea typeface="ＭＳ Ｐゴシック" pitchFamily="-105" charset="-128"/>
+                <a:cs typeface="ＭＳ Ｐゴシック" pitchFamily="-105" charset="-128"/>
+              </a:rPr>
+              <a:t>Base Protocol (RFC7285)</a:t>
+            </a:r>
+          </a:p>
+        </p:txBody>
+      </p:sp>
+      <p:sp>
+        <p:nvSpPr>
+          <p:cNvPr id="7" name="Rectangle 6"/>
+          <p:cNvSpPr/>
+          <p:nvPr/>
+        </p:nvSpPr>
+        <p:spPr bwMode="auto">
+          <a:xfrm>
+            <a:off x="430835" y="4239758"/>
+            <a:ext cx="1449729" cy="414542"/>
+          </a:xfrm>
+          <a:prstGeom prst="rect">
+            <a:avLst/>
+          </a:prstGeom>
+          <a:solidFill>
+            <a:srgbClr val="00B050"/>
+          </a:solidFill>
+          <a:ln w="31750" cap="flat" cmpd="sng" algn="ctr">
+            <a:solidFill>
+              <a:schemeClr val="tx1"/>
+            </a:solidFill>
+            <a:prstDash val="solid"/>
+            <a:round/>
+            <a:headEnd type="none" w="med" len="med"/>
+            <a:tailEnd type="none" w="med" len="med"/>
+          </a:ln>
+          <a:effectLst/>
+        </p:spPr>
+        <p:txBody>
+          <a:bodyPr vert="horz" wrap="square" lIns="68580" tIns="34290" rIns="68580" bIns="34290" numCol="1" rtlCol="0" anchor="ctr" anchorCtr="0" compatLnSpc="1">
+            <a:prstTxWarp prst="textNoShape">
+              <a:avLst/>
+            </a:prstTxWarp>
+          </a:bodyPr>
+          <a:lstStyle/>
+          <a:p>
+            <a:pPr algn="ctr" eaLnBrk="0" hangingPunct="0"/>
+            <a:r>
+              <a:rPr lang="en-US" sz="1200" baseline="0" dirty="0">
+                <a:solidFill>
+                  <a:schemeClr val="bg1"/>
+                </a:solidFill>
+                <a:effectLst>
+                  <a:outerShdw blurRad="38100" dist="38100" dir="2700000" algn="tl">
+                    <a:srgbClr val="000000">
+                      <a:alpha val="43137"/>
+                    </a:srgbClr>
+                  </a:outerShdw>
+                </a:effectLst>
+                <a:latin typeface="Arial" pitchFamily="-105" charset="0"/>
+                <a:ea typeface="ＭＳ Ｐゴシック" pitchFamily="-105" charset="-128"/>
+                <a:cs typeface="ＭＳ Ｐゴシック" pitchFamily="-105" charset="-128"/>
+              </a:rPr>
+              <a:t>Server Discovery (RFC7286)</a:t>
+            </a:r>
+          </a:p>
+        </p:txBody>
+      </p:sp>
+      <p:sp>
+        <p:nvSpPr>
+          <p:cNvPr id="8" name="Rectangle 7"/>
+          <p:cNvSpPr/>
+          <p:nvPr/>
+        </p:nvSpPr>
+        <p:spPr bwMode="auto">
+          <a:xfrm>
+            <a:off x="448262" y="2978946"/>
+            <a:ext cx="1449729" cy="406604"/>
+          </a:xfrm>
+          <a:prstGeom prst="rect">
+            <a:avLst/>
+          </a:prstGeom>
+          <a:solidFill>
+            <a:srgbClr val="00B050"/>
+          </a:solidFill>
+          <a:ln w="31750" cap="flat" cmpd="sng" algn="ctr">
+            <a:solidFill>
+              <a:schemeClr val="tx1"/>
+            </a:solidFill>
+            <a:prstDash val="solid"/>
+            <a:round/>
+            <a:headEnd type="none" w="med" len="med"/>
+            <a:tailEnd type="none" w="med" len="med"/>
+          </a:ln>
+          <a:effectLst/>
+        </p:spPr>
+        <p:txBody>
+          <a:bodyPr vert="horz" wrap="square" lIns="68580" tIns="34290" rIns="68580" bIns="34290" numCol="1" rtlCol="0" anchor="ctr" anchorCtr="0" compatLnSpc="1">
+            <a:prstTxWarp prst="textNoShape">
+              <a:avLst/>
+            </a:prstTxWarp>
+          </a:bodyPr>
+          <a:lstStyle/>
+          <a:p>
+            <a:pPr algn="ctr" eaLnBrk="0" hangingPunct="0"/>
+            <a:r>
+              <a:rPr lang="en-US" sz="1200" baseline="0" dirty="0">
+                <a:solidFill>
+                  <a:schemeClr val="bg1"/>
+                </a:solidFill>
+                <a:effectLst>
+                  <a:outerShdw blurRad="38100" dist="38100" dir="2700000" algn="tl">
+                    <a:srgbClr val="000000">
+                      <a:alpha val="43137"/>
+                    </a:srgbClr>
+                  </a:outerShdw>
+                </a:effectLst>
+                <a:latin typeface="Arial" pitchFamily="-105" charset="0"/>
+                <a:ea typeface="ＭＳ Ｐゴシック" pitchFamily="-105" charset="-128"/>
+                <a:cs typeface="ＭＳ Ｐゴシック" pitchFamily="-105" charset="-128"/>
+              </a:rPr>
+              <a:t>Deployment (RFC7971)</a:t>
+            </a:r>
+          </a:p>
+        </p:txBody>
+      </p:sp>
+      <p:sp>
+        <p:nvSpPr>
+          <p:cNvPr id="9" name="Rectangle 8"/>
+          <p:cNvSpPr/>
+          <p:nvPr/>
+        </p:nvSpPr>
+        <p:spPr bwMode="auto">
+          <a:xfrm>
+            <a:off x="2167584" y="2366517"/>
+            <a:ext cx="1449729" cy="395467"/>
+          </a:xfrm>
+          <a:prstGeom prst="rect">
+            <a:avLst/>
+          </a:prstGeom>
+          <a:solidFill>
+            <a:srgbClr val="00B050"/>
+          </a:solidFill>
+          <a:ln w="31750" cap="flat" cmpd="sng" algn="ctr">
+            <a:solidFill>
+              <a:schemeClr val="tx1"/>
+            </a:solidFill>
+            <a:prstDash val="solid"/>
+            <a:round/>
+            <a:headEnd type="none" w="med" len="med"/>
+            <a:tailEnd type="none" w="med" len="med"/>
+          </a:ln>
+          <a:effectLst/>
+        </p:spPr>
+        <p:txBody>
+          <a:bodyPr vert="horz" wrap="square" lIns="68580" tIns="34290" rIns="68580" bIns="34290" numCol="1" rtlCol="0" anchor="ctr" anchorCtr="0" compatLnSpc="1">
+            <a:prstTxWarp prst="textNoShape">
+              <a:avLst/>
+            </a:prstTxWarp>
+          </a:bodyPr>
+          <a:lstStyle/>
+          <a:p>
+            <a:pPr algn="ctr" eaLnBrk="0" hangingPunct="0"/>
+            <a:r>
+              <a:rPr lang="en-US" sz="1200" baseline="0" dirty="0" err="1">
+                <a:solidFill>
+                  <a:schemeClr val="bg1"/>
+                </a:solidFill>
+                <a:effectLst>
+                  <a:outerShdw blurRad="38100" dist="38100" dir="2700000" algn="tl">
+                    <a:srgbClr val="000000">
+                      <a:alpha val="43137"/>
+                    </a:srgbClr>
+                  </a:outerShdw>
+                </a:effectLst>
+                <a:latin typeface="Arial" pitchFamily="-105" charset="0"/>
+                <a:ea typeface="ＭＳ Ｐゴシック" pitchFamily="-105" charset="-128"/>
+                <a:cs typeface="ＭＳ Ｐゴシック" pitchFamily="-105" charset="-128"/>
+              </a:rPr>
+              <a:t>Multicost</a:t>
+            </a:r>
+            <a:r>
+              <a:rPr lang="en-US" sz="1200" baseline="0" dirty="0">
+                <a:solidFill>
+                  <a:schemeClr val="bg1"/>
+                </a:solidFill>
+                <a:effectLst>
+                  <a:outerShdw blurRad="38100" dist="38100" dir="2700000" algn="tl">
+                    <a:srgbClr val="000000">
+                      <a:alpha val="43137"/>
+                    </a:srgbClr>
+                  </a:outerShdw>
+                </a:effectLst>
+                <a:latin typeface="Arial" pitchFamily="-105" charset="0"/>
+                <a:ea typeface="ＭＳ Ｐゴシック" pitchFamily="-105" charset="-128"/>
+                <a:cs typeface="ＭＳ Ｐゴシック" pitchFamily="-105" charset="-128"/>
+              </a:rPr>
+              <a:t> (RFC8189)</a:t>
+            </a:r>
+          </a:p>
+        </p:txBody>
+      </p:sp>
+      <p:sp>
+        <p:nvSpPr>
+          <p:cNvPr id="10" name="Rectangle 9"/>
+          <p:cNvSpPr/>
+          <p:nvPr/>
+        </p:nvSpPr>
+        <p:spPr bwMode="auto">
+          <a:xfrm>
+            <a:off x="2167584" y="2939063"/>
+            <a:ext cx="1449729" cy="414542"/>
+          </a:xfrm>
+          <a:prstGeom prst="rect">
+            <a:avLst/>
+          </a:prstGeom>
+          <a:solidFill>
+            <a:srgbClr val="00B050"/>
+          </a:solidFill>
+          <a:ln w="31750" cap="flat" cmpd="sng" algn="ctr">
+            <a:solidFill>
+              <a:schemeClr val="tx1"/>
+            </a:solidFill>
+            <a:prstDash val="solid"/>
+            <a:round/>
+            <a:headEnd type="none" w="med" len="med"/>
+            <a:tailEnd type="none" w="med" len="med"/>
+          </a:ln>
+          <a:effectLst/>
+        </p:spPr>
+        <p:txBody>
+          <a:bodyPr vert="horz" wrap="square" lIns="68580" tIns="34290" rIns="68580" bIns="34290" numCol="1" rtlCol="0" anchor="ctr" anchorCtr="0" compatLnSpc="1">
+            <a:prstTxWarp prst="textNoShape">
+              <a:avLst/>
+            </a:prstTxWarp>
+          </a:bodyPr>
+          <a:lstStyle/>
+          <a:p>
+            <a:pPr algn="ctr" defTabSz="685800" eaLnBrk="0" hangingPunct="0"/>
+            <a:r>
+              <a:rPr lang="en-US" sz="1200" baseline="0" dirty="0">
+                <a:solidFill>
+                  <a:schemeClr val="bg1"/>
+                </a:solidFill>
+                <a:effectLst>
+                  <a:outerShdw blurRad="38100" dist="38100" dir="2700000" algn="tl">
+                    <a:srgbClr val="000000">
+                      <a:alpha val="43137"/>
+                    </a:srgbClr>
+                  </a:outerShdw>
+                </a:effectLst>
+                <a:latin typeface="Arial" pitchFamily="-105" charset="0"/>
+                <a:ea typeface="ＭＳ Ｐゴシック" pitchFamily="-105" charset="-128"/>
+                <a:cs typeface="ＭＳ Ｐゴシック" pitchFamily="-105" charset="-128"/>
+              </a:rPr>
+              <a:t>Cost Calendar (RFC8896)</a:t>
+            </a:r>
+            <a:endParaRPr lang="en-US" sz="1050" baseline="0" dirty="0">
+              <a:solidFill>
+                <a:schemeClr val="bg1"/>
+              </a:solidFill>
+              <a:effectLst>
+                <a:outerShdw blurRad="38100" dist="38100" dir="2700000" algn="tl">
+                  <a:srgbClr val="000000">
+                    <a:alpha val="43137"/>
+                  </a:srgbClr>
+                </a:outerShdw>
+              </a:effectLst>
+              <a:latin typeface="Arial" pitchFamily="-105" charset="0"/>
+              <a:ea typeface="ＭＳ Ｐゴシック" pitchFamily="-105" charset="-128"/>
+              <a:cs typeface="ＭＳ Ｐゴシック" pitchFamily="-105" charset="-128"/>
+            </a:endParaRPr>
+          </a:p>
+        </p:txBody>
+      </p:sp>
+      <p:sp>
+        <p:nvSpPr>
+          <p:cNvPr id="11" name="Rectangle 10"/>
+          <p:cNvSpPr/>
+          <p:nvPr/>
+        </p:nvSpPr>
+        <p:spPr bwMode="auto">
+          <a:xfrm>
+            <a:off x="3813240" y="2396322"/>
+            <a:ext cx="1449729" cy="425636"/>
+          </a:xfrm>
+          <a:prstGeom prst="rect">
+            <a:avLst/>
+          </a:prstGeom>
+          <a:solidFill>
+            <a:srgbClr val="00B050"/>
+          </a:solidFill>
+          <a:ln w="9525" cap="flat" cmpd="sng" algn="ctr">
+            <a:solidFill>
+              <a:schemeClr val="tx1"/>
+            </a:solidFill>
+            <a:prstDash val="solid"/>
+            <a:round/>
+            <a:headEnd type="none" w="med" len="med"/>
+            <a:tailEnd type="none" w="med" len="med"/>
+          </a:ln>
+          <a:effectLst/>
+        </p:spPr>
+        <p:txBody>
+          <a:bodyPr vert="horz" wrap="square" lIns="68580" tIns="34290" rIns="68580" bIns="34290" numCol="1" rtlCol="0" anchor="ctr" anchorCtr="0" compatLnSpc="1">
+            <a:prstTxWarp prst="textNoShape">
+              <a:avLst/>
+            </a:prstTxWarp>
+          </a:bodyPr>
+          <a:lstStyle/>
+          <a:p>
+            <a:pPr algn="ctr" defTabSz="685800" eaLnBrk="0" hangingPunct="0"/>
+            <a:r>
+              <a:rPr lang="en-US" sz="1200" baseline="0" dirty="0" err="1">
+                <a:solidFill>
+                  <a:schemeClr val="bg1"/>
+                </a:solidFill>
+                <a:effectLst>
+                  <a:outerShdw blurRad="38100" dist="38100" dir="2700000" algn="tl">
+                    <a:srgbClr val="000000">
+                      <a:alpha val="43137"/>
+                    </a:srgbClr>
+                  </a:outerShdw>
+                </a:effectLst>
+                <a:latin typeface="Arial" pitchFamily="-105" charset="0"/>
+                <a:ea typeface="ＭＳ Ｐゴシック" pitchFamily="-105" charset="-128"/>
+                <a:cs typeface="ＭＳ Ｐゴシック" pitchFamily="-105" charset="-128"/>
+              </a:rPr>
+              <a:t>CDNi</a:t>
+            </a:r>
+            <a:r>
+              <a:rPr lang="en-US" sz="1200" baseline="0" dirty="0">
+                <a:solidFill>
+                  <a:schemeClr val="bg1"/>
+                </a:solidFill>
+                <a:effectLst>
+                  <a:outerShdw blurRad="38100" dist="38100" dir="2700000" algn="tl">
+                    <a:srgbClr val="000000">
+                      <a:alpha val="43137"/>
+                    </a:srgbClr>
+                  </a:outerShdw>
+                </a:effectLst>
+                <a:latin typeface="Arial" pitchFamily="-105" charset="0"/>
+                <a:ea typeface="ＭＳ Ｐゴシック" pitchFamily="-105" charset="-128"/>
+                <a:cs typeface="ＭＳ Ｐゴシック" pitchFamily="-105" charset="-128"/>
+              </a:rPr>
+              <a:t> </a:t>
+            </a:r>
+            <a:br>
+              <a:rPr lang="en-US" sz="1200" baseline="0" dirty="0">
+                <a:solidFill>
+                  <a:schemeClr val="bg1"/>
+                </a:solidFill>
+                <a:effectLst>
+                  <a:outerShdw blurRad="38100" dist="38100" dir="2700000" algn="tl">
+                    <a:srgbClr val="000000">
+                      <a:alpha val="43137"/>
+                    </a:srgbClr>
+                  </a:outerShdw>
+                </a:effectLst>
+                <a:latin typeface="Arial" pitchFamily="-105" charset="0"/>
+                <a:ea typeface="ＭＳ Ｐゴシック" pitchFamily="-105" charset="-128"/>
+                <a:cs typeface="ＭＳ Ｐゴシック" pitchFamily="-105" charset="-128"/>
+              </a:rPr>
+            </a:br>
+            <a:r>
+              <a:rPr lang="en-US" sz="1200" baseline="0" dirty="0">
+                <a:solidFill>
+                  <a:schemeClr val="bg1"/>
+                </a:solidFill>
+                <a:effectLst>
+                  <a:outerShdw blurRad="38100" dist="38100" dir="2700000" algn="tl">
+                    <a:srgbClr val="000000">
+                      <a:alpha val="43137"/>
+                    </a:srgbClr>
+                  </a:outerShdw>
+                </a:effectLst>
+                <a:latin typeface="Arial" pitchFamily="-105" charset="0"/>
+                <a:ea typeface="ＭＳ Ｐゴシック" pitchFamily="-105" charset="-128"/>
+                <a:cs typeface="ＭＳ Ｐゴシック" pitchFamily="-105" charset="-128"/>
+              </a:rPr>
+              <a:t>(RFC editor)</a:t>
+            </a:r>
+          </a:p>
+        </p:txBody>
+      </p:sp>
+      <p:sp>
+        <p:nvSpPr>
+          <p:cNvPr id="12" name="Rectangle 11"/>
+          <p:cNvSpPr/>
+          <p:nvPr/>
+        </p:nvSpPr>
+        <p:spPr bwMode="auto">
+          <a:xfrm>
+            <a:off x="2167584" y="1732777"/>
+            <a:ext cx="1449729" cy="437110"/>
+          </a:xfrm>
+          <a:prstGeom prst="rect">
+            <a:avLst/>
+          </a:prstGeom>
+          <a:solidFill>
+            <a:srgbClr val="00B050"/>
+          </a:solidFill>
+          <a:ln w="31750" cap="flat" cmpd="sng" algn="ctr">
+            <a:solidFill>
+              <a:schemeClr val="tx1"/>
+            </a:solidFill>
+            <a:prstDash val="solid"/>
+            <a:round/>
+            <a:headEnd type="none" w="med" len="med"/>
+            <a:tailEnd type="none" w="med" len="med"/>
+          </a:ln>
+          <a:effectLst/>
+        </p:spPr>
+        <p:txBody>
+          <a:bodyPr vert="horz" wrap="square" lIns="68580" tIns="34290" rIns="68580" bIns="34290" numCol="1" rtlCol="0" anchor="ctr" anchorCtr="0" compatLnSpc="1">
+            <a:prstTxWarp prst="textNoShape">
+              <a:avLst/>
+            </a:prstTxWarp>
+          </a:bodyPr>
+          <a:lstStyle/>
+          <a:p>
+            <a:pPr algn="ctr" defTabSz="685800" eaLnBrk="0" hangingPunct="0"/>
+            <a:r>
+              <a:rPr lang="en-US" sz="1200" baseline="0" dirty="0">
+                <a:solidFill>
+                  <a:schemeClr val="bg1"/>
+                </a:solidFill>
+                <a:effectLst>
+                  <a:outerShdw blurRad="38100" dist="38100" dir="2700000" algn="tl">
+                    <a:srgbClr val="000000">
+                      <a:alpha val="43137"/>
+                    </a:srgbClr>
+                  </a:outerShdw>
+                </a:effectLst>
+                <a:latin typeface="Arial" pitchFamily="-105" charset="0"/>
+                <a:ea typeface="ＭＳ Ｐゴシック" pitchFamily="-105" charset="-128"/>
+                <a:cs typeface="ＭＳ Ｐゴシック" pitchFamily="-105" charset="-128"/>
+              </a:rPr>
+              <a:t>SSE/</a:t>
+            </a:r>
+            <a:r>
+              <a:rPr lang="en-US" sz="1200" baseline="0" dirty="0" err="1">
+                <a:solidFill>
+                  <a:schemeClr val="bg1"/>
+                </a:solidFill>
+                <a:effectLst>
+                  <a:outerShdw blurRad="38100" dist="38100" dir="2700000" algn="tl">
+                    <a:srgbClr val="000000">
+                      <a:alpha val="43137"/>
+                    </a:srgbClr>
+                  </a:outerShdw>
+                </a:effectLst>
+                <a:latin typeface="Arial" pitchFamily="-105" charset="0"/>
+                <a:ea typeface="ＭＳ Ｐゴシック" pitchFamily="-105" charset="-128"/>
+                <a:cs typeface="ＭＳ Ｐゴシック" pitchFamily="-105" charset="-128"/>
+              </a:rPr>
+              <a:t>Incr</a:t>
+            </a:r>
+            <a:r>
+              <a:rPr lang="en-US" sz="1200" baseline="0" dirty="0">
+                <a:solidFill>
+                  <a:schemeClr val="bg1"/>
+                </a:solidFill>
+                <a:effectLst>
+                  <a:outerShdw blurRad="38100" dist="38100" dir="2700000" algn="tl">
+                    <a:srgbClr val="000000">
+                      <a:alpha val="43137"/>
+                    </a:srgbClr>
+                  </a:outerShdw>
+                </a:effectLst>
+                <a:latin typeface="Arial" pitchFamily="-105" charset="0"/>
+                <a:ea typeface="ＭＳ Ｐゴシック" pitchFamily="-105" charset="-128"/>
+                <a:cs typeface="ＭＳ Ｐゴシック" pitchFamily="-105" charset="-128"/>
+              </a:rPr>
+              <a:t> Update (RFC8895)</a:t>
+            </a:r>
+            <a:endParaRPr lang="en-US" sz="1050" baseline="0" dirty="0">
+              <a:solidFill>
+                <a:schemeClr val="bg1"/>
+              </a:solidFill>
+              <a:effectLst>
+                <a:outerShdw blurRad="38100" dist="38100" dir="2700000" algn="tl">
+                  <a:srgbClr val="000000">
+                    <a:alpha val="43137"/>
+                  </a:srgbClr>
+                </a:outerShdw>
+              </a:effectLst>
+              <a:latin typeface="Arial" pitchFamily="-105" charset="0"/>
+              <a:ea typeface="ＭＳ Ｐゴシック" pitchFamily="-105" charset="-128"/>
+              <a:cs typeface="ＭＳ Ｐゴシック" pitchFamily="-105" charset="-128"/>
+            </a:endParaRPr>
+          </a:p>
+        </p:txBody>
+      </p:sp>
+      <p:sp>
+        <p:nvSpPr>
+          <p:cNvPr id="13" name="Rectangle 12"/>
+          <p:cNvSpPr/>
+          <p:nvPr/>
+        </p:nvSpPr>
+        <p:spPr bwMode="auto">
+          <a:xfrm>
+            <a:off x="3813242" y="1089515"/>
+            <a:ext cx="1449729" cy="414695"/>
+          </a:xfrm>
+          <a:prstGeom prst="rect">
+            <a:avLst/>
+          </a:prstGeom>
+          <a:solidFill>
+            <a:srgbClr val="00B050"/>
+          </a:solidFill>
+          <a:ln w="9525" cap="flat" cmpd="sng" algn="ctr">
+            <a:solidFill>
+              <a:schemeClr val="tx1"/>
+            </a:solidFill>
+            <a:prstDash val="solid"/>
+            <a:round/>
+            <a:headEnd type="none" w="med" len="med"/>
+            <a:tailEnd type="none" w="med" len="med"/>
+          </a:ln>
+          <a:effectLst/>
+        </p:spPr>
+        <p:txBody>
+          <a:bodyPr vert="horz" wrap="square" lIns="68580" tIns="34290" rIns="68580" bIns="34290" numCol="1" rtlCol="0" anchor="ctr" anchorCtr="0" compatLnSpc="1">
+            <a:prstTxWarp prst="textNoShape">
+              <a:avLst/>
+            </a:prstTxWarp>
+          </a:bodyPr>
+          <a:lstStyle/>
+          <a:p>
+            <a:pPr algn="ctr" defTabSz="685800" eaLnBrk="0" hangingPunct="0"/>
+            <a:r>
+              <a:rPr lang="en-US" sz="1200" baseline="0" dirty="0">
+                <a:solidFill>
+                  <a:schemeClr val="bg1"/>
+                </a:solidFill>
+                <a:effectLst>
+                  <a:outerShdw blurRad="38100" dist="38100" dir="2700000" algn="tl">
+                    <a:srgbClr val="000000">
+                      <a:alpha val="43137"/>
+                    </a:srgbClr>
+                  </a:outerShdw>
+                </a:effectLst>
+                <a:latin typeface="Arial" pitchFamily="-105" charset="0"/>
+                <a:ea typeface="ＭＳ Ｐゴシック" pitchFamily="-105" charset="-128"/>
+                <a:cs typeface="ＭＳ Ｐゴシック" pitchFamily="-105" charset="-128"/>
+              </a:rPr>
+              <a:t>Path Vector </a:t>
+            </a:r>
+            <a:br>
+              <a:rPr lang="en-US" sz="1200" baseline="0" dirty="0">
+                <a:solidFill>
+                  <a:schemeClr val="bg1"/>
+                </a:solidFill>
+                <a:effectLst>
+                  <a:outerShdw blurRad="38100" dist="38100" dir="2700000" algn="tl">
+                    <a:srgbClr val="000000">
+                      <a:alpha val="43137"/>
+                    </a:srgbClr>
+                  </a:outerShdw>
+                </a:effectLst>
+                <a:latin typeface="Arial" pitchFamily="-105" charset="0"/>
+                <a:ea typeface="ＭＳ Ｐゴシック" pitchFamily="-105" charset="-128"/>
+                <a:cs typeface="ＭＳ Ｐゴシック" pitchFamily="-105" charset="-128"/>
+              </a:rPr>
+            </a:br>
+            <a:r>
+              <a:rPr lang="en-US" sz="1200" baseline="0" dirty="0">
+                <a:solidFill>
+                  <a:schemeClr val="bg1"/>
+                </a:solidFill>
+                <a:effectLst>
+                  <a:outerShdw blurRad="38100" dist="38100" dir="2700000" algn="tl">
+                    <a:srgbClr val="000000">
+                      <a:alpha val="43137"/>
+                    </a:srgbClr>
+                  </a:outerShdw>
+                </a:effectLst>
+                <a:latin typeface="Arial" pitchFamily="-105" charset="0"/>
+                <a:ea typeface="ＭＳ Ｐゴシック" pitchFamily="-105" charset="-128"/>
+                <a:cs typeface="ＭＳ Ｐゴシック" pitchFamily="-105" charset="-128"/>
+              </a:rPr>
+              <a:t>(RFC editor)</a:t>
+            </a:r>
+          </a:p>
+        </p:txBody>
+      </p:sp>
+      <p:sp>
+        <p:nvSpPr>
+          <p:cNvPr id="14" name="Rectangle 13"/>
+          <p:cNvSpPr/>
+          <p:nvPr/>
+        </p:nvSpPr>
+        <p:spPr bwMode="auto">
+          <a:xfrm>
+            <a:off x="3813241" y="1748030"/>
+            <a:ext cx="1449729" cy="406604"/>
+          </a:xfrm>
+          <a:prstGeom prst="rect">
+            <a:avLst/>
+          </a:prstGeom>
+          <a:solidFill>
+            <a:srgbClr val="00B050"/>
+          </a:solidFill>
+          <a:ln w="9525" cap="flat" cmpd="sng" algn="ctr">
+            <a:solidFill>
+              <a:schemeClr val="tx1"/>
+            </a:solidFill>
+            <a:prstDash val="solid"/>
+            <a:round/>
+            <a:headEnd type="none" w="med" len="med"/>
+            <a:tailEnd type="none" w="med" len="med"/>
+          </a:ln>
+          <a:effectLst/>
+        </p:spPr>
+        <p:txBody>
+          <a:bodyPr vert="horz" wrap="square" lIns="68580" tIns="34290" rIns="68580" bIns="34290" numCol="1" rtlCol="0" anchor="ctr" anchorCtr="0" compatLnSpc="1">
+            <a:prstTxWarp prst="textNoShape">
+              <a:avLst/>
+            </a:prstTxWarp>
+          </a:bodyPr>
+          <a:lstStyle/>
+          <a:p>
+            <a:pPr algn="ctr" defTabSz="685800" eaLnBrk="0" hangingPunct="0"/>
+            <a:r>
+              <a:rPr lang="en-US" sz="1200" baseline="0" dirty="0">
+                <a:solidFill>
+                  <a:schemeClr val="bg1"/>
+                </a:solidFill>
+                <a:effectLst>
+                  <a:outerShdw blurRad="38100" dist="38100" dir="2700000" algn="tl">
+                    <a:srgbClr val="000000">
+                      <a:alpha val="43137"/>
+                    </a:srgbClr>
+                  </a:outerShdw>
+                </a:effectLst>
+                <a:latin typeface="Arial" pitchFamily="-105" charset="0"/>
+                <a:ea typeface="ＭＳ Ｐゴシック" pitchFamily="-105" charset="-128"/>
+                <a:cs typeface="ＭＳ Ｐゴシック" pitchFamily="-105" charset="-128"/>
+              </a:rPr>
+              <a:t>Unified Properties (RFC editor)</a:t>
+            </a:r>
+          </a:p>
+        </p:txBody>
+      </p:sp>
+      <p:sp>
+        <p:nvSpPr>
+          <p:cNvPr id="15" name="Rectangle 14"/>
+          <p:cNvSpPr/>
+          <p:nvPr/>
+        </p:nvSpPr>
+        <p:spPr bwMode="auto">
+          <a:xfrm>
+            <a:off x="2167583" y="3530684"/>
+            <a:ext cx="1449729" cy="457022"/>
+          </a:xfrm>
+          <a:prstGeom prst="rect">
+            <a:avLst/>
+          </a:prstGeom>
+          <a:solidFill>
+            <a:srgbClr val="00B050"/>
+          </a:solidFill>
+          <a:ln w="9525" cap="flat" cmpd="sng" algn="ctr">
+            <a:solidFill>
+              <a:schemeClr val="tx1"/>
+            </a:solidFill>
+            <a:prstDash val="solid"/>
+            <a:round/>
+            <a:headEnd type="none" w="med" len="med"/>
+            <a:tailEnd type="none" w="med" len="med"/>
+          </a:ln>
+          <a:effectLst/>
+        </p:spPr>
+        <p:txBody>
+          <a:bodyPr vert="horz" wrap="square" lIns="68580" tIns="34290" rIns="68580" bIns="34290" numCol="1" rtlCol="0" anchor="ctr" anchorCtr="0" compatLnSpc="1">
+            <a:prstTxWarp prst="textNoShape">
+              <a:avLst/>
+            </a:prstTxWarp>
+          </a:bodyPr>
+          <a:lstStyle/>
+          <a:p>
+            <a:pPr algn="ctr" defTabSz="685800" eaLnBrk="0" hangingPunct="0"/>
+            <a:r>
+              <a:rPr lang="en-US" sz="1200" baseline="0" dirty="0">
+                <a:solidFill>
+                  <a:schemeClr val="bg1"/>
+                </a:solidFill>
+                <a:effectLst>
+                  <a:outerShdw blurRad="38100" dist="38100" dir="2700000" algn="tl">
+                    <a:srgbClr val="000000">
+                      <a:alpha val="43137"/>
+                    </a:srgbClr>
+                  </a:outerShdw>
+                </a:effectLst>
+                <a:latin typeface="Arial" pitchFamily="-105" charset="0"/>
+                <a:ea typeface="ＭＳ Ｐゴシック" pitchFamily="-105" charset="-128"/>
+                <a:cs typeface="ＭＳ Ｐゴシック" pitchFamily="-105" charset="-128"/>
+              </a:rPr>
+              <a:t>Cost Metrics </a:t>
+            </a:r>
+            <a:br>
+              <a:rPr lang="en-US" sz="1200" baseline="0" dirty="0">
+                <a:solidFill>
+                  <a:schemeClr val="bg1"/>
+                </a:solidFill>
+                <a:effectLst>
+                  <a:outerShdw blurRad="38100" dist="38100" dir="2700000" algn="tl">
+                    <a:srgbClr val="000000">
+                      <a:alpha val="43137"/>
+                    </a:srgbClr>
+                  </a:outerShdw>
+                </a:effectLst>
+                <a:latin typeface="Arial" pitchFamily="-105" charset="0"/>
+                <a:ea typeface="ＭＳ Ｐゴシック" pitchFamily="-105" charset="-128"/>
+                <a:cs typeface="ＭＳ Ｐゴシック" pitchFamily="-105" charset="-128"/>
+              </a:rPr>
+            </a:br>
+            <a:r>
+              <a:rPr lang="en-US" sz="1200" baseline="0" dirty="0">
+                <a:solidFill>
+                  <a:schemeClr val="bg1"/>
+                </a:solidFill>
+                <a:effectLst>
+                  <a:outerShdw blurRad="38100" dist="38100" dir="2700000" algn="tl">
+                    <a:srgbClr val="000000">
+                      <a:alpha val="43137"/>
+                    </a:srgbClr>
+                  </a:outerShdw>
+                </a:effectLst>
+                <a:latin typeface="Arial" pitchFamily="-105" charset="0"/>
+                <a:ea typeface="ＭＳ Ｐゴシック" pitchFamily="-105" charset="-128"/>
+                <a:cs typeface="ＭＳ Ｐゴシック" pitchFamily="-105" charset="-128"/>
+              </a:rPr>
+              <a:t>(RFC editor)</a:t>
+            </a:r>
+            <a:endParaRPr lang="en-US" sz="1050" baseline="0" dirty="0">
+              <a:solidFill>
+                <a:schemeClr val="bg1"/>
+              </a:solidFill>
+              <a:effectLst>
+                <a:outerShdw blurRad="38100" dist="38100" dir="2700000" algn="tl">
+                  <a:srgbClr val="000000">
+                    <a:alpha val="43137"/>
+                  </a:srgbClr>
+                </a:outerShdw>
+              </a:effectLst>
+              <a:latin typeface="Arial" pitchFamily="-105" charset="0"/>
+              <a:ea typeface="ＭＳ Ｐゴシック" pitchFamily="-105" charset="-128"/>
+              <a:cs typeface="ＭＳ Ｐゴシック" pitchFamily="-105" charset="-128"/>
+            </a:endParaRPr>
+          </a:p>
+        </p:txBody>
+      </p:sp>
+      <p:sp>
+        <p:nvSpPr>
+          <p:cNvPr id="25" name="Rectangle 24">
+            <a:extLst>
+              <a:ext uri="{FF2B5EF4-FFF2-40B4-BE49-F238E27FC236}">
+                <a16:creationId xmlns:a16="http://schemas.microsoft.com/office/drawing/2014/main" id="{B71E8A26-3186-F14B-B0FB-88CFF1CA8205}"/>
+              </a:ext>
+            </a:extLst>
+          </p:cNvPr>
+          <p:cNvSpPr/>
+          <p:nvPr/>
+        </p:nvSpPr>
+        <p:spPr bwMode="auto">
+          <a:xfrm>
+            <a:off x="430835" y="3568796"/>
+            <a:ext cx="1449729" cy="510786"/>
+          </a:xfrm>
+          <a:prstGeom prst="rect">
+            <a:avLst/>
+          </a:prstGeom>
+          <a:solidFill>
+            <a:srgbClr val="00B050"/>
+          </a:solidFill>
+          <a:ln w="31750" cap="flat" cmpd="sng" algn="ctr">
+            <a:solidFill>
+              <a:schemeClr val="tx1"/>
+            </a:solidFill>
+            <a:prstDash val="solid"/>
+            <a:round/>
+            <a:headEnd type="none" w="med" len="med"/>
+            <a:tailEnd type="none" w="med" len="med"/>
+          </a:ln>
+          <a:effectLst/>
+        </p:spPr>
+        <p:txBody>
+          <a:bodyPr vert="horz" wrap="square" lIns="68580" tIns="34290" rIns="68580" bIns="34290" numCol="1" rtlCol="0" anchor="ctr" anchorCtr="0" compatLnSpc="1">
+            <a:prstTxWarp prst="textNoShape">
+              <a:avLst/>
+            </a:prstTxWarp>
+          </a:bodyPr>
+          <a:lstStyle/>
+          <a:p>
+            <a:pPr algn="ctr" eaLnBrk="0" hangingPunct="0"/>
+            <a:r>
+              <a:rPr lang="en-US" sz="1200" baseline="0" dirty="0" err="1">
+                <a:solidFill>
+                  <a:schemeClr val="bg1"/>
+                </a:solidFill>
+                <a:effectLst>
+                  <a:outerShdw blurRad="38100" dist="38100" dir="2700000" algn="tl">
+                    <a:srgbClr val="000000">
+                      <a:alpha val="43137"/>
+                    </a:srgbClr>
+                  </a:outerShdw>
+                </a:effectLst>
+                <a:latin typeface="Arial" pitchFamily="-105" charset="0"/>
+                <a:ea typeface="ＭＳ Ｐゴシック" pitchFamily="-105" charset="-128"/>
+                <a:cs typeface="ＭＳ Ｐゴシック" pitchFamily="-105" charset="-128"/>
+              </a:rPr>
+              <a:t>Xdom</a:t>
+            </a:r>
+            <a:r>
+              <a:rPr lang="en-US" sz="1200" baseline="0" dirty="0">
+                <a:solidFill>
+                  <a:schemeClr val="bg1"/>
+                </a:solidFill>
+                <a:effectLst>
+                  <a:outerShdw blurRad="38100" dist="38100" dir="2700000" algn="tl">
+                    <a:srgbClr val="000000">
+                      <a:alpha val="43137"/>
+                    </a:srgbClr>
+                  </a:outerShdw>
+                </a:effectLst>
+                <a:latin typeface="Arial" pitchFamily="-105" charset="0"/>
+                <a:ea typeface="ＭＳ Ｐゴシック" pitchFamily="-105" charset="-128"/>
+                <a:cs typeface="ＭＳ Ｐゴシック" pitchFamily="-105" charset="-128"/>
+              </a:rPr>
+              <a:t> Service Discovery (RFC8686)</a:t>
+            </a:r>
+          </a:p>
+        </p:txBody>
+      </p:sp>
+      <p:sp>
+        <p:nvSpPr>
+          <p:cNvPr id="16" name="TextBox 15">
+            <a:extLst>
+              <a:ext uri="{FF2B5EF4-FFF2-40B4-BE49-F238E27FC236}">
+                <a16:creationId xmlns:a16="http://schemas.microsoft.com/office/drawing/2014/main" id="{53F4E9AC-C4F7-4F41-AEAC-283EEEF6992E}"/>
+              </a:ext>
+            </a:extLst>
+          </p:cNvPr>
+          <p:cNvSpPr txBox="1"/>
+          <p:nvPr/>
+        </p:nvSpPr>
+        <p:spPr>
+          <a:xfrm>
+            <a:off x="3256635" y="4460534"/>
+            <a:ext cx="5389873" cy="338554"/>
+          </a:xfrm>
+          <a:prstGeom prst="rect">
+            <a:avLst/>
+          </a:prstGeom>
+          <a:noFill/>
+        </p:spPr>
+        <p:txBody>
+          <a:bodyPr wrap="none" rtlCol="0">
+            <a:spAutoFit/>
+          </a:bodyPr>
+          <a:lstStyle/>
+          <a:p>
+            <a:pPr algn="r"/>
+            <a:r>
+              <a:rPr lang="en-US" sz="1200" dirty="0"/>
+              <a:t>List see google doc:</a:t>
+            </a:r>
+            <a:br>
+              <a:rPr lang="en-US" sz="1200" dirty="0"/>
+            </a:br>
+            <a:r>
+              <a:rPr lang="en-US" sz="1200" dirty="0"/>
+              <a:t>https://</a:t>
+            </a:r>
+            <a:r>
+              <a:rPr lang="en-US" sz="1200" dirty="0" err="1"/>
+              <a:t>docs.google.com</a:t>
+            </a:r>
+            <a:r>
+              <a:rPr lang="en-US" sz="1200" dirty="0"/>
+              <a:t>/document/d/1qP9jf-CMXvNiEE3YAnApTczAE4QkBW23Q1Eg99uOaEQ/</a:t>
+            </a:r>
+            <a:r>
+              <a:rPr lang="en-US" sz="1200" dirty="0" err="1"/>
+              <a:t>edit?usp</a:t>
+            </a:r>
+            <a:r>
+              <a:rPr lang="en-US" sz="1200" dirty="0"/>
+              <a:t>=sharing</a:t>
+            </a:r>
+          </a:p>
+        </p:txBody>
+      </p:sp>
+      <p:sp>
+        <p:nvSpPr>
+          <p:cNvPr id="21" name="Rectangle 20">
+            <a:extLst>
+              <a:ext uri="{FF2B5EF4-FFF2-40B4-BE49-F238E27FC236}">
+                <a16:creationId xmlns:a16="http://schemas.microsoft.com/office/drawing/2014/main" id="{438863A8-040B-E440-8A64-CDA86DFAE571}"/>
+              </a:ext>
+            </a:extLst>
+          </p:cNvPr>
+          <p:cNvSpPr/>
+          <p:nvPr/>
+        </p:nvSpPr>
+        <p:spPr bwMode="auto">
+          <a:xfrm>
+            <a:off x="448264" y="1694016"/>
+            <a:ext cx="1449729" cy="526310"/>
+          </a:xfrm>
+          <a:prstGeom prst="rect">
+            <a:avLst/>
+          </a:prstGeom>
+          <a:solidFill>
+            <a:srgbClr val="00B050"/>
+          </a:solidFill>
+          <a:ln w="31750" cap="flat" cmpd="sng" algn="ctr">
+            <a:solidFill>
+              <a:schemeClr val="tx1"/>
+            </a:solidFill>
+            <a:prstDash val="solid"/>
+            <a:round/>
+            <a:headEnd type="none" w="med" len="med"/>
+            <a:tailEnd type="none" w="med" len="med"/>
+          </a:ln>
+          <a:effectLst/>
+        </p:spPr>
+        <p:txBody>
+          <a:bodyPr vert="horz" wrap="square" lIns="68580" tIns="34290" rIns="68580" bIns="34290" numCol="1" rtlCol="0" anchor="ctr" anchorCtr="0" compatLnSpc="1">
+            <a:prstTxWarp prst="textNoShape">
+              <a:avLst/>
+            </a:prstTxWarp>
+          </a:bodyPr>
+          <a:lstStyle/>
+          <a:p>
+            <a:pPr algn="ctr" defTabSz="685800" eaLnBrk="0" hangingPunct="0"/>
+            <a:r>
+              <a:rPr lang="en-US" sz="1200" baseline="0" dirty="0">
+                <a:solidFill>
+                  <a:schemeClr val="bg1"/>
+                </a:solidFill>
+                <a:effectLst>
+                  <a:outerShdw blurRad="38100" dist="38100" dir="2700000" algn="tl">
+                    <a:srgbClr val="000000">
+                      <a:alpha val="43137"/>
+                    </a:srgbClr>
+                  </a:outerShdw>
+                </a:effectLst>
+                <a:latin typeface="Arial" pitchFamily="-105" charset="0"/>
+                <a:ea typeface="ＭＳ Ｐゴシック" pitchFamily="-105" charset="-128"/>
+                <a:cs typeface="ＭＳ Ｐゴシック" pitchFamily="-105" charset="-128"/>
+              </a:rPr>
+              <a:t>Comcast Deployment</a:t>
+            </a:r>
+          </a:p>
+          <a:p>
+            <a:pPr algn="ctr" eaLnBrk="0" hangingPunct="0"/>
+            <a:r>
+              <a:rPr lang="en-US" sz="1200" baseline="0" dirty="0">
+                <a:solidFill>
+                  <a:schemeClr val="bg1"/>
+                </a:solidFill>
+                <a:effectLst>
+                  <a:outerShdw blurRad="38100" dist="38100" dir="2700000" algn="tl">
+                    <a:srgbClr val="000000">
+                      <a:alpha val="43137"/>
+                    </a:srgbClr>
+                  </a:outerShdw>
+                </a:effectLst>
+                <a:latin typeface="Arial" pitchFamily="-105" charset="0"/>
+                <a:ea typeface="ＭＳ Ｐゴシック" pitchFamily="-105" charset="-128"/>
+                <a:cs typeface="ＭＳ Ｐゴシック" pitchFamily="-105" charset="-128"/>
+              </a:rPr>
+              <a:t>(RFC5632)</a:t>
+            </a:r>
+          </a:p>
+        </p:txBody>
+      </p:sp>
+      <p:sp>
+        <p:nvSpPr>
+          <p:cNvPr id="22" name="Rectangle 21">
+            <a:extLst>
+              <a:ext uri="{FF2B5EF4-FFF2-40B4-BE49-F238E27FC236}">
+                <a16:creationId xmlns:a16="http://schemas.microsoft.com/office/drawing/2014/main" id="{5DCA19CE-E135-134B-BC14-75245EE9C275}"/>
+              </a:ext>
+            </a:extLst>
+          </p:cNvPr>
+          <p:cNvSpPr/>
+          <p:nvPr/>
+        </p:nvSpPr>
+        <p:spPr bwMode="auto">
+          <a:xfrm>
+            <a:off x="5868017" y="3827463"/>
+            <a:ext cx="2778491" cy="638637"/>
+          </a:xfrm>
+          <a:prstGeom prst="rect">
+            <a:avLst/>
+          </a:prstGeom>
+          <a:solidFill>
+            <a:schemeClr val="accent1">
+              <a:lumMod val="75000"/>
+            </a:schemeClr>
+          </a:solidFill>
+          <a:ln w="9525" cap="flat" cmpd="sng" algn="ctr">
+            <a:solidFill>
+              <a:schemeClr val="tx1"/>
+            </a:solidFill>
+            <a:prstDash val="solid"/>
+            <a:round/>
+            <a:headEnd type="none" w="med" len="med"/>
+            <a:tailEnd type="none" w="med" len="med"/>
+          </a:ln>
+          <a:effectLst/>
+        </p:spPr>
+        <p:txBody>
+          <a:bodyPr vert="horz" wrap="square" lIns="68580" tIns="34290" rIns="68580" bIns="34290" numCol="1" rtlCol="0" anchor="ctr" anchorCtr="0" compatLnSpc="1">
+            <a:prstTxWarp prst="textNoShape">
+              <a:avLst/>
+            </a:prstTxWarp>
+          </a:bodyPr>
+          <a:lstStyle/>
+          <a:p>
+            <a:pPr algn="ctr" defTabSz="685800" eaLnBrk="0" hangingPunct="0"/>
+            <a:r>
+              <a:rPr lang="en-US" sz="1200" baseline="0" dirty="0">
+                <a:solidFill>
+                  <a:schemeClr val="bg1"/>
+                </a:solidFill>
+                <a:effectLst>
+                  <a:outerShdw blurRad="38100" dist="38100" dir="2700000" algn="tl">
+                    <a:srgbClr val="000000">
+                      <a:alpha val="43137"/>
+                    </a:srgbClr>
+                  </a:outerShdw>
+                </a:effectLst>
+                <a:latin typeface="Arial" pitchFamily="-105" charset="0"/>
+                <a:ea typeface="ＭＳ Ｐゴシック" pitchFamily="-105" charset="-128"/>
+                <a:cs typeface="ＭＳ Ｐゴシック" pitchFamily="-105" charset="-128"/>
+              </a:rPr>
+              <a:t>Update ALTO drafts (FCS, cost context, BGP, multipart, )</a:t>
+            </a:r>
+          </a:p>
+        </p:txBody>
+      </p:sp>
+      <p:sp>
+        <p:nvSpPr>
+          <p:cNvPr id="23" name="Rectangle 22">
+            <a:extLst>
+              <a:ext uri="{FF2B5EF4-FFF2-40B4-BE49-F238E27FC236}">
+                <a16:creationId xmlns:a16="http://schemas.microsoft.com/office/drawing/2014/main" id="{C18C497A-4515-D04E-8379-5F1792A7C602}"/>
+              </a:ext>
+            </a:extLst>
+          </p:cNvPr>
+          <p:cNvSpPr/>
+          <p:nvPr/>
+        </p:nvSpPr>
+        <p:spPr bwMode="auto">
+          <a:xfrm>
+            <a:off x="5803868" y="998121"/>
+            <a:ext cx="2791513" cy="590056"/>
+          </a:xfrm>
+          <a:prstGeom prst="rect">
+            <a:avLst/>
+          </a:prstGeom>
+          <a:solidFill>
+            <a:schemeClr val="accent1">
+              <a:lumMod val="75000"/>
+            </a:schemeClr>
+          </a:solidFill>
+          <a:ln w="9525" cap="flat" cmpd="sng" algn="ctr">
+            <a:solidFill>
+              <a:schemeClr val="tx1"/>
+            </a:solidFill>
+            <a:prstDash val="solid"/>
+            <a:round/>
+            <a:headEnd type="none" w="med" len="med"/>
+            <a:tailEnd type="none" w="med" len="med"/>
+          </a:ln>
+          <a:effectLst/>
+        </p:spPr>
+        <p:txBody>
+          <a:bodyPr vert="horz" wrap="square" lIns="68580" tIns="34290" rIns="68580" bIns="34290" numCol="1" rtlCol="0" anchor="ctr" anchorCtr="0" compatLnSpc="1">
+            <a:prstTxWarp prst="textNoShape">
+              <a:avLst/>
+            </a:prstTxWarp>
+          </a:bodyPr>
+          <a:lstStyle/>
+          <a:p>
+            <a:pPr algn="ctr" defTabSz="685800" eaLnBrk="0" hangingPunct="0"/>
+            <a:r>
+              <a:rPr lang="en-US" sz="1200" baseline="0" dirty="0">
+                <a:solidFill>
+                  <a:schemeClr val="bg1"/>
+                </a:solidFill>
+                <a:effectLst>
+                  <a:outerShdw blurRad="38100" dist="38100" dir="2700000" algn="tl">
+                    <a:srgbClr val="000000">
+                      <a:alpha val="43137"/>
+                    </a:srgbClr>
+                  </a:outerShdw>
+                </a:effectLst>
+                <a:latin typeface="Arial" pitchFamily="-105" charset="0"/>
+                <a:ea typeface="ＭＳ Ｐゴシック" pitchFamily="-105" charset="-128"/>
+                <a:cs typeface="ＭＳ Ｐゴシック" pitchFamily="-105" charset="-128"/>
+              </a:rPr>
+              <a:t>MEC drafts (service edge, FDN, unified resources)</a:t>
+            </a:r>
+          </a:p>
+        </p:txBody>
+      </p:sp>
+      <p:sp>
+        <p:nvSpPr>
+          <p:cNvPr id="26" name="Rectangle 25">
+            <a:extLst>
+              <a:ext uri="{FF2B5EF4-FFF2-40B4-BE49-F238E27FC236}">
+                <a16:creationId xmlns:a16="http://schemas.microsoft.com/office/drawing/2014/main" id="{86DAD4EB-E129-EB44-BD26-BBB4068FD0F8}"/>
+              </a:ext>
+            </a:extLst>
+          </p:cNvPr>
+          <p:cNvSpPr/>
+          <p:nvPr/>
+        </p:nvSpPr>
+        <p:spPr bwMode="auto">
+          <a:xfrm>
+            <a:off x="5816890" y="1889689"/>
+            <a:ext cx="2791512" cy="558522"/>
+          </a:xfrm>
+          <a:prstGeom prst="rect">
+            <a:avLst/>
+          </a:prstGeom>
+          <a:solidFill>
+            <a:schemeClr val="accent1">
+              <a:lumMod val="75000"/>
+            </a:schemeClr>
+          </a:solidFill>
+          <a:ln w="9525" cap="flat" cmpd="sng" algn="ctr">
+            <a:solidFill>
+              <a:schemeClr val="tx1"/>
+            </a:solidFill>
+            <a:prstDash val="solid"/>
+            <a:round/>
+            <a:headEnd type="none" w="med" len="med"/>
+            <a:tailEnd type="none" w="med" len="med"/>
+          </a:ln>
+          <a:effectLst/>
+        </p:spPr>
+        <p:txBody>
+          <a:bodyPr vert="horz" wrap="square" lIns="68580" tIns="34290" rIns="68580" bIns="34290" numCol="1" rtlCol="0" anchor="ctr" anchorCtr="0" compatLnSpc="1">
+            <a:prstTxWarp prst="textNoShape">
+              <a:avLst/>
+            </a:prstTxWarp>
+          </a:bodyPr>
+          <a:lstStyle/>
+          <a:p>
+            <a:pPr algn="ctr" defTabSz="685800" eaLnBrk="0" hangingPunct="0"/>
+            <a:r>
+              <a:rPr lang="en-US" sz="1200" baseline="0" dirty="0">
+                <a:solidFill>
+                  <a:schemeClr val="bg1"/>
+                </a:solidFill>
+                <a:effectLst>
+                  <a:outerShdw blurRad="38100" dist="38100" dir="2700000" algn="tl">
+                    <a:srgbClr val="000000">
+                      <a:alpha val="43137"/>
+                    </a:srgbClr>
+                  </a:outerShdw>
+                </a:effectLst>
+                <a:latin typeface="Arial" pitchFamily="-105" charset="0"/>
+                <a:ea typeface="ＭＳ Ｐゴシック" pitchFamily="-105" charset="-128"/>
+                <a:cs typeface="ＭＳ Ｐゴシック" pitchFamily="-105" charset="-128"/>
+              </a:rPr>
+              <a:t>Cellular/mobile networks drafts (MOWIE, cellular addresses, mobility network models)</a:t>
+            </a:r>
+          </a:p>
+        </p:txBody>
+      </p:sp>
+      <p:sp>
+        <p:nvSpPr>
+          <p:cNvPr id="27" name="Rectangle 26">
+            <a:extLst>
+              <a:ext uri="{FF2B5EF4-FFF2-40B4-BE49-F238E27FC236}">
+                <a16:creationId xmlns:a16="http://schemas.microsoft.com/office/drawing/2014/main" id="{762C6DE9-593F-5747-AFCF-0A2078347C6A}"/>
+              </a:ext>
+            </a:extLst>
+          </p:cNvPr>
+          <p:cNvSpPr/>
+          <p:nvPr/>
+        </p:nvSpPr>
+        <p:spPr bwMode="auto">
+          <a:xfrm>
+            <a:off x="5816890" y="2764900"/>
+            <a:ext cx="2778491" cy="636611"/>
+          </a:xfrm>
+          <a:prstGeom prst="rect">
+            <a:avLst/>
+          </a:prstGeom>
+          <a:solidFill>
+            <a:schemeClr val="accent1">
+              <a:lumMod val="75000"/>
+            </a:schemeClr>
+          </a:solidFill>
+          <a:ln w="9525" cap="flat" cmpd="sng" algn="ctr">
+            <a:solidFill>
+              <a:schemeClr val="tx1"/>
+            </a:solidFill>
+            <a:prstDash val="solid"/>
+            <a:round/>
+            <a:headEnd type="none" w="med" len="med"/>
+            <a:tailEnd type="none" w="med" len="med"/>
+          </a:ln>
+          <a:effectLst/>
+        </p:spPr>
+        <p:txBody>
+          <a:bodyPr vert="horz" wrap="square" lIns="68580" tIns="34290" rIns="68580" bIns="34290" numCol="1" rtlCol="0" anchor="ctr" anchorCtr="0" compatLnSpc="1">
+            <a:prstTxWarp prst="textNoShape">
+              <a:avLst/>
+            </a:prstTxWarp>
+          </a:bodyPr>
+          <a:lstStyle/>
+          <a:p>
+            <a:pPr algn="ctr" defTabSz="685800" eaLnBrk="0" hangingPunct="0"/>
+            <a:r>
+              <a:rPr lang="en-US" sz="1200" baseline="0" dirty="0">
+                <a:solidFill>
+                  <a:schemeClr val="bg1"/>
+                </a:solidFill>
+                <a:effectLst>
+                  <a:outerShdw blurRad="38100" dist="38100" dir="2700000" algn="tl">
+                    <a:srgbClr val="000000">
+                      <a:alpha val="43137"/>
+                    </a:srgbClr>
+                  </a:outerShdw>
+                </a:effectLst>
+                <a:latin typeface="Arial" pitchFamily="-105" charset="0"/>
+                <a:ea typeface="ＭＳ Ｐゴシック" pitchFamily="-105" charset="-128"/>
+                <a:cs typeface="ＭＳ Ｐゴシック" pitchFamily="-105" charset="-128"/>
+              </a:rPr>
+              <a:t>Aggregation, proxy, multi-domain drafts</a:t>
+            </a:r>
+          </a:p>
+        </p:txBody>
+      </p:sp>
+    </p:spTree>
+    <p:extLst>
+      <p:ext uri="{BB962C8B-B14F-4D97-AF65-F5344CB8AC3E}">
+        <p14:creationId xmlns:p14="http://schemas.microsoft.com/office/powerpoint/2010/main" val="4037479549"/>
+      </p:ext>
+    </p:extLst>
+  </p:cSld>
+  <p:clrMapOvr>
+    <a:masterClrMapping/>
+  </p:clrMapOvr>
+</p:sld>
+</file>
+
+<file path=ppt/slides/slide5.xml><?xml version="1.0" encoding="utf-8"?>
+<p:sld xmlns:a="http://schemas.openxmlformats.org/drawingml/2006/main" xmlns:r="http://schemas.openxmlformats.org/officeDocument/2006/relationships" xmlns:p="http://schemas.openxmlformats.org/presentationml/2006/main">
+  <p:cSld>
+    <p:spTree>
+      <p:nvGrpSpPr>
+        <p:cNvPr id="1" name=""/>
+        <p:cNvGrpSpPr/>
+        <p:nvPr/>
+      </p:nvGrpSpPr>
+      <p:grpSpPr>
+        <a:xfrm>
+          <a:off x="0" y="0"/>
+          <a:ext cx="0" cy="0"/>
+          <a:chOff x="0" y="0"/>
+          <a:chExt cx="0" cy="0"/>
+        </a:xfrm>
+      </p:grpSpPr>
+      <p:sp>
+        <p:nvSpPr>
+          <p:cNvPr id="2" name="Title 1">
+            <a:extLst>
+              <a:ext uri="{FF2B5EF4-FFF2-40B4-BE49-F238E27FC236}">
+                <a16:creationId xmlns:a16="http://schemas.microsoft.com/office/drawing/2014/main" id="{78B486DC-1436-8F4A-ACC9-520A7445CA8D}"/>
+              </a:ext>
+            </a:extLst>
+          </p:cNvPr>
+          <p:cNvSpPr>
+            <a:spLocks noGrp="1"/>
+          </p:cNvSpPr>
+          <p:nvPr>
+            <p:ph type="title"/>
+          </p:nvPr>
+        </p:nvSpPr>
+        <p:spPr/>
+        <p:txBody>
+          <a:bodyPr/>
+          <a:lstStyle/>
+          <a:p>
+            <a:r>
+              <a:rPr lang="en-US" dirty="0"/>
+              <a:t>Basic ALTO Protocol Framework</a:t>
+            </a:r>
+          </a:p>
+        </p:txBody>
+      </p:sp>
+      <p:sp>
+        <p:nvSpPr>
+          <p:cNvPr id="3" name="Content Placeholder 2">
+            <a:extLst>
+              <a:ext uri="{FF2B5EF4-FFF2-40B4-BE49-F238E27FC236}">
+                <a16:creationId xmlns:a16="http://schemas.microsoft.com/office/drawing/2014/main" id="{7FBFCCB0-F6BB-3E4F-9682-AAFAC8C1B4B9}"/>
+              </a:ext>
+            </a:extLst>
+          </p:cNvPr>
+          <p:cNvSpPr>
+            <a:spLocks noGrp="1"/>
+          </p:cNvSpPr>
+          <p:nvPr>
+            <p:ph idx="1"/>
+          </p:nvPr>
+        </p:nvSpPr>
+        <p:spPr>
+          <a:xfrm>
+            <a:off x="0" y="578561"/>
+            <a:ext cx="8856662" cy="4000500"/>
+          </a:xfrm>
+        </p:spPr>
+        <p:txBody>
+          <a:bodyPr/>
+          <a:lstStyle/>
+          <a:p>
+            <a:r>
+              <a:rPr lang="en-US" sz="1800" dirty="0"/>
+              <a:t>Network information divided into (network) information resources</a:t>
+            </a:r>
+          </a:p>
+          <a:p>
+            <a:r>
+              <a:rPr lang="en-US" sz="1800" dirty="0"/>
+              <a:t>List of available information resources provided by Information Resource Directory (IRD)</a:t>
+            </a:r>
+          </a:p>
+          <a:p>
+            <a:r>
+              <a:rPr lang="en-US" sz="1800" dirty="0"/>
+              <a:t>Bootstrap server provided by server discovery</a:t>
+            </a:r>
+          </a:p>
+          <a:p>
+            <a:pPr lvl="1"/>
+            <a:r>
+              <a:rPr lang="en-US" sz="1500" dirty="0"/>
+              <a:t>Server discovery, </a:t>
+            </a:r>
+            <a:r>
+              <a:rPr lang="en-US" sz="1500" dirty="0" err="1"/>
+              <a:t>xdom</a:t>
+            </a:r>
+            <a:r>
+              <a:rPr lang="en-US" sz="1500" dirty="0"/>
+              <a:t> discovery</a:t>
+            </a:r>
+          </a:p>
+          <a:p>
+            <a:r>
+              <a:rPr lang="en-US" sz="1800" dirty="0"/>
+              <a:t>Each individual information resource is provided as a RESTful service</a:t>
+            </a:r>
+          </a:p>
+          <a:p>
+            <a:r>
+              <a:rPr lang="en-US" sz="1800" dirty="0"/>
+              <a:t>A generic, SSE-based framework to stream-control, push, incrementally update information resources</a:t>
+            </a:r>
+          </a:p>
+        </p:txBody>
+      </p:sp>
+      <p:pic>
+        <p:nvPicPr>
+          <p:cNvPr id="4" name="Picture 3">
+            <a:extLst>
+              <a:ext uri="{FF2B5EF4-FFF2-40B4-BE49-F238E27FC236}">
+                <a16:creationId xmlns:a16="http://schemas.microsoft.com/office/drawing/2014/main" id="{DE74FF1C-B06D-DA47-B4A4-A100388074C6}"/>
+              </a:ext>
+            </a:extLst>
+          </p:cNvPr>
+          <p:cNvPicPr>
+            <a:picLocks noChangeAspect="1"/>
+          </p:cNvPicPr>
+          <p:nvPr/>
+        </p:nvPicPr>
+        <p:blipFill>
+          <a:blip r:embed="rId2"/>
+          <a:stretch>
+            <a:fillRect/>
+          </a:stretch>
+        </p:blipFill>
+        <p:spPr>
+          <a:xfrm>
+            <a:off x="543598" y="2875655"/>
+            <a:ext cx="3315097" cy="1952174"/>
+          </a:xfrm>
+          <a:prstGeom prst="rect">
+            <a:avLst/>
+          </a:prstGeom>
+        </p:spPr>
+      </p:pic>
+      <p:pic>
+        <p:nvPicPr>
+          <p:cNvPr id="5" name="Picture 4">
+            <a:extLst>
+              <a:ext uri="{FF2B5EF4-FFF2-40B4-BE49-F238E27FC236}">
+                <a16:creationId xmlns:a16="http://schemas.microsoft.com/office/drawing/2014/main" id="{2F39F3AA-1054-BC4A-BA1B-A6115411E933}"/>
+              </a:ext>
+            </a:extLst>
+          </p:cNvPr>
+          <p:cNvPicPr>
+            <a:picLocks noChangeAspect="1"/>
+          </p:cNvPicPr>
+          <p:nvPr/>
+        </p:nvPicPr>
+        <p:blipFill>
+          <a:blip r:embed="rId3"/>
+          <a:stretch>
+            <a:fillRect/>
+          </a:stretch>
+        </p:blipFill>
+        <p:spPr>
+          <a:xfrm>
+            <a:off x="4402293" y="2875655"/>
+            <a:ext cx="3953037" cy="943767"/>
+          </a:xfrm>
+          <a:prstGeom prst="rect">
+            <a:avLst/>
+          </a:prstGeom>
+        </p:spPr>
+      </p:pic>
+    </p:spTree>
+    <p:extLst>
+      <p:ext uri="{BB962C8B-B14F-4D97-AF65-F5344CB8AC3E}">
+        <p14:creationId xmlns:p14="http://schemas.microsoft.com/office/powerpoint/2010/main" val="3119564854"/>
+      </p:ext>
+    </p:extLst>
+  </p:cSld>
+  <p:clrMapOvr>
+    <a:masterClrMapping/>
+  </p:clrMapOvr>
+</p:sld>
+</file>
+
+<file path=ppt/slides/slide6.xml><?xml version="1.0" encoding="utf-8"?>
 <p:sld xmlns:a="http://schemas.openxmlformats.org/drawingml/2006/main" xmlns:r="http://schemas.openxmlformats.org/officeDocument/2006/relationships" xmlns:p="http://schemas.openxmlformats.org/presentationml/2006/main">
   <p:cSld>
     <p:spTree>
@@ -37526,7 +39204,7 @@
 </p:sld>
 </file>
 
-<file path=ppt/slides/slide5.xml><?xml version="1.0" encoding="utf-8"?>
+<file path=ppt/slides/slide7.xml><?xml version="1.0" encoding="utf-8"?>
 <p:sld xmlns:a="http://schemas.openxmlformats.org/drawingml/2006/main" xmlns:r="http://schemas.openxmlformats.org/officeDocument/2006/relationships" xmlns:p="http://schemas.openxmlformats.org/presentationml/2006/main">
   <p:cSld>
     <p:spTree>
@@ -37566,7 +39244,7 @@
           <a:p>
             <a:r>
               <a:rPr lang="en-US" dirty="0"/>
-              <a:t>Related Network Abstractions</a:t>
+              <a:t>Basic Network Abstractions</a:t>
             </a:r>
           </a:p>
         </p:txBody>
@@ -37737,7 +39415,7 @@
 </p:sld>
 </file>
 
-<file path=ppt/slides/slide6.xml><?xml version="1.0" encoding="utf-8"?>
+<file path=ppt/slides/slide8.xml><?xml version="1.0" encoding="utf-8"?>
 <p:sld xmlns:a="http://schemas.openxmlformats.org/drawingml/2006/main" xmlns:r="http://schemas.openxmlformats.org/officeDocument/2006/relationships" xmlns:p="http://schemas.openxmlformats.org/presentationml/2006/main">
   <p:cSld>
     <p:spTree>
@@ -37898,7 +39576,7 @@
 </p:sld>
 </file>
 
-<file path=ppt/slides/slide7.xml><?xml version="1.0" encoding="utf-8"?>
+<file path=ppt/slides/slide9.xml><?xml version="1.0" encoding="utf-8"?>
 <p:sld xmlns:a="http://schemas.openxmlformats.org/drawingml/2006/main" xmlns:r="http://schemas.openxmlformats.org/officeDocument/2006/relationships" xmlns:p="http://schemas.openxmlformats.org/presentationml/2006/main">
   <p:cSld>
     <p:spTree>
@@ -38085,339 +39763,6 @@
     <p:extLst>
       <p:ext uri="{BB962C8B-B14F-4D97-AF65-F5344CB8AC3E}">
         <p14:creationId xmlns:p14="http://schemas.microsoft.com/office/powerpoint/2010/main" val="4008698344"/>
-      </p:ext>
-    </p:extLst>
-  </p:cSld>
-  <p:clrMapOvr>
-    <a:masterClrMapping/>
-  </p:clrMapOvr>
-</p:sld>
-</file>
-
-<file path=ppt/slides/slide8.xml><?xml version="1.0" encoding="utf-8"?>
-<p:sld xmlns:a="http://schemas.openxmlformats.org/drawingml/2006/main" xmlns:r="http://schemas.openxmlformats.org/officeDocument/2006/relationships" xmlns:p="http://schemas.openxmlformats.org/presentationml/2006/main">
-  <p:cSld>
-    <p:spTree>
-      <p:nvGrpSpPr>
-        <p:cNvPr id="1" name=""/>
-        <p:cNvGrpSpPr/>
-        <p:nvPr/>
-      </p:nvGrpSpPr>
-      <p:grpSpPr>
-        <a:xfrm>
-          <a:off x="0" y="0"/>
-          <a:ext cx="0" cy="0"/>
-          <a:chOff x="0" y="0"/>
-          <a:chExt cx="0" cy="0"/>
-        </a:xfrm>
-      </p:grpSpPr>
-      <p:sp>
-        <p:nvSpPr>
-          <p:cNvPr id="2" name="Title 1">
-            <a:extLst>
-              <a:ext uri="{FF2B5EF4-FFF2-40B4-BE49-F238E27FC236}">
-                <a16:creationId xmlns:a16="http://schemas.microsoft.com/office/drawing/2014/main" id="{70AC13F9-04CE-CE42-A110-BC394746D10C}"/>
-              </a:ext>
-            </a:extLst>
-          </p:cNvPr>
-          <p:cNvSpPr>
-            <a:spLocks noGrp="1"/>
-          </p:cNvSpPr>
-          <p:nvPr>
-            <p:ph type="title"/>
-          </p:nvPr>
-        </p:nvSpPr>
-        <p:spPr/>
-        <p:txBody>
-          <a:bodyPr/>
-          <a:lstStyle/>
-          <a:p>
-            <a:r>
-              <a:rPr lang="en-US" dirty="0"/>
-              <a:t>Simple ALTO Example: Path Vector</a:t>
-            </a:r>
-          </a:p>
-        </p:txBody>
-      </p:sp>
-      <p:sp>
-        <p:nvSpPr>
-          <p:cNvPr id="3" name="Content Placeholder 2">
-            <a:extLst>
-              <a:ext uri="{FF2B5EF4-FFF2-40B4-BE49-F238E27FC236}">
-                <a16:creationId xmlns:a16="http://schemas.microsoft.com/office/drawing/2014/main" id="{4ABBF26B-5B20-9440-BC6C-B89F8331C952}"/>
-              </a:ext>
-            </a:extLst>
-          </p:cNvPr>
-          <p:cNvSpPr>
-            <a:spLocks noGrp="1"/>
-          </p:cNvSpPr>
-          <p:nvPr>
-            <p:ph idx="1"/>
-          </p:nvPr>
-        </p:nvSpPr>
-        <p:spPr>
-          <a:xfrm>
-            <a:off x="125413" y="4428392"/>
-            <a:ext cx="8856662" cy="315057"/>
-          </a:xfrm>
-        </p:spPr>
-        <p:txBody>
-          <a:bodyPr/>
-          <a:lstStyle/>
-          <a:p>
-            <a:r>
-              <a:rPr lang="en-US" sz="1600" dirty="0"/>
-              <a:t>More details see https://</a:t>
-            </a:r>
-            <a:r>
-              <a:rPr lang="en-US" sz="1600" dirty="0" err="1"/>
-              <a:t>datatracker.ietf.org</a:t>
-            </a:r>
-            <a:r>
-              <a:rPr lang="en-US" sz="1600" dirty="0"/>
-              <a:t>/doc/html/draft-ietf-alto-path-vector-21#section-8.1</a:t>
-            </a:r>
-          </a:p>
-        </p:txBody>
-      </p:sp>
-      <p:pic>
-        <p:nvPicPr>
-          <p:cNvPr id="4" name="Picture 3">
-            <a:extLst>
-              <a:ext uri="{FF2B5EF4-FFF2-40B4-BE49-F238E27FC236}">
-                <a16:creationId xmlns:a16="http://schemas.microsoft.com/office/drawing/2014/main" id="{327CAA29-B140-8643-B008-FEA1DFE14994}"/>
-              </a:ext>
-            </a:extLst>
-          </p:cNvPr>
-          <p:cNvPicPr>
-            <a:picLocks noChangeAspect="1"/>
-          </p:cNvPicPr>
-          <p:nvPr/>
-        </p:nvPicPr>
-        <p:blipFill>
-          <a:blip r:embed="rId2"/>
-          <a:stretch>
-            <a:fillRect/>
-          </a:stretch>
-        </p:blipFill>
-        <p:spPr>
-          <a:xfrm>
-            <a:off x="125413" y="952769"/>
-            <a:ext cx="3489895" cy="3521055"/>
-          </a:xfrm>
-          <a:prstGeom prst="rect">
-            <a:avLst/>
-          </a:prstGeom>
-        </p:spPr>
-      </p:pic>
-      <p:pic>
-        <p:nvPicPr>
-          <p:cNvPr id="9" name="Picture 8">
-            <a:extLst>
-              <a:ext uri="{FF2B5EF4-FFF2-40B4-BE49-F238E27FC236}">
-                <a16:creationId xmlns:a16="http://schemas.microsoft.com/office/drawing/2014/main" id="{AECB6602-5256-AE40-99B5-7F19156CFAEB}"/>
-              </a:ext>
-            </a:extLst>
-          </p:cNvPr>
-          <p:cNvPicPr>
-            <a:picLocks noChangeAspect="1"/>
-          </p:cNvPicPr>
-          <p:nvPr/>
-        </p:nvPicPr>
-        <p:blipFill>
-          <a:blip r:embed="rId3"/>
-          <a:stretch>
-            <a:fillRect/>
-          </a:stretch>
-        </p:blipFill>
-        <p:spPr>
-          <a:xfrm>
-            <a:off x="3262081" y="952769"/>
-            <a:ext cx="3036610" cy="3101416"/>
-          </a:xfrm>
-          <a:prstGeom prst="rect">
-            <a:avLst/>
-          </a:prstGeom>
-        </p:spPr>
-      </p:pic>
-      <p:pic>
-        <p:nvPicPr>
-          <p:cNvPr id="10" name="Picture 9">
-            <a:extLst>
-              <a:ext uri="{FF2B5EF4-FFF2-40B4-BE49-F238E27FC236}">
-                <a16:creationId xmlns:a16="http://schemas.microsoft.com/office/drawing/2014/main" id="{528C226C-5F01-8D4A-A6A4-5B8D92A84158}"/>
-              </a:ext>
-            </a:extLst>
-          </p:cNvPr>
-          <p:cNvPicPr>
-            <a:picLocks noChangeAspect="1"/>
-          </p:cNvPicPr>
-          <p:nvPr/>
-        </p:nvPicPr>
-        <p:blipFill>
-          <a:blip r:embed="rId4"/>
-          <a:stretch>
-            <a:fillRect/>
-          </a:stretch>
-        </p:blipFill>
-        <p:spPr>
-          <a:xfrm>
-            <a:off x="6387664" y="964506"/>
-            <a:ext cx="2624068" cy="3114378"/>
-          </a:xfrm>
-          <a:prstGeom prst="rect">
-            <a:avLst/>
-          </a:prstGeom>
-        </p:spPr>
-      </p:pic>
-    </p:spTree>
-    <p:extLst>
-      <p:ext uri="{BB962C8B-B14F-4D97-AF65-F5344CB8AC3E}">
-        <p14:creationId xmlns:p14="http://schemas.microsoft.com/office/powerpoint/2010/main" val="3594806050"/>
-      </p:ext>
-    </p:extLst>
-  </p:cSld>
-  <p:clrMapOvr>
-    <a:masterClrMapping/>
-  </p:clrMapOvr>
-</p:sld>
-</file>
-
-<file path=ppt/slides/slide9.xml><?xml version="1.0" encoding="utf-8"?>
-<p:sld xmlns:a="http://schemas.openxmlformats.org/drawingml/2006/main" xmlns:r="http://schemas.openxmlformats.org/officeDocument/2006/relationships" xmlns:p="http://schemas.openxmlformats.org/presentationml/2006/main">
-  <p:cSld>
-    <p:spTree>
-      <p:nvGrpSpPr>
-        <p:cNvPr id="1" name=""/>
-        <p:cNvGrpSpPr/>
-        <p:nvPr/>
-      </p:nvGrpSpPr>
-      <p:grpSpPr>
-        <a:xfrm>
-          <a:off x="0" y="0"/>
-          <a:ext cx="0" cy="0"/>
-          <a:chOff x="0" y="0"/>
-          <a:chExt cx="0" cy="0"/>
-        </a:xfrm>
-      </p:grpSpPr>
-      <p:sp>
-        <p:nvSpPr>
-          <p:cNvPr id="2" name="Title 1">
-            <a:extLst>
-              <a:ext uri="{FF2B5EF4-FFF2-40B4-BE49-F238E27FC236}">
-                <a16:creationId xmlns:a16="http://schemas.microsoft.com/office/drawing/2014/main" id="{C780B801-193E-1B47-95B0-807BD765AC71}"/>
-              </a:ext>
-            </a:extLst>
-          </p:cNvPr>
-          <p:cNvSpPr>
-            <a:spLocks noGrp="1"/>
-          </p:cNvSpPr>
-          <p:nvPr>
-            <p:ph type="title"/>
-          </p:nvPr>
-        </p:nvSpPr>
-        <p:spPr/>
-        <p:txBody>
-          <a:bodyPr/>
-          <a:lstStyle/>
-          <a:p>
-            <a:r>
-              <a:rPr lang="en-US" dirty="0"/>
-              <a:t>Ongoing Work: Bottleneck Structure</a:t>
-            </a:r>
-          </a:p>
-        </p:txBody>
-      </p:sp>
-      <p:sp>
-        <p:nvSpPr>
-          <p:cNvPr id="3" name="Content Placeholder 2">
-            <a:extLst>
-              <a:ext uri="{FF2B5EF4-FFF2-40B4-BE49-F238E27FC236}">
-                <a16:creationId xmlns:a16="http://schemas.microsoft.com/office/drawing/2014/main" id="{517FFC13-A598-304E-8756-83D510550767}"/>
-              </a:ext>
-            </a:extLst>
-          </p:cNvPr>
-          <p:cNvSpPr>
-            <a:spLocks noGrp="1"/>
-          </p:cNvSpPr>
-          <p:nvPr>
-            <p:ph idx="1"/>
-          </p:nvPr>
-        </p:nvSpPr>
-        <p:spPr>
-          <a:xfrm>
-            <a:off x="125413" y="742950"/>
-            <a:ext cx="4446587" cy="4000500"/>
-          </a:xfrm>
-        </p:spPr>
-        <p:txBody>
-          <a:bodyPr/>
-          <a:lstStyle/>
-          <a:p>
-            <a:r>
-              <a:rPr lang="en-US" dirty="0"/>
-              <a:t>More details see </a:t>
-            </a:r>
-          </a:p>
-          <a:p>
-            <a:pPr lvl="1"/>
-            <a:r>
-              <a:rPr lang="en-US" dirty="0"/>
-              <a:t>https://</a:t>
-            </a:r>
-            <a:r>
-              <a:rPr lang="en-US" dirty="0" err="1"/>
-              <a:t>www.reservoir.com</a:t>
-            </a:r>
-            <a:r>
-              <a:rPr lang="en-US" dirty="0"/>
-              <a:t>/</a:t>
-            </a:r>
-            <a:r>
-              <a:rPr lang="en-US" dirty="0" err="1"/>
-              <a:t>wp</a:t>
-            </a:r>
-            <a:r>
-              <a:rPr lang="en-US" dirty="0"/>
-              <a:t>-content/uploads/2021/08/G2_QTBS_TR_2021.pdf</a:t>
-            </a:r>
-          </a:p>
-        </p:txBody>
-      </p:sp>
-      <p:pic>
-        <p:nvPicPr>
-          <p:cNvPr id="4" name="Picture 3">
-            <a:extLst>
-              <a:ext uri="{FF2B5EF4-FFF2-40B4-BE49-F238E27FC236}">
-                <a16:creationId xmlns:a16="http://schemas.microsoft.com/office/drawing/2014/main" id="{4A86A071-A933-5B41-9A33-94CFC95FB44D}"/>
-              </a:ext>
-            </a:extLst>
-          </p:cNvPr>
-          <p:cNvPicPr>
-            <a:picLocks noChangeAspect="1"/>
-          </p:cNvPicPr>
-          <p:nvPr/>
-        </p:nvPicPr>
-        <p:blipFill>
-          <a:blip r:embed="rId2"/>
-          <a:stretch>
-            <a:fillRect/>
-          </a:stretch>
-        </p:blipFill>
-        <p:spPr>
-          <a:xfrm>
-            <a:off x="4816531" y="814026"/>
-            <a:ext cx="4002809" cy="3929424"/>
-          </a:xfrm>
-          <a:prstGeom prst="rect">
-            <a:avLst/>
-          </a:prstGeom>
-        </p:spPr>
-      </p:pic>
-    </p:spTree>
-    <p:extLst>
-      <p:ext uri="{BB962C8B-B14F-4D97-AF65-F5344CB8AC3E}">
-        <p14:creationId xmlns:p14="http://schemas.microsoft.com/office/powerpoint/2010/main" val="3935193738"/>
       </p:ext>
     </p:extLst>
   </p:cSld>
